--- a/Proposal Vortrag/Präsi.pptx
+++ b/Proposal Vortrag/Präsi.pptx
@@ -5,26 +5,28 @@
     <p:sldMasterId id="2147483648" r:id="rId1"/>
   </p:sldMasterIdLst>
   <p:notesMasterIdLst>
-    <p:notesMasterId r:id="rId16"/>
+    <p:notesMasterId r:id="rId18"/>
   </p:notesMasterIdLst>
   <p:handoutMasterIdLst>
-    <p:handoutMasterId r:id="rId17"/>
+    <p:handoutMasterId r:id="rId19"/>
   </p:handoutMasterIdLst>
   <p:sldIdLst>
     <p:sldId id="264" r:id="rId2"/>
     <p:sldId id="265" r:id="rId3"/>
     <p:sldId id="266" r:id="rId4"/>
     <p:sldId id="267" r:id="rId5"/>
-    <p:sldId id="268" r:id="rId6"/>
-    <p:sldId id="269" r:id="rId7"/>
-    <p:sldId id="271" r:id="rId8"/>
-    <p:sldId id="270" r:id="rId9"/>
-    <p:sldId id="272" r:id="rId10"/>
-    <p:sldId id="273" r:id="rId11"/>
-    <p:sldId id="274" r:id="rId12"/>
-    <p:sldId id="275" r:id="rId13"/>
-    <p:sldId id="276" r:id="rId14"/>
-    <p:sldId id="277" r:id="rId15"/>
+    <p:sldId id="278" r:id="rId6"/>
+    <p:sldId id="268" r:id="rId7"/>
+    <p:sldId id="269" r:id="rId8"/>
+    <p:sldId id="271" r:id="rId9"/>
+    <p:sldId id="270" r:id="rId10"/>
+    <p:sldId id="272" r:id="rId11"/>
+    <p:sldId id="273" r:id="rId12"/>
+    <p:sldId id="274" r:id="rId13"/>
+    <p:sldId id="275" r:id="rId14"/>
+    <p:sldId id="279" r:id="rId15"/>
+    <p:sldId id="276" r:id="rId16"/>
+    <p:sldId id="277" r:id="rId17"/>
   </p:sldIdLst>
   <p:sldSz cx="9144000" cy="6858000" type="screen4x3"/>
   <p:notesSz cx="6858000" cy="9144000"/>
@@ -1603,7 +1605,7 @@
             <a:fld id="{22C9B90C-F1F4-41D2-8EEE-A2460906CE98}" type="datetime1">
               <a:rPr lang="de-DE" smtClean="0"/>
               <a:pPr/>
-              <a:t>04.02.2019</a:t>
+              <a:t>07.02.2019</a:t>
             </a:fld>
             <a:endParaRPr lang="de-DE" dirty="0"/>
           </a:p>
@@ -1787,7 +1789,7 @@
             <a:fld id="{22C9B90C-F1F4-41D2-8EEE-A2460906CE98}" type="datetime1">
               <a:rPr lang="de-DE" smtClean="0"/>
               <a:pPr/>
-              <a:t>04.02.2019</a:t>
+              <a:t>07.02.2019</a:t>
             </a:fld>
             <a:endParaRPr lang="de-DE" dirty="0"/>
           </a:p>
@@ -1961,7 +1963,7 @@
             <a:fld id="{22C9B90C-F1F4-41D2-8EEE-A2460906CE98}" type="datetime1">
               <a:rPr lang="de-DE" smtClean="0"/>
               <a:pPr/>
-              <a:t>04.02.2019</a:t>
+              <a:t>07.02.2019</a:t>
             </a:fld>
             <a:endParaRPr lang="de-DE" dirty="0"/>
           </a:p>
@@ -2158,7 +2160,7 @@
             <a:fld id="{22C9B90C-F1F4-41D2-8EEE-A2460906CE98}" type="datetime1">
               <a:rPr lang="de-DE" smtClean="0"/>
               <a:pPr/>
-              <a:t>04.02.2019</a:t>
+              <a:t>07.02.2019</a:t>
             </a:fld>
             <a:endParaRPr lang="de-DE" dirty="0"/>
           </a:p>
@@ -2449,7 +2451,7 @@
             <a:fld id="{22C9B90C-F1F4-41D2-8EEE-A2460906CE98}" type="datetime1">
               <a:rPr lang="de-DE" smtClean="0"/>
               <a:pPr/>
-              <a:t>04.02.2019</a:t>
+              <a:t>07.02.2019</a:t>
             </a:fld>
             <a:endParaRPr lang="de-DE" dirty="0"/>
           </a:p>
@@ -2879,7 +2881,7 @@
             <a:fld id="{22C9B90C-F1F4-41D2-8EEE-A2460906CE98}" type="datetime1">
               <a:rPr lang="de-DE" smtClean="0"/>
               <a:pPr/>
-              <a:t>04.02.2019</a:t>
+              <a:t>07.02.2019</a:t>
             </a:fld>
             <a:endParaRPr lang="de-DE" dirty="0"/>
           </a:p>
@@ -3002,7 +3004,7 @@
             <a:fld id="{22C9B90C-F1F4-41D2-8EEE-A2460906CE98}" type="datetime1">
               <a:rPr lang="de-DE" smtClean="0"/>
               <a:pPr/>
-              <a:t>04.02.2019</a:t>
+              <a:t>07.02.2019</a:t>
             </a:fld>
             <a:endParaRPr lang="de-DE" dirty="0"/>
           </a:p>
@@ -3103,7 +3105,7 @@
             <a:fld id="{22C9B90C-F1F4-41D2-8EEE-A2460906CE98}" type="datetime1">
               <a:rPr lang="de-DE" smtClean="0"/>
               <a:pPr/>
-              <a:t>04.02.2019</a:t>
+              <a:t>07.02.2019</a:t>
             </a:fld>
             <a:endParaRPr lang="de-DE" dirty="0"/>
           </a:p>
@@ -3384,7 +3386,7 @@
             <a:fld id="{22C9B90C-F1F4-41D2-8EEE-A2460906CE98}" type="datetime1">
               <a:rPr lang="de-DE" smtClean="0"/>
               <a:pPr/>
-              <a:t>04.02.2019</a:t>
+              <a:t>07.02.2019</a:t>
             </a:fld>
             <a:endParaRPr lang="de-DE" dirty="0"/>
           </a:p>
@@ -3646,7 +3648,7 @@
             <a:fld id="{22C9B90C-F1F4-41D2-8EEE-A2460906CE98}" type="datetime1">
               <a:rPr lang="de-DE" smtClean="0"/>
               <a:pPr/>
-              <a:t>04.02.2019</a:t>
+              <a:t>07.02.2019</a:t>
             </a:fld>
             <a:endParaRPr lang="de-DE" dirty="0"/>
           </a:p>
@@ -4184,7 +4186,7 @@
             <a:fld id="{22C9B90C-F1F4-41D2-8EEE-A2460906CE98}" type="datetime1">
               <a:rPr lang="de-DE" smtClean="0"/>
               <a:pPr/>
-              <a:t>04.02.2019</a:t>
+              <a:t>07.02.2019</a:t>
             </a:fld>
             <a:endParaRPr lang="de-DE" dirty="0"/>
           </a:p>
@@ -4703,7 +4705,7 @@
         </p:nvSpPr>
         <p:spPr bwMode="auto">
           <a:xfrm>
-            <a:off x="395288" y="1412875"/>
+            <a:off x="414337" y="1916832"/>
             <a:ext cx="8389937" cy="720725"/>
           </a:xfrm>
           <a:prstGeom prst="rect">
@@ -4841,7 +4843,18 @@
             </a:pPr>
             <a:r>
               <a:rPr lang="en-US" altLang="de-DE" sz="2600" dirty="0"/>
-              <a:t>Proposal: Microservice Identification</a:t>
+              <a:t>Proposal: </a:t>
+            </a:r>
+          </a:p>
+          <a:p>
+            <a:pPr eaLnBrk="1" hangingPunct="1">
+              <a:lnSpc>
+                <a:spcPct val="90000"/>
+              </a:lnSpc>
+            </a:pPr>
+            <a:r>
+              <a:rPr lang="en-US" altLang="de-DE" sz="2600" dirty="0"/>
+              <a:t>An approach for identifying microservices using clustering on control flow and data flow</a:t>
             </a:r>
             <a:br>
               <a:rPr lang="en-US" altLang="de-DE" sz="2600" dirty="0"/>
@@ -4860,7 +4873,7 @@
         </p:nvSpPr>
         <p:spPr bwMode="auto">
           <a:xfrm>
-            <a:off x="396875" y="2349500"/>
+            <a:off x="423861" y="2420888"/>
             <a:ext cx="8370888" cy="620713"/>
           </a:xfrm>
           <a:prstGeom prst="rect">
@@ -5005,21 +5018,6 @@
               </a:defRPr>
             </a:lvl9pPr>
           </a:lstStyle>
-          <a:p>
-            <a:pPr algn="l" eaLnBrk="1" hangingPunct="1">
-              <a:spcBef>
-                <a:spcPct val="0"/>
-              </a:spcBef>
-            </a:pPr>
-            <a:r>
-              <a:rPr lang="en-US" altLang="de-DE" sz="1600" b="1" dirty="0">
-                <a:solidFill>
-                  <a:srgbClr val="000000"/>
-                </a:solidFill>
-              </a:rPr>
-              <a:t>A formal clustering approach using structural and data object dependencies</a:t>
-            </a:r>
-          </a:p>
           <a:p>
             <a:pPr algn="l" eaLnBrk="1" hangingPunct="1">
               <a:spcBef>
@@ -5091,62 +5089,12 @@
           <a:p>
             <a:r>
               <a:rPr lang="en-US" altLang="de-DE" dirty="0"/>
-              <a:t>Weakness</a:t>
+              <a:t>Basic Approach: </a:t>
             </a:r>
-          </a:p>
-        </p:txBody>
-      </p:sp>
-      <p:sp>
-        <p:nvSpPr>
-          <p:cNvPr id="34819" name="Rectangle 3"/>
-          <p:cNvSpPr>
-            <a:spLocks noGrp="1" noChangeArrowheads="1"/>
-          </p:cNvSpPr>
-          <p:nvPr>
-            <p:ph type="body" idx="1"/>
-          </p:nvPr>
-        </p:nvSpPr>
-        <p:spPr>
-          <a:xfrm>
-            <a:off x="392113" y="1198563"/>
-            <a:ext cx="8212335" cy="1726381"/>
-          </a:xfrm>
-        </p:spPr>
-        <p:txBody>
-          <a:bodyPr/>
-          <a:lstStyle/>
-          <a:p>
             <a:r>
-              <a:rPr lang="en-US" altLang="de-DE" dirty="0"/>
-              <a:t>Aggregation lacks mathematical evidence</a:t>
+              <a:rPr lang="en-US" altLang="de-DE" i="1" dirty="0"/>
+              <a:t>Object-aware Identification of Microservices</a:t>
             </a:r>
-          </a:p>
-          <a:p>
-            <a:r>
-              <a:rPr lang="en-US" altLang="de-DE" dirty="0"/>
-              <a:t>Weighting for read/write access does not consider inter-/intra service calls</a:t>
-            </a:r>
-          </a:p>
-          <a:p>
-            <a:pPr lvl="1"/>
-            <a:r>
-              <a:rPr lang="en-US" altLang="de-DE" dirty="0"/>
-              <a:t>Remote calls outweigh difference between read and write access</a:t>
-            </a:r>
-          </a:p>
-          <a:p>
-            <a:r>
-              <a:rPr lang="en-US" altLang="de-DE" dirty="0"/>
-              <a:t>Data flow only implicitly </a:t>
-            </a:r>
-          </a:p>
-          <a:p>
-            <a:pPr marL="0" indent="0">
-              <a:buNone/>
-            </a:pPr>
-            <a:endParaRPr lang="en-US" altLang="de-DE" dirty="0"/>
-          </a:p>
-          <a:p>
             <a:endParaRPr lang="en-US" altLang="de-DE" dirty="0"/>
           </a:p>
         </p:txBody>
@@ -5173,7 +5121,7 @@
           <a:p>
             <a:fld id="{671342AB-2D21-4183-8B98-98B52FD7365F}" type="datetime1">
               <a:rPr lang="de-DE" smtClean="0"/>
-              <a:t>04.02.2019</a:t>
+              <a:t>07.02.2019</a:t>
             </a:fld>
             <a:endParaRPr lang="de-DE" dirty="0"/>
           </a:p>
@@ -5783,12 +5731,132 @@
           </p:txBody>
         </p:sp>
       </p:grpSp>
+      <p:pic>
+        <p:nvPicPr>
+          <p:cNvPr id="4" name="Grafik 3">
+            <a:extLst>
+              <a:ext uri="{FF2B5EF4-FFF2-40B4-BE49-F238E27FC236}">
+                <a16:creationId xmlns:a16="http://schemas.microsoft.com/office/drawing/2014/main" id="{14DB6A31-3B71-480F-9744-5360540A7786}"/>
+              </a:ext>
+            </a:extLst>
+          </p:cNvPr>
+          <p:cNvPicPr>
+            <a:picLocks noChangeAspect="1"/>
+          </p:cNvPicPr>
+          <p:nvPr/>
+        </p:nvPicPr>
+        <p:blipFill>
+          <a:blip r:embed="rId2"/>
+          <a:stretch>
+            <a:fillRect/>
+          </a:stretch>
+        </p:blipFill>
+        <p:spPr>
+          <a:xfrm>
+            <a:off x="2711403" y="777868"/>
+            <a:ext cx="4757539" cy="1158404"/>
+          </a:xfrm>
+          <a:prstGeom prst="rect">
+            <a:avLst/>
+          </a:prstGeom>
+        </p:spPr>
+      </p:pic>
+      <p:pic>
+        <p:nvPicPr>
+          <p:cNvPr id="5" name="Grafik 4">
+            <a:extLst>
+              <a:ext uri="{FF2B5EF4-FFF2-40B4-BE49-F238E27FC236}">
+                <a16:creationId xmlns:a16="http://schemas.microsoft.com/office/drawing/2014/main" id="{84EF4BD5-DD04-4627-8514-F2087597CAC4}"/>
+              </a:ext>
+            </a:extLst>
+          </p:cNvPr>
+          <p:cNvPicPr>
+            <a:picLocks noChangeAspect="1"/>
+          </p:cNvPicPr>
+          <p:nvPr/>
+        </p:nvPicPr>
+        <p:blipFill>
+          <a:blip r:embed="rId3"/>
+          <a:stretch>
+            <a:fillRect/>
+          </a:stretch>
+        </p:blipFill>
+        <p:spPr>
+          <a:xfrm>
+            <a:off x="1761588" y="1990813"/>
+            <a:ext cx="1993896" cy="1269370"/>
+          </a:xfrm>
+          <a:prstGeom prst="rect">
+            <a:avLst/>
+          </a:prstGeom>
+        </p:spPr>
+      </p:pic>
+      <p:pic>
+        <p:nvPicPr>
+          <p:cNvPr id="19" name="Grafik 18">
+            <a:extLst>
+              <a:ext uri="{FF2B5EF4-FFF2-40B4-BE49-F238E27FC236}">
+                <a16:creationId xmlns:a16="http://schemas.microsoft.com/office/drawing/2014/main" id="{0D180BB6-6921-48E2-AD6C-52EAA575225B}"/>
+              </a:ext>
+            </a:extLst>
+          </p:cNvPr>
+          <p:cNvPicPr>
+            <a:picLocks noChangeAspect="1"/>
+          </p:cNvPicPr>
+          <p:nvPr/>
+        </p:nvPicPr>
+        <p:blipFill>
+          <a:blip r:embed="rId4"/>
+          <a:stretch>
+            <a:fillRect/>
+          </a:stretch>
+        </p:blipFill>
+        <p:spPr>
+          <a:xfrm>
+            <a:off x="5462700" y="1935865"/>
+            <a:ext cx="2171901" cy="1269369"/>
+          </a:xfrm>
+          <a:prstGeom prst="rect">
+            <a:avLst/>
+          </a:prstGeom>
+        </p:spPr>
+      </p:pic>
+      <p:pic>
+        <p:nvPicPr>
+          <p:cNvPr id="20" name="Grafik 19">
+            <a:extLst>
+              <a:ext uri="{FF2B5EF4-FFF2-40B4-BE49-F238E27FC236}">
+                <a16:creationId xmlns:a16="http://schemas.microsoft.com/office/drawing/2014/main" id="{32EDE56F-DF26-4A66-A527-0DA54FD0D4CB}"/>
+              </a:ext>
+            </a:extLst>
+          </p:cNvPr>
+          <p:cNvPicPr>
+            <a:picLocks noChangeAspect="1"/>
+          </p:cNvPicPr>
+          <p:nvPr/>
+        </p:nvPicPr>
+        <p:blipFill>
+          <a:blip r:embed="rId5"/>
+          <a:stretch>
+            <a:fillRect/>
+          </a:stretch>
+        </p:blipFill>
+        <p:spPr>
+          <a:xfrm>
+            <a:off x="1761588" y="3486317"/>
+            <a:ext cx="1993896" cy="1263016"/>
+          </a:xfrm>
+          <a:prstGeom prst="rect">
+            <a:avLst/>
+          </a:prstGeom>
+        </p:spPr>
+      </p:pic>
       <p:sp>
         <p:nvSpPr>
-          <p:cNvPr id="19" name="Rectangle 3">
+          <p:cNvPr id="23" name="Rectangle 3">
             <a:extLst>
               <a:ext uri="{FF2B5EF4-FFF2-40B4-BE49-F238E27FC236}">
-                <a16:creationId xmlns:a16="http://schemas.microsoft.com/office/drawing/2014/main" id="{43EDB515-BF17-4660-8E22-80AEA76A1738}"/>
+                <a16:creationId xmlns:a16="http://schemas.microsoft.com/office/drawing/2014/main" id="{92BA64B6-6D64-4BB5-80D7-DBDD0169F823}"/>
               </a:ext>
             </a:extLst>
           </p:cNvPr>
@@ -5799,8 +5867,8 @@
         </p:nvSpPr>
         <p:spPr bwMode="auto">
           <a:xfrm>
-            <a:off x="1103584" y="3598537"/>
-            <a:ext cx="6198916" cy="907912"/>
+            <a:off x="552081" y="1336365"/>
+            <a:ext cx="1993896" cy="356503"/>
           </a:xfrm>
           <a:prstGeom prst="rect">
             <a:avLst/>
@@ -5844,7 +5912,7 @@
                 <a:spcPct val="0"/>
               </a:spcAft>
               <a:buBlip>
-                <a:blip r:embed="rId2"/>
+                <a:blip r:embed="rId6"/>
               </a:buBlip>
               <a:defRPr sz="2000">
                 <a:solidFill>
@@ -5863,7 +5931,7 @@
                 <a:spcPct val="0"/>
               </a:spcAft>
               <a:buBlip>
-                <a:blip r:embed="rId3"/>
+                <a:blip r:embed="rId7"/>
               </a:buBlip>
               <a:defRPr>
                 <a:solidFill>
@@ -5880,7 +5948,7 @@
                 <a:spcPct val="0"/>
               </a:spcAft>
               <a:buBlip>
-                <a:blip r:embed="rId4"/>
+                <a:blip r:embed="rId8"/>
               </a:buBlip>
               <a:defRPr sz="1600">
                 <a:solidFill>
@@ -5897,7 +5965,7 @@
                 <a:spcPct val="0"/>
               </a:spcAft>
               <a:buBlip>
-                <a:blip r:embed="rId4"/>
+                <a:blip r:embed="rId8"/>
               </a:buBlip>
               <a:defRPr sz="1600">
                 <a:solidFill>
@@ -5914,7 +5982,7 @@
                 <a:spcPct val="0"/>
               </a:spcAft>
               <a:buBlip>
-                <a:blip r:embed="rId4"/>
+                <a:blip r:embed="rId8"/>
               </a:buBlip>
               <a:defRPr sz="1600">
                 <a:solidFill>
@@ -5932,7 +6000,7 @@
               </a:spcAft>
               <a:buSzPct val="60000"/>
               <a:buBlip>
-                <a:blip r:embed="rId5"/>
+                <a:blip r:embed="rId9"/>
               </a:buBlip>
               <a:defRPr sz="1400">
                 <a:solidFill>
@@ -5950,7 +6018,7 @@
               </a:spcAft>
               <a:buSzPct val="60000"/>
               <a:buBlip>
-                <a:blip r:embed="rId5"/>
+                <a:blip r:embed="rId9"/>
               </a:buBlip>
               <a:defRPr sz="1400">
                 <a:solidFill>
@@ -5968,7 +6036,7 @@
               </a:spcAft>
               <a:buSzPct val="60000"/>
               <a:buBlip>
-                <a:blip r:embed="rId5"/>
+                <a:blip r:embed="rId9"/>
               </a:buBlip>
               <a:defRPr sz="1400">
                 <a:solidFill>
@@ -5986,7 +6054,891 @@
               </a:spcAft>
               <a:buSzPct val="60000"/>
               <a:buBlip>
-                <a:blip r:embed="rId5"/>
+                <a:blip r:embed="rId9"/>
+              </a:buBlip>
+              <a:defRPr sz="1400">
+                <a:solidFill>
+                  <a:schemeClr val="tx1"/>
+                </a:solidFill>
+                <a:latin typeface="+mn-lt"/>
+              </a:defRPr>
+            </a:lvl9pPr>
+          </a:lstStyle>
+          <a:p>
+            <a:r>
+              <a:rPr lang="de-DE" altLang="de-DE" sz="1200" kern="0" dirty="0"/>
+              <a:t>BPMN Graph:</a:t>
+            </a:r>
+          </a:p>
+        </p:txBody>
+      </p:sp>
+      <p:sp>
+        <p:nvSpPr>
+          <p:cNvPr id="24" name="Rectangle 3">
+            <a:extLst>
+              <a:ext uri="{FF2B5EF4-FFF2-40B4-BE49-F238E27FC236}">
+                <a16:creationId xmlns:a16="http://schemas.microsoft.com/office/drawing/2014/main" id="{35EED49E-6D67-46BA-9D89-4637E47ACCC5}"/>
+              </a:ext>
+            </a:extLst>
+          </p:cNvPr>
+          <p:cNvSpPr txBox="1">
+            <a:spLocks noChangeArrowheads="1"/>
+          </p:cNvSpPr>
+          <p:nvPr/>
+        </p:nvSpPr>
+        <p:spPr bwMode="auto">
+          <a:xfrm>
+            <a:off x="506412" y="2268995"/>
+            <a:ext cx="1255176" cy="356503"/>
+          </a:xfrm>
+          <a:prstGeom prst="rect">
+            <a:avLst/>
+          </a:prstGeom>
+          <a:noFill/>
+          <a:ln>
+            <a:noFill/>
+          </a:ln>
+          <a:extLst>
+            <a:ext uri="{909E8E84-426E-40DD-AFC4-6F175D3DCCD1}">
+              <a14:hiddenFill xmlns:a14="http://schemas.microsoft.com/office/drawing/2010/main">
+                <a:solidFill>
+                  <a:srgbClr val="FFFFFF"/>
+                </a:solidFill>
+              </a14:hiddenFill>
+            </a:ext>
+            <a:ext uri="{91240B29-F687-4F45-9708-019B960494DF}">
+              <a14:hiddenLine xmlns:a14="http://schemas.microsoft.com/office/drawing/2010/main" w="9525">
+                <a:solidFill>
+                  <a:srgbClr val="000000"/>
+                </a:solidFill>
+                <a:miter lim="800000"/>
+                <a:headEnd/>
+                <a:tailEnd/>
+              </a14:hiddenLine>
+            </a:ext>
+          </a:extLst>
+        </p:spPr>
+        <p:txBody>
+          <a:bodyPr vert="horz" wrap="square" lIns="0" tIns="0" rIns="0" bIns="0" numCol="1" anchor="t" anchorCtr="0" compatLnSpc="1">
+            <a:prstTxWarp prst="textNoShape">
+              <a:avLst/>
+            </a:prstTxWarp>
+          </a:bodyPr>
+          <a:lstStyle>
+            <a:lvl1pPr marL="314325" indent="-314325" algn="l" rtl="0" eaLnBrk="1" fontAlgn="base" hangingPunct="1">
+              <a:spcBef>
+                <a:spcPct val="20000"/>
+              </a:spcBef>
+              <a:spcAft>
+                <a:spcPct val="0"/>
+              </a:spcAft>
+              <a:buBlip>
+                <a:blip r:embed="rId6"/>
+              </a:buBlip>
+              <a:defRPr sz="2000">
+                <a:solidFill>
+                  <a:schemeClr val="tx1"/>
+                </a:solidFill>
+                <a:latin typeface="+mn-lt"/>
+                <a:ea typeface="+mn-ea"/>
+                <a:cs typeface="+mn-cs"/>
+              </a:defRPr>
+            </a:lvl1pPr>
+            <a:lvl2pPr marL="790575" indent="-314325" algn="l" rtl="0" eaLnBrk="1" fontAlgn="base" hangingPunct="1">
+              <a:spcBef>
+                <a:spcPct val="20000"/>
+              </a:spcBef>
+              <a:spcAft>
+                <a:spcPct val="0"/>
+              </a:spcAft>
+              <a:buBlip>
+                <a:blip r:embed="rId7"/>
+              </a:buBlip>
+              <a:defRPr>
+                <a:solidFill>
+                  <a:schemeClr val="tx1"/>
+                </a:solidFill>
+                <a:latin typeface="+mn-lt"/>
+              </a:defRPr>
+            </a:lvl2pPr>
+            <a:lvl3pPr marL="1209675" indent="-276225" algn="l" rtl="0" eaLnBrk="1" fontAlgn="base" hangingPunct="1">
+              <a:spcBef>
+                <a:spcPct val="20000"/>
+              </a:spcBef>
+              <a:spcAft>
+                <a:spcPct val="0"/>
+              </a:spcAft>
+              <a:buBlip>
+                <a:blip r:embed="rId8"/>
+              </a:buBlip>
+              <a:defRPr sz="1600">
+                <a:solidFill>
+                  <a:schemeClr val="tx1"/>
+                </a:solidFill>
+                <a:latin typeface="+mn-lt"/>
+              </a:defRPr>
+            </a:lvl3pPr>
+            <a:lvl4pPr marL="1657350" indent="-276225" algn="l" rtl="0" eaLnBrk="1" fontAlgn="base" hangingPunct="1">
+              <a:spcBef>
+                <a:spcPct val="20000"/>
+              </a:spcBef>
+              <a:spcAft>
+                <a:spcPct val="0"/>
+              </a:spcAft>
+              <a:buBlip>
+                <a:blip r:embed="rId8"/>
+              </a:buBlip>
+              <a:defRPr sz="1600">
+                <a:solidFill>
+                  <a:schemeClr val="tx1"/>
+                </a:solidFill>
+                <a:latin typeface="+mn-lt"/>
+              </a:defRPr>
+            </a:lvl4pPr>
+            <a:lvl5pPr marL="2095500" indent="-276225" algn="l" rtl="0" eaLnBrk="1" fontAlgn="base" hangingPunct="1">
+              <a:spcBef>
+                <a:spcPct val="20000"/>
+              </a:spcBef>
+              <a:spcAft>
+                <a:spcPct val="0"/>
+              </a:spcAft>
+              <a:buBlip>
+                <a:blip r:embed="rId8"/>
+              </a:buBlip>
+              <a:defRPr sz="1600">
+                <a:solidFill>
+                  <a:schemeClr val="tx1"/>
+                </a:solidFill>
+                <a:latin typeface="+mn-lt"/>
+              </a:defRPr>
+            </a:lvl5pPr>
+            <a:lvl6pPr marL="2514600" indent="-228600" algn="l" rtl="0" eaLnBrk="1" fontAlgn="base" hangingPunct="1">
+              <a:spcBef>
+                <a:spcPct val="20000"/>
+              </a:spcBef>
+              <a:spcAft>
+                <a:spcPct val="0"/>
+              </a:spcAft>
+              <a:buSzPct val="60000"/>
+              <a:buBlip>
+                <a:blip r:embed="rId9"/>
+              </a:buBlip>
+              <a:defRPr sz="1400">
+                <a:solidFill>
+                  <a:schemeClr val="tx1"/>
+                </a:solidFill>
+                <a:latin typeface="+mn-lt"/>
+              </a:defRPr>
+            </a:lvl6pPr>
+            <a:lvl7pPr marL="2971800" indent="-228600" algn="l" rtl="0" eaLnBrk="1" fontAlgn="base" hangingPunct="1">
+              <a:spcBef>
+                <a:spcPct val="20000"/>
+              </a:spcBef>
+              <a:spcAft>
+                <a:spcPct val="0"/>
+              </a:spcAft>
+              <a:buSzPct val="60000"/>
+              <a:buBlip>
+                <a:blip r:embed="rId9"/>
+              </a:buBlip>
+              <a:defRPr sz="1400">
+                <a:solidFill>
+                  <a:schemeClr val="tx1"/>
+                </a:solidFill>
+                <a:latin typeface="+mn-lt"/>
+              </a:defRPr>
+            </a:lvl7pPr>
+            <a:lvl8pPr marL="3429000" indent="-228600" algn="l" rtl="0" eaLnBrk="1" fontAlgn="base" hangingPunct="1">
+              <a:spcBef>
+                <a:spcPct val="20000"/>
+              </a:spcBef>
+              <a:spcAft>
+                <a:spcPct val="0"/>
+              </a:spcAft>
+              <a:buSzPct val="60000"/>
+              <a:buBlip>
+                <a:blip r:embed="rId9"/>
+              </a:buBlip>
+              <a:defRPr sz="1400">
+                <a:solidFill>
+                  <a:schemeClr val="tx1"/>
+                </a:solidFill>
+                <a:latin typeface="+mn-lt"/>
+              </a:defRPr>
+            </a:lvl8pPr>
+            <a:lvl9pPr marL="3886200" indent="-228600" algn="l" rtl="0" eaLnBrk="1" fontAlgn="base" hangingPunct="1">
+              <a:spcBef>
+                <a:spcPct val="20000"/>
+              </a:spcBef>
+              <a:spcAft>
+                <a:spcPct val="0"/>
+              </a:spcAft>
+              <a:buSzPct val="60000"/>
+              <a:buBlip>
+                <a:blip r:embed="rId9"/>
+              </a:buBlip>
+              <a:defRPr sz="1400">
+                <a:solidFill>
+                  <a:schemeClr val="tx1"/>
+                </a:solidFill>
+                <a:latin typeface="+mn-lt"/>
+              </a:defRPr>
+            </a:lvl9pPr>
+          </a:lstStyle>
+          <a:p>
+            <a:r>
+              <a:rPr lang="en-US" altLang="de-DE" sz="1200" kern="0" dirty="0"/>
+              <a:t>Structural Dependency</a:t>
+            </a:r>
+          </a:p>
+        </p:txBody>
+      </p:sp>
+      <p:sp>
+        <p:nvSpPr>
+          <p:cNvPr id="25" name="Rectangle 3">
+            <a:extLst>
+              <a:ext uri="{FF2B5EF4-FFF2-40B4-BE49-F238E27FC236}">
+                <a16:creationId xmlns:a16="http://schemas.microsoft.com/office/drawing/2014/main" id="{2B0E5A71-846D-49D1-B0CE-5BD1DE80A13F}"/>
+              </a:ext>
+            </a:extLst>
+          </p:cNvPr>
+          <p:cNvSpPr txBox="1">
+            <a:spLocks noChangeArrowheads="1"/>
+          </p:cNvSpPr>
+          <p:nvPr/>
+        </p:nvSpPr>
+        <p:spPr bwMode="auto">
+          <a:xfrm>
+            <a:off x="3981504" y="2250655"/>
+            <a:ext cx="1255176" cy="356503"/>
+          </a:xfrm>
+          <a:prstGeom prst="rect">
+            <a:avLst/>
+          </a:prstGeom>
+          <a:noFill/>
+          <a:ln>
+            <a:noFill/>
+          </a:ln>
+          <a:extLst>
+            <a:ext uri="{909E8E84-426E-40DD-AFC4-6F175D3DCCD1}">
+              <a14:hiddenFill xmlns:a14="http://schemas.microsoft.com/office/drawing/2010/main">
+                <a:solidFill>
+                  <a:srgbClr val="FFFFFF"/>
+                </a:solidFill>
+              </a14:hiddenFill>
+            </a:ext>
+            <a:ext uri="{91240B29-F687-4F45-9708-019B960494DF}">
+              <a14:hiddenLine xmlns:a14="http://schemas.microsoft.com/office/drawing/2010/main" w="9525">
+                <a:solidFill>
+                  <a:srgbClr val="000000"/>
+                </a:solidFill>
+                <a:miter lim="800000"/>
+                <a:headEnd/>
+                <a:tailEnd/>
+              </a14:hiddenLine>
+            </a:ext>
+          </a:extLst>
+        </p:spPr>
+        <p:txBody>
+          <a:bodyPr vert="horz" wrap="square" lIns="0" tIns="0" rIns="0" bIns="0" numCol="1" anchor="t" anchorCtr="0" compatLnSpc="1">
+            <a:prstTxWarp prst="textNoShape">
+              <a:avLst/>
+            </a:prstTxWarp>
+          </a:bodyPr>
+          <a:lstStyle>
+            <a:lvl1pPr marL="314325" indent="-314325" algn="l" rtl="0" eaLnBrk="1" fontAlgn="base" hangingPunct="1">
+              <a:spcBef>
+                <a:spcPct val="20000"/>
+              </a:spcBef>
+              <a:spcAft>
+                <a:spcPct val="0"/>
+              </a:spcAft>
+              <a:buBlip>
+                <a:blip r:embed="rId6"/>
+              </a:buBlip>
+              <a:defRPr sz="2000">
+                <a:solidFill>
+                  <a:schemeClr val="tx1"/>
+                </a:solidFill>
+                <a:latin typeface="+mn-lt"/>
+                <a:ea typeface="+mn-ea"/>
+                <a:cs typeface="+mn-cs"/>
+              </a:defRPr>
+            </a:lvl1pPr>
+            <a:lvl2pPr marL="790575" indent="-314325" algn="l" rtl="0" eaLnBrk="1" fontAlgn="base" hangingPunct="1">
+              <a:spcBef>
+                <a:spcPct val="20000"/>
+              </a:spcBef>
+              <a:spcAft>
+                <a:spcPct val="0"/>
+              </a:spcAft>
+              <a:buBlip>
+                <a:blip r:embed="rId7"/>
+              </a:buBlip>
+              <a:defRPr>
+                <a:solidFill>
+                  <a:schemeClr val="tx1"/>
+                </a:solidFill>
+                <a:latin typeface="+mn-lt"/>
+              </a:defRPr>
+            </a:lvl2pPr>
+            <a:lvl3pPr marL="1209675" indent="-276225" algn="l" rtl="0" eaLnBrk="1" fontAlgn="base" hangingPunct="1">
+              <a:spcBef>
+                <a:spcPct val="20000"/>
+              </a:spcBef>
+              <a:spcAft>
+                <a:spcPct val="0"/>
+              </a:spcAft>
+              <a:buBlip>
+                <a:blip r:embed="rId8"/>
+              </a:buBlip>
+              <a:defRPr sz="1600">
+                <a:solidFill>
+                  <a:schemeClr val="tx1"/>
+                </a:solidFill>
+                <a:latin typeface="+mn-lt"/>
+              </a:defRPr>
+            </a:lvl3pPr>
+            <a:lvl4pPr marL="1657350" indent="-276225" algn="l" rtl="0" eaLnBrk="1" fontAlgn="base" hangingPunct="1">
+              <a:spcBef>
+                <a:spcPct val="20000"/>
+              </a:spcBef>
+              <a:spcAft>
+                <a:spcPct val="0"/>
+              </a:spcAft>
+              <a:buBlip>
+                <a:blip r:embed="rId8"/>
+              </a:buBlip>
+              <a:defRPr sz="1600">
+                <a:solidFill>
+                  <a:schemeClr val="tx1"/>
+                </a:solidFill>
+                <a:latin typeface="+mn-lt"/>
+              </a:defRPr>
+            </a:lvl4pPr>
+            <a:lvl5pPr marL="2095500" indent="-276225" algn="l" rtl="0" eaLnBrk="1" fontAlgn="base" hangingPunct="1">
+              <a:spcBef>
+                <a:spcPct val="20000"/>
+              </a:spcBef>
+              <a:spcAft>
+                <a:spcPct val="0"/>
+              </a:spcAft>
+              <a:buBlip>
+                <a:blip r:embed="rId8"/>
+              </a:buBlip>
+              <a:defRPr sz="1600">
+                <a:solidFill>
+                  <a:schemeClr val="tx1"/>
+                </a:solidFill>
+                <a:latin typeface="+mn-lt"/>
+              </a:defRPr>
+            </a:lvl5pPr>
+            <a:lvl6pPr marL="2514600" indent="-228600" algn="l" rtl="0" eaLnBrk="1" fontAlgn="base" hangingPunct="1">
+              <a:spcBef>
+                <a:spcPct val="20000"/>
+              </a:spcBef>
+              <a:spcAft>
+                <a:spcPct val="0"/>
+              </a:spcAft>
+              <a:buSzPct val="60000"/>
+              <a:buBlip>
+                <a:blip r:embed="rId9"/>
+              </a:buBlip>
+              <a:defRPr sz="1400">
+                <a:solidFill>
+                  <a:schemeClr val="tx1"/>
+                </a:solidFill>
+                <a:latin typeface="+mn-lt"/>
+              </a:defRPr>
+            </a:lvl6pPr>
+            <a:lvl7pPr marL="2971800" indent="-228600" algn="l" rtl="0" eaLnBrk="1" fontAlgn="base" hangingPunct="1">
+              <a:spcBef>
+                <a:spcPct val="20000"/>
+              </a:spcBef>
+              <a:spcAft>
+                <a:spcPct val="0"/>
+              </a:spcAft>
+              <a:buSzPct val="60000"/>
+              <a:buBlip>
+                <a:blip r:embed="rId9"/>
+              </a:buBlip>
+              <a:defRPr sz="1400">
+                <a:solidFill>
+                  <a:schemeClr val="tx1"/>
+                </a:solidFill>
+                <a:latin typeface="+mn-lt"/>
+              </a:defRPr>
+            </a:lvl7pPr>
+            <a:lvl8pPr marL="3429000" indent="-228600" algn="l" rtl="0" eaLnBrk="1" fontAlgn="base" hangingPunct="1">
+              <a:spcBef>
+                <a:spcPct val="20000"/>
+              </a:spcBef>
+              <a:spcAft>
+                <a:spcPct val="0"/>
+              </a:spcAft>
+              <a:buSzPct val="60000"/>
+              <a:buBlip>
+                <a:blip r:embed="rId9"/>
+              </a:buBlip>
+              <a:defRPr sz="1400">
+                <a:solidFill>
+                  <a:schemeClr val="tx1"/>
+                </a:solidFill>
+                <a:latin typeface="+mn-lt"/>
+              </a:defRPr>
+            </a:lvl8pPr>
+            <a:lvl9pPr marL="3886200" indent="-228600" algn="l" rtl="0" eaLnBrk="1" fontAlgn="base" hangingPunct="1">
+              <a:spcBef>
+                <a:spcPct val="20000"/>
+              </a:spcBef>
+              <a:spcAft>
+                <a:spcPct val="0"/>
+              </a:spcAft>
+              <a:buSzPct val="60000"/>
+              <a:buBlip>
+                <a:blip r:embed="rId9"/>
+              </a:buBlip>
+              <a:defRPr sz="1400">
+                <a:solidFill>
+                  <a:schemeClr val="tx1"/>
+                </a:solidFill>
+                <a:latin typeface="+mn-lt"/>
+              </a:defRPr>
+            </a:lvl9pPr>
+          </a:lstStyle>
+          <a:p>
+            <a:r>
+              <a:rPr lang="en-US" altLang="de-DE" sz="1200" kern="0" dirty="0"/>
+              <a:t>Data Object Dependency</a:t>
+            </a:r>
+          </a:p>
+        </p:txBody>
+      </p:sp>
+      <p:sp>
+        <p:nvSpPr>
+          <p:cNvPr id="26" name="Rectangle 3">
+            <a:extLst>
+              <a:ext uri="{FF2B5EF4-FFF2-40B4-BE49-F238E27FC236}">
+                <a16:creationId xmlns:a16="http://schemas.microsoft.com/office/drawing/2014/main" id="{3651AEB5-DA57-4E6D-A14E-A0A6B55E6335}"/>
+              </a:ext>
+            </a:extLst>
+          </p:cNvPr>
+          <p:cNvSpPr txBox="1">
+            <a:spLocks noChangeArrowheads="1"/>
+          </p:cNvSpPr>
+          <p:nvPr/>
+        </p:nvSpPr>
+        <p:spPr bwMode="auto">
+          <a:xfrm>
+            <a:off x="506412" y="4117825"/>
+            <a:ext cx="1255176" cy="356503"/>
+          </a:xfrm>
+          <a:prstGeom prst="rect">
+            <a:avLst/>
+          </a:prstGeom>
+          <a:noFill/>
+          <a:ln>
+            <a:noFill/>
+          </a:ln>
+          <a:extLst>
+            <a:ext uri="{909E8E84-426E-40DD-AFC4-6F175D3DCCD1}">
+              <a14:hiddenFill xmlns:a14="http://schemas.microsoft.com/office/drawing/2010/main">
+                <a:solidFill>
+                  <a:srgbClr val="FFFFFF"/>
+                </a:solidFill>
+              </a14:hiddenFill>
+            </a:ext>
+            <a:ext uri="{91240B29-F687-4F45-9708-019B960494DF}">
+              <a14:hiddenLine xmlns:a14="http://schemas.microsoft.com/office/drawing/2010/main" w="9525">
+                <a:solidFill>
+                  <a:srgbClr val="000000"/>
+                </a:solidFill>
+                <a:miter lim="800000"/>
+                <a:headEnd/>
+                <a:tailEnd/>
+              </a14:hiddenLine>
+            </a:ext>
+          </a:extLst>
+        </p:spPr>
+        <p:txBody>
+          <a:bodyPr vert="horz" wrap="square" lIns="0" tIns="0" rIns="0" bIns="0" numCol="1" anchor="t" anchorCtr="0" compatLnSpc="1">
+            <a:prstTxWarp prst="textNoShape">
+              <a:avLst/>
+            </a:prstTxWarp>
+          </a:bodyPr>
+          <a:lstStyle>
+            <a:lvl1pPr marL="314325" indent="-314325" algn="l" rtl="0" eaLnBrk="1" fontAlgn="base" hangingPunct="1">
+              <a:spcBef>
+                <a:spcPct val="20000"/>
+              </a:spcBef>
+              <a:spcAft>
+                <a:spcPct val="0"/>
+              </a:spcAft>
+              <a:buBlip>
+                <a:blip r:embed="rId6"/>
+              </a:buBlip>
+              <a:defRPr sz="2000">
+                <a:solidFill>
+                  <a:schemeClr val="tx1"/>
+                </a:solidFill>
+                <a:latin typeface="+mn-lt"/>
+                <a:ea typeface="+mn-ea"/>
+                <a:cs typeface="+mn-cs"/>
+              </a:defRPr>
+            </a:lvl1pPr>
+            <a:lvl2pPr marL="790575" indent="-314325" algn="l" rtl="0" eaLnBrk="1" fontAlgn="base" hangingPunct="1">
+              <a:spcBef>
+                <a:spcPct val="20000"/>
+              </a:spcBef>
+              <a:spcAft>
+                <a:spcPct val="0"/>
+              </a:spcAft>
+              <a:buBlip>
+                <a:blip r:embed="rId7"/>
+              </a:buBlip>
+              <a:defRPr>
+                <a:solidFill>
+                  <a:schemeClr val="tx1"/>
+                </a:solidFill>
+                <a:latin typeface="+mn-lt"/>
+              </a:defRPr>
+            </a:lvl2pPr>
+            <a:lvl3pPr marL="1209675" indent="-276225" algn="l" rtl="0" eaLnBrk="1" fontAlgn="base" hangingPunct="1">
+              <a:spcBef>
+                <a:spcPct val="20000"/>
+              </a:spcBef>
+              <a:spcAft>
+                <a:spcPct val="0"/>
+              </a:spcAft>
+              <a:buBlip>
+                <a:blip r:embed="rId8"/>
+              </a:buBlip>
+              <a:defRPr sz="1600">
+                <a:solidFill>
+                  <a:schemeClr val="tx1"/>
+                </a:solidFill>
+                <a:latin typeface="+mn-lt"/>
+              </a:defRPr>
+            </a:lvl3pPr>
+            <a:lvl4pPr marL="1657350" indent="-276225" algn="l" rtl="0" eaLnBrk="1" fontAlgn="base" hangingPunct="1">
+              <a:spcBef>
+                <a:spcPct val="20000"/>
+              </a:spcBef>
+              <a:spcAft>
+                <a:spcPct val="0"/>
+              </a:spcAft>
+              <a:buBlip>
+                <a:blip r:embed="rId8"/>
+              </a:buBlip>
+              <a:defRPr sz="1600">
+                <a:solidFill>
+                  <a:schemeClr val="tx1"/>
+                </a:solidFill>
+                <a:latin typeface="+mn-lt"/>
+              </a:defRPr>
+            </a:lvl4pPr>
+            <a:lvl5pPr marL="2095500" indent="-276225" algn="l" rtl="0" eaLnBrk="1" fontAlgn="base" hangingPunct="1">
+              <a:spcBef>
+                <a:spcPct val="20000"/>
+              </a:spcBef>
+              <a:spcAft>
+                <a:spcPct val="0"/>
+              </a:spcAft>
+              <a:buBlip>
+                <a:blip r:embed="rId8"/>
+              </a:buBlip>
+              <a:defRPr sz="1600">
+                <a:solidFill>
+                  <a:schemeClr val="tx1"/>
+                </a:solidFill>
+                <a:latin typeface="+mn-lt"/>
+              </a:defRPr>
+            </a:lvl5pPr>
+            <a:lvl6pPr marL="2514600" indent="-228600" algn="l" rtl="0" eaLnBrk="1" fontAlgn="base" hangingPunct="1">
+              <a:spcBef>
+                <a:spcPct val="20000"/>
+              </a:spcBef>
+              <a:spcAft>
+                <a:spcPct val="0"/>
+              </a:spcAft>
+              <a:buSzPct val="60000"/>
+              <a:buBlip>
+                <a:blip r:embed="rId9"/>
+              </a:buBlip>
+              <a:defRPr sz="1400">
+                <a:solidFill>
+                  <a:schemeClr val="tx1"/>
+                </a:solidFill>
+                <a:latin typeface="+mn-lt"/>
+              </a:defRPr>
+            </a:lvl6pPr>
+            <a:lvl7pPr marL="2971800" indent="-228600" algn="l" rtl="0" eaLnBrk="1" fontAlgn="base" hangingPunct="1">
+              <a:spcBef>
+                <a:spcPct val="20000"/>
+              </a:spcBef>
+              <a:spcAft>
+                <a:spcPct val="0"/>
+              </a:spcAft>
+              <a:buSzPct val="60000"/>
+              <a:buBlip>
+                <a:blip r:embed="rId9"/>
+              </a:buBlip>
+              <a:defRPr sz="1400">
+                <a:solidFill>
+                  <a:schemeClr val="tx1"/>
+                </a:solidFill>
+                <a:latin typeface="+mn-lt"/>
+              </a:defRPr>
+            </a:lvl7pPr>
+            <a:lvl8pPr marL="3429000" indent="-228600" algn="l" rtl="0" eaLnBrk="1" fontAlgn="base" hangingPunct="1">
+              <a:spcBef>
+                <a:spcPct val="20000"/>
+              </a:spcBef>
+              <a:spcAft>
+                <a:spcPct val="0"/>
+              </a:spcAft>
+              <a:buSzPct val="60000"/>
+              <a:buBlip>
+                <a:blip r:embed="rId9"/>
+              </a:buBlip>
+              <a:defRPr sz="1400">
+                <a:solidFill>
+                  <a:schemeClr val="tx1"/>
+                </a:solidFill>
+                <a:latin typeface="+mn-lt"/>
+              </a:defRPr>
+            </a:lvl8pPr>
+            <a:lvl9pPr marL="3886200" indent="-228600" algn="l" rtl="0" eaLnBrk="1" fontAlgn="base" hangingPunct="1">
+              <a:spcBef>
+                <a:spcPct val="20000"/>
+              </a:spcBef>
+              <a:spcAft>
+                <a:spcPct val="0"/>
+              </a:spcAft>
+              <a:buSzPct val="60000"/>
+              <a:buBlip>
+                <a:blip r:embed="rId9"/>
+              </a:buBlip>
+              <a:defRPr sz="1400">
+                <a:solidFill>
+                  <a:schemeClr val="tx1"/>
+                </a:solidFill>
+                <a:latin typeface="+mn-lt"/>
+              </a:defRPr>
+            </a:lvl9pPr>
+          </a:lstStyle>
+          <a:p>
+            <a:r>
+              <a:rPr lang="en-US" altLang="de-DE" sz="1200" kern="0" dirty="0"/>
+              <a:t>Aggregation</a:t>
+            </a:r>
+          </a:p>
+        </p:txBody>
+      </p:sp>
+      <p:sp>
+        <p:nvSpPr>
+          <p:cNvPr id="27" name="Rectangle 3">
+            <a:extLst>
+              <a:ext uri="{FF2B5EF4-FFF2-40B4-BE49-F238E27FC236}">
+                <a16:creationId xmlns:a16="http://schemas.microsoft.com/office/drawing/2014/main" id="{6D9E3CF6-DFC5-4901-851B-C5F51B6F9992}"/>
+              </a:ext>
+            </a:extLst>
+          </p:cNvPr>
+          <p:cNvSpPr txBox="1">
+            <a:spLocks noChangeArrowheads="1"/>
+          </p:cNvSpPr>
+          <p:nvPr/>
+        </p:nvSpPr>
+        <p:spPr bwMode="auto">
+          <a:xfrm>
+            <a:off x="5769116" y="3990567"/>
+            <a:ext cx="1993894" cy="467600"/>
+          </a:xfrm>
+          <a:prstGeom prst="rect">
+            <a:avLst/>
+          </a:prstGeom>
+          <a:noFill/>
+          <a:ln>
+            <a:noFill/>
+          </a:ln>
+          <a:extLst>
+            <a:ext uri="{909E8E84-426E-40DD-AFC4-6F175D3DCCD1}">
+              <a14:hiddenFill xmlns:a14="http://schemas.microsoft.com/office/drawing/2010/main">
+                <a:solidFill>
+                  <a:srgbClr val="FFFFFF"/>
+                </a:solidFill>
+              </a14:hiddenFill>
+            </a:ext>
+            <a:ext uri="{91240B29-F687-4F45-9708-019B960494DF}">
+              <a14:hiddenLine xmlns:a14="http://schemas.microsoft.com/office/drawing/2010/main" w="9525">
+                <a:solidFill>
+                  <a:srgbClr val="000000"/>
+                </a:solidFill>
+                <a:miter lim="800000"/>
+                <a:headEnd/>
+                <a:tailEnd/>
+              </a14:hiddenLine>
+            </a:ext>
+          </a:extLst>
+        </p:spPr>
+        <p:txBody>
+          <a:bodyPr vert="horz" wrap="square" lIns="0" tIns="0" rIns="0" bIns="0" numCol="1" anchor="t" anchorCtr="0" compatLnSpc="1">
+            <a:prstTxWarp prst="textNoShape">
+              <a:avLst/>
+            </a:prstTxWarp>
+          </a:bodyPr>
+          <a:lstStyle>
+            <a:lvl1pPr marL="314325" indent="-314325" algn="l" rtl="0" eaLnBrk="1" fontAlgn="base" hangingPunct="1">
+              <a:spcBef>
+                <a:spcPct val="20000"/>
+              </a:spcBef>
+              <a:spcAft>
+                <a:spcPct val="0"/>
+              </a:spcAft>
+              <a:buBlip>
+                <a:blip r:embed="rId6"/>
+              </a:buBlip>
+              <a:defRPr sz="2000">
+                <a:solidFill>
+                  <a:schemeClr val="tx1"/>
+                </a:solidFill>
+                <a:latin typeface="+mn-lt"/>
+                <a:ea typeface="+mn-ea"/>
+                <a:cs typeface="+mn-cs"/>
+              </a:defRPr>
+            </a:lvl1pPr>
+            <a:lvl2pPr marL="790575" indent="-314325" algn="l" rtl="0" eaLnBrk="1" fontAlgn="base" hangingPunct="1">
+              <a:spcBef>
+                <a:spcPct val="20000"/>
+              </a:spcBef>
+              <a:spcAft>
+                <a:spcPct val="0"/>
+              </a:spcAft>
+              <a:buBlip>
+                <a:blip r:embed="rId7"/>
+              </a:buBlip>
+              <a:defRPr>
+                <a:solidFill>
+                  <a:schemeClr val="tx1"/>
+                </a:solidFill>
+                <a:latin typeface="+mn-lt"/>
+              </a:defRPr>
+            </a:lvl2pPr>
+            <a:lvl3pPr marL="1209675" indent="-276225" algn="l" rtl="0" eaLnBrk="1" fontAlgn="base" hangingPunct="1">
+              <a:spcBef>
+                <a:spcPct val="20000"/>
+              </a:spcBef>
+              <a:spcAft>
+                <a:spcPct val="0"/>
+              </a:spcAft>
+              <a:buBlip>
+                <a:blip r:embed="rId8"/>
+              </a:buBlip>
+              <a:defRPr sz="1600">
+                <a:solidFill>
+                  <a:schemeClr val="tx1"/>
+                </a:solidFill>
+                <a:latin typeface="+mn-lt"/>
+              </a:defRPr>
+            </a:lvl3pPr>
+            <a:lvl4pPr marL="1657350" indent="-276225" algn="l" rtl="0" eaLnBrk="1" fontAlgn="base" hangingPunct="1">
+              <a:spcBef>
+                <a:spcPct val="20000"/>
+              </a:spcBef>
+              <a:spcAft>
+                <a:spcPct val="0"/>
+              </a:spcAft>
+              <a:buBlip>
+                <a:blip r:embed="rId8"/>
+              </a:buBlip>
+              <a:defRPr sz="1600">
+                <a:solidFill>
+                  <a:schemeClr val="tx1"/>
+                </a:solidFill>
+                <a:latin typeface="+mn-lt"/>
+              </a:defRPr>
+            </a:lvl4pPr>
+            <a:lvl5pPr marL="2095500" indent="-276225" algn="l" rtl="0" eaLnBrk="1" fontAlgn="base" hangingPunct="1">
+              <a:spcBef>
+                <a:spcPct val="20000"/>
+              </a:spcBef>
+              <a:spcAft>
+                <a:spcPct val="0"/>
+              </a:spcAft>
+              <a:buBlip>
+                <a:blip r:embed="rId8"/>
+              </a:buBlip>
+              <a:defRPr sz="1600">
+                <a:solidFill>
+                  <a:schemeClr val="tx1"/>
+                </a:solidFill>
+                <a:latin typeface="+mn-lt"/>
+              </a:defRPr>
+            </a:lvl5pPr>
+            <a:lvl6pPr marL="2514600" indent="-228600" algn="l" rtl="0" eaLnBrk="1" fontAlgn="base" hangingPunct="1">
+              <a:spcBef>
+                <a:spcPct val="20000"/>
+              </a:spcBef>
+              <a:spcAft>
+                <a:spcPct val="0"/>
+              </a:spcAft>
+              <a:buSzPct val="60000"/>
+              <a:buBlip>
+                <a:blip r:embed="rId9"/>
+              </a:buBlip>
+              <a:defRPr sz="1400">
+                <a:solidFill>
+                  <a:schemeClr val="tx1"/>
+                </a:solidFill>
+                <a:latin typeface="+mn-lt"/>
+              </a:defRPr>
+            </a:lvl6pPr>
+            <a:lvl7pPr marL="2971800" indent="-228600" algn="l" rtl="0" eaLnBrk="1" fontAlgn="base" hangingPunct="1">
+              <a:spcBef>
+                <a:spcPct val="20000"/>
+              </a:spcBef>
+              <a:spcAft>
+                <a:spcPct val="0"/>
+              </a:spcAft>
+              <a:buSzPct val="60000"/>
+              <a:buBlip>
+                <a:blip r:embed="rId9"/>
+              </a:buBlip>
+              <a:defRPr sz="1400">
+                <a:solidFill>
+                  <a:schemeClr val="tx1"/>
+                </a:solidFill>
+                <a:latin typeface="+mn-lt"/>
+              </a:defRPr>
+            </a:lvl7pPr>
+            <a:lvl8pPr marL="3429000" indent="-228600" algn="l" rtl="0" eaLnBrk="1" fontAlgn="base" hangingPunct="1">
+              <a:spcBef>
+                <a:spcPct val="20000"/>
+              </a:spcBef>
+              <a:spcAft>
+                <a:spcPct val="0"/>
+              </a:spcAft>
+              <a:buSzPct val="60000"/>
+              <a:buBlip>
+                <a:blip r:embed="rId9"/>
+              </a:buBlip>
+              <a:defRPr sz="1400">
+                <a:solidFill>
+                  <a:schemeClr val="tx1"/>
+                </a:solidFill>
+                <a:latin typeface="+mn-lt"/>
+              </a:defRPr>
+            </a:lvl8pPr>
+            <a:lvl9pPr marL="3886200" indent="-228600" algn="l" rtl="0" eaLnBrk="1" fontAlgn="base" hangingPunct="1">
+              <a:spcBef>
+                <a:spcPct val="20000"/>
+              </a:spcBef>
+              <a:spcAft>
+                <a:spcPct val="0"/>
+              </a:spcAft>
+              <a:buSzPct val="60000"/>
+              <a:buBlip>
+                <a:blip r:embed="rId9"/>
               </a:buBlip>
               <a:defRPr sz="1400">
                 <a:solidFill>
@@ -6002,17 +6954,17 @@
             </a:pPr>
             <a:r>
               <a:rPr lang="en-US" altLang="de-DE" kern="0" dirty="0"/>
-              <a:t>Blurred data- and control flow</a:t>
+              <a:t>Microservice candidates</a:t>
             </a:r>
           </a:p>
         </p:txBody>
       </p:sp>
       <p:sp>
         <p:nvSpPr>
-          <p:cNvPr id="20" name="Pfeil: nach rechts 19">
+          <p:cNvPr id="28" name="Pfeil: nach rechts 27">
             <a:extLst>
               <a:ext uri="{FF2B5EF4-FFF2-40B4-BE49-F238E27FC236}">
-                <a16:creationId xmlns:a16="http://schemas.microsoft.com/office/drawing/2014/main" id="{1E1DE8AF-D783-4577-A28D-5D4BF53FEADD}"/>
+                <a16:creationId xmlns:a16="http://schemas.microsoft.com/office/drawing/2014/main" id="{F4E1E910-B2E3-47AF-979C-9F80C123DCF4}"/>
               </a:ext>
             </a:extLst>
           </p:cNvPr>
@@ -6021,7 +6973,7 @@
         </p:nvSpPr>
         <p:spPr>
           <a:xfrm>
-            <a:off x="457900" y="3517863"/>
+            <a:off x="4611726" y="4018064"/>
             <a:ext cx="398934" cy="464424"/>
           </a:xfrm>
           <a:prstGeom prst="rightArrow">
@@ -6053,10 +7005,458 @@
           </a:p>
         </p:txBody>
       </p:sp>
+      <p:sp>
+        <p:nvSpPr>
+          <p:cNvPr id="29" name="Rectangle 3">
+            <a:extLst>
+              <a:ext uri="{FF2B5EF4-FFF2-40B4-BE49-F238E27FC236}">
+                <a16:creationId xmlns:a16="http://schemas.microsoft.com/office/drawing/2014/main" id="{319A306F-8460-4325-88E4-4C1A3F71E7EA}"/>
+              </a:ext>
+            </a:extLst>
+          </p:cNvPr>
+          <p:cNvSpPr txBox="1">
+            <a:spLocks noChangeArrowheads="1"/>
+          </p:cNvSpPr>
+          <p:nvPr/>
+        </p:nvSpPr>
+        <p:spPr bwMode="auto">
+          <a:xfrm>
+            <a:off x="4427984" y="3794346"/>
+            <a:ext cx="947431" cy="240845"/>
+          </a:xfrm>
+          <a:prstGeom prst="rect">
+            <a:avLst/>
+          </a:prstGeom>
+          <a:noFill/>
+          <a:ln>
+            <a:noFill/>
+          </a:ln>
+          <a:extLst>
+            <a:ext uri="{909E8E84-426E-40DD-AFC4-6F175D3DCCD1}">
+              <a14:hiddenFill xmlns:a14="http://schemas.microsoft.com/office/drawing/2010/main">
+                <a:solidFill>
+                  <a:srgbClr val="FFFFFF"/>
+                </a:solidFill>
+              </a14:hiddenFill>
+            </a:ext>
+            <a:ext uri="{91240B29-F687-4F45-9708-019B960494DF}">
+              <a14:hiddenLine xmlns:a14="http://schemas.microsoft.com/office/drawing/2010/main" w="9525">
+                <a:solidFill>
+                  <a:srgbClr val="000000"/>
+                </a:solidFill>
+                <a:miter lim="800000"/>
+                <a:headEnd/>
+                <a:tailEnd/>
+              </a14:hiddenLine>
+            </a:ext>
+          </a:extLst>
+        </p:spPr>
+        <p:txBody>
+          <a:bodyPr vert="horz" wrap="square" lIns="0" tIns="0" rIns="0" bIns="0" numCol="1" anchor="t" anchorCtr="0" compatLnSpc="1">
+            <a:prstTxWarp prst="textNoShape">
+              <a:avLst/>
+            </a:prstTxWarp>
+          </a:bodyPr>
+          <a:lstStyle>
+            <a:lvl1pPr marL="314325" indent="-314325" algn="l" rtl="0" eaLnBrk="1" fontAlgn="base" hangingPunct="1">
+              <a:spcBef>
+                <a:spcPct val="20000"/>
+              </a:spcBef>
+              <a:spcAft>
+                <a:spcPct val="0"/>
+              </a:spcAft>
+              <a:buBlip>
+                <a:blip r:embed="rId6"/>
+              </a:buBlip>
+              <a:defRPr sz="2000">
+                <a:solidFill>
+                  <a:schemeClr val="tx1"/>
+                </a:solidFill>
+                <a:latin typeface="+mn-lt"/>
+                <a:ea typeface="+mn-ea"/>
+                <a:cs typeface="+mn-cs"/>
+              </a:defRPr>
+            </a:lvl1pPr>
+            <a:lvl2pPr marL="790575" indent="-314325" algn="l" rtl="0" eaLnBrk="1" fontAlgn="base" hangingPunct="1">
+              <a:spcBef>
+                <a:spcPct val="20000"/>
+              </a:spcBef>
+              <a:spcAft>
+                <a:spcPct val="0"/>
+              </a:spcAft>
+              <a:buBlip>
+                <a:blip r:embed="rId7"/>
+              </a:buBlip>
+              <a:defRPr>
+                <a:solidFill>
+                  <a:schemeClr val="tx1"/>
+                </a:solidFill>
+                <a:latin typeface="+mn-lt"/>
+              </a:defRPr>
+            </a:lvl2pPr>
+            <a:lvl3pPr marL="1209675" indent="-276225" algn="l" rtl="0" eaLnBrk="1" fontAlgn="base" hangingPunct="1">
+              <a:spcBef>
+                <a:spcPct val="20000"/>
+              </a:spcBef>
+              <a:spcAft>
+                <a:spcPct val="0"/>
+              </a:spcAft>
+              <a:buBlip>
+                <a:blip r:embed="rId8"/>
+              </a:buBlip>
+              <a:defRPr sz="1600">
+                <a:solidFill>
+                  <a:schemeClr val="tx1"/>
+                </a:solidFill>
+                <a:latin typeface="+mn-lt"/>
+              </a:defRPr>
+            </a:lvl3pPr>
+            <a:lvl4pPr marL="1657350" indent="-276225" algn="l" rtl="0" eaLnBrk="1" fontAlgn="base" hangingPunct="1">
+              <a:spcBef>
+                <a:spcPct val="20000"/>
+              </a:spcBef>
+              <a:spcAft>
+                <a:spcPct val="0"/>
+              </a:spcAft>
+              <a:buBlip>
+                <a:blip r:embed="rId8"/>
+              </a:buBlip>
+              <a:defRPr sz="1600">
+                <a:solidFill>
+                  <a:schemeClr val="tx1"/>
+                </a:solidFill>
+                <a:latin typeface="+mn-lt"/>
+              </a:defRPr>
+            </a:lvl4pPr>
+            <a:lvl5pPr marL="2095500" indent="-276225" algn="l" rtl="0" eaLnBrk="1" fontAlgn="base" hangingPunct="1">
+              <a:spcBef>
+                <a:spcPct val="20000"/>
+              </a:spcBef>
+              <a:spcAft>
+                <a:spcPct val="0"/>
+              </a:spcAft>
+              <a:buBlip>
+                <a:blip r:embed="rId8"/>
+              </a:buBlip>
+              <a:defRPr sz="1600">
+                <a:solidFill>
+                  <a:schemeClr val="tx1"/>
+                </a:solidFill>
+                <a:latin typeface="+mn-lt"/>
+              </a:defRPr>
+            </a:lvl5pPr>
+            <a:lvl6pPr marL="2514600" indent="-228600" algn="l" rtl="0" eaLnBrk="1" fontAlgn="base" hangingPunct="1">
+              <a:spcBef>
+                <a:spcPct val="20000"/>
+              </a:spcBef>
+              <a:spcAft>
+                <a:spcPct val="0"/>
+              </a:spcAft>
+              <a:buSzPct val="60000"/>
+              <a:buBlip>
+                <a:blip r:embed="rId9"/>
+              </a:buBlip>
+              <a:defRPr sz="1400">
+                <a:solidFill>
+                  <a:schemeClr val="tx1"/>
+                </a:solidFill>
+                <a:latin typeface="+mn-lt"/>
+              </a:defRPr>
+            </a:lvl6pPr>
+            <a:lvl7pPr marL="2971800" indent="-228600" algn="l" rtl="0" eaLnBrk="1" fontAlgn="base" hangingPunct="1">
+              <a:spcBef>
+                <a:spcPct val="20000"/>
+              </a:spcBef>
+              <a:spcAft>
+                <a:spcPct val="0"/>
+              </a:spcAft>
+              <a:buSzPct val="60000"/>
+              <a:buBlip>
+                <a:blip r:embed="rId9"/>
+              </a:buBlip>
+              <a:defRPr sz="1400">
+                <a:solidFill>
+                  <a:schemeClr val="tx1"/>
+                </a:solidFill>
+                <a:latin typeface="+mn-lt"/>
+              </a:defRPr>
+            </a:lvl7pPr>
+            <a:lvl8pPr marL="3429000" indent="-228600" algn="l" rtl="0" eaLnBrk="1" fontAlgn="base" hangingPunct="1">
+              <a:spcBef>
+                <a:spcPct val="20000"/>
+              </a:spcBef>
+              <a:spcAft>
+                <a:spcPct val="0"/>
+              </a:spcAft>
+              <a:buSzPct val="60000"/>
+              <a:buBlip>
+                <a:blip r:embed="rId9"/>
+              </a:buBlip>
+              <a:defRPr sz="1400">
+                <a:solidFill>
+                  <a:schemeClr val="tx1"/>
+                </a:solidFill>
+                <a:latin typeface="+mn-lt"/>
+              </a:defRPr>
+            </a:lvl8pPr>
+            <a:lvl9pPr marL="3886200" indent="-228600" algn="l" rtl="0" eaLnBrk="1" fontAlgn="base" hangingPunct="1">
+              <a:spcBef>
+                <a:spcPct val="20000"/>
+              </a:spcBef>
+              <a:spcAft>
+                <a:spcPct val="0"/>
+              </a:spcAft>
+              <a:buSzPct val="60000"/>
+              <a:buBlip>
+                <a:blip r:embed="rId9"/>
+              </a:buBlip>
+              <a:defRPr sz="1400">
+                <a:solidFill>
+                  <a:schemeClr val="tx1"/>
+                </a:solidFill>
+                <a:latin typeface="+mn-lt"/>
+              </a:defRPr>
+            </a:lvl9pPr>
+          </a:lstStyle>
+          <a:p>
+            <a:pPr marL="0" indent="0">
+              <a:buNone/>
+            </a:pPr>
+            <a:r>
+              <a:rPr lang="en-US" altLang="de-DE" sz="1200" kern="0" dirty="0"/>
+              <a:t>Clustering</a:t>
+            </a:r>
+          </a:p>
+        </p:txBody>
+      </p:sp>
+      <p:sp>
+        <p:nvSpPr>
+          <p:cNvPr id="30" name="Rectangle 3">
+            <a:extLst>
+              <a:ext uri="{FF2B5EF4-FFF2-40B4-BE49-F238E27FC236}">
+                <a16:creationId xmlns:a16="http://schemas.microsoft.com/office/drawing/2014/main" id="{437627A2-6960-4DF1-9EE9-8905AE343B29}"/>
+              </a:ext>
+            </a:extLst>
+          </p:cNvPr>
+          <p:cNvSpPr txBox="1">
+            <a:spLocks noChangeArrowheads="1"/>
+          </p:cNvSpPr>
+          <p:nvPr/>
+        </p:nvSpPr>
+        <p:spPr bwMode="auto">
+          <a:xfrm>
+            <a:off x="657367" y="4964928"/>
+            <a:ext cx="2762506" cy="246758"/>
+          </a:xfrm>
+          <a:prstGeom prst="rect">
+            <a:avLst/>
+          </a:prstGeom>
+          <a:noFill/>
+          <a:ln>
+            <a:noFill/>
+          </a:ln>
+          <a:extLst>
+            <a:ext uri="{909E8E84-426E-40DD-AFC4-6F175D3DCCD1}">
+              <a14:hiddenFill xmlns:a14="http://schemas.microsoft.com/office/drawing/2010/main">
+                <a:solidFill>
+                  <a:srgbClr val="FFFFFF"/>
+                </a:solidFill>
+              </a14:hiddenFill>
+            </a:ext>
+            <a:ext uri="{91240B29-F687-4F45-9708-019B960494DF}">
+              <a14:hiddenLine xmlns:a14="http://schemas.microsoft.com/office/drawing/2010/main" w="9525">
+                <a:solidFill>
+                  <a:srgbClr val="000000"/>
+                </a:solidFill>
+                <a:miter lim="800000"/>
+                <a:headEnd/>
+                <a:tailEnd/>
+              </a14:hiddenLine>
+            </a:ext>
+          </a:extLst>
+        </p:spPr>
+        <p:txBody>
+          <a:bodyPr vert="horz" wrap="square" lIns="0" tIns="0" rIns="0" bIns="0" numCol="1" anchor="t" anchorCtr="0" compatLnSpc="1">
+            <a:prstTxWarp prst="textNoShape">
+              <a:avLst/>
+            </a:prstTxWarp>
+          </a:bodyPr>
+          <a:lstStyle>
+            <a:lvl1pPr marL="314325" indent="-314325" algn="l" rtl="0" eaLnBrk="1" fontAlgn="base" hangingPunct="1">
+              <a:spcBef>
+                <a:spcPct val="20000"/>
+              </a:spcBef>
+              <a:spcAft>
+                <a:spcPct val="0"/>
+              </a:spcAft>
+              <a:buBlip>
+                <a:blip r:embed="rId6"/>
+              </a:buBlip>
+              <a:defRPr sz="2000">
+                <a:solidFill>
+                  <a:schemeClr val="tx1"/>
+                </a:solidFill>
+                <a:latin typeface="+mn-lt"/>
+                <a:ea typeface="+mn-ea"/>
+                <a:cs typeface="+mn-cs"/>
+              </a:defRPr>
+            </a:lvl1pPr>
+            <a:lvl2pPr marL="790575" indent="-314325" algn="l" rtl="0" eaLnBrk="1" fontAlgn="base" hangingPunct="1">
+              <a:spcBef>
+                <a:spcPct val="20000"/>
+              </a:spcBef>
+              <a:spcAft>
+                <a:spcPct val="0"/>
+              </a:spcAft>
+              <a:buBlip>
+                <a:blip r:embed="rId7"/>
+              </a:buBlip>
+              <a:defRPr>
+                <a:solidFill>
+                  <a:schemeClr val="tx1"/>
+                </a:solidFill>
+                <a:latin typeface="+mn-lt"/>
+              </a:defRPr>
+            </a:lvl2pPr>
+            <a:lvl3pPr marL="1209675" indent="-276225" algn="l" rtl="0" eaLnBrk="1" fontAlgn="base" hangingPunct="1">
+              <a:spcBef>
+                <a:spcPct val="20000"/>
+              </a:spcBef>
+              <a:spcAft>
+                <a:spcPct val="0"/>
+              </a:spcAft>
+              <a:buBlip>
+                <a:blip r:embed="rId8"/>
+              </a:buBlip>
+              <a:defRPr sz="1600">
+                <a:solidFill>
+                  <a:schemeClr val="tx1"/>
+                </a:solidFill>
+                <a:latin typeface="+mn-lt"/>
+              </a:defRPr>
+            </a:lvl3pPr>
+            <a:lvl4pPr marL="1657350" indent="-276225" algn="l" rtl="0" eaLnBrk="1" fontAlgn="base" hangingPunct="1">
+              <a:spcBef>
+                <a:spcPct val="20000"/>
+              </a:spcBef>
+              <a:spcAft>
+                <a:spcPct val="0"/>
+              </a:spcAft>
+              <a:buBlip>
+                <a:blip r:embed="rId8"/>
+              </a:buBlip>
+              <a:defRPr sz="1600">
+                <a:solidFill>
+                  <a:schemeClr val="tx1"/>
+                </a:solidFill>
+                <a:latin typeface="+mn-lt"/>
+              </a:defRPr>
+            </a:lvl4pPr>
+            <a:lvl5pPr marL="2095500" indent="-276225" algn="l" rtl="0" eaLnBrk="1" fontAlgn="base" hangingPunct="1">
+              <a:spcBef>
+                <a:spcPct val="20000"/>
+              </a:spcBef>
+              <a:spcAft>
+                <a:spcPct val="0"/>
+              </a:spcAft>
+              <a:buBlip>
+                <a:blip r:embed="rId8"/>
+              </a:buBlip>
+              <a:defRPr sz="1600">
+                <a:solidFill>
+                  <a:schemeClr val="tx1"/>
+                </a:solidFill>
+                <a:latin typeface="+mn-lt"/>
+              </a:defRPr>
+            </a:lvl5pPr>
+            <a:lvl6pPr marL="2514600" indent="-228600" algn="l" rtl="0" eaLnBrk="1" fontAlgn="base" hangingPunct="1">
+              <a:spcBef>
+                <a:spcPct val="20000"/>
+              </a:spcBef>
+              <a:spcAft>
+                <a:spcPct val="0"/>
+              </a:spcAft>
+              <a:buSzPct val="60000"/>
+              <a:buBlip>
+                <a:blip r:embed="rId9"/>
+              </a:buBlip>
+              <a:defRPr sz="1400">
+                <a:solidFill>
+                  <a:schemeClr val="tx1"/>
+                </a:solidFill>
+                <a:latin typeface="+mn-lt"/>
+              </a:defRPr>
+            </a:lvl6pPr>
+            <a:lvl7pPr marL="2971800" indent="-228600" algn="l" rtl="0" eaLnBrk="1" fontAlgn="base" hangingPunct="1">
+              <a:spcBef>
+                <a:spcPct val="20000"/>
+              </a:spcBef>
+              <a:spcAft>
+                <a:spcPct val="0"/>
+              </a:spcAft>
+              <a:buSzPct val="60000"/>
+              <a:buBlip>
+                <a:blip r:embed="rId9"/>
+              </a:buBlip>
+              <a:defRPr sz="1400">
+                <a:solidFill>
+                  <a:schemeClr val="tx1"/>
+                </a:solidFill>
+                <a:latin typeface="+mn-lt"/>
+              </a:defRPr>
+            </a:lvl7pPr>
+            <a:lvl8pPr marL="3429000" indent="-228600" algn="l" rtl="0" eaLnBrk="1" fontAlgn="base" hangingPunct="1">
+              <a:spcBef>
+                <a:spcPct val="20000"/>
+              </a:spcBef>
+              <a:spcAft>
+                <a:spcPct val="0"/>
+              </a:spcAft>
+              <a:buSzPct val="60000"/>
+              <a:buBlip>
+                <a:blip r:embed="rId9"/>
+              </a:buBlip>
+              <a:defRPr sz="1400">
+                <a:solidFill>
+                  <a:schemeClr val="tx1"/>
+                </a:solidFill>
+                <a:latin typeface="+mn-lt"/>
+              </a:defRPr>
+            </a:lvl8pPr>
+            <a:lvl9pPr marL="3886200" indent="-228600" algn="l" rtl="0" eaLnBrk="1" fontAlgn="base" hangingPunct="1">
+              <a:spcBef>
+                <a:spcPct val="20000"/>
+              </a:spcBef>
+              <a:spcAft>
+                <a:spcPct val="0"/>
+              </a:spcAft>
+              <a:buSzPct val="60000"/>
+              <a:buBlip>
+                <a:blip r:embed="rId9"/>
+              </a:buBlip>
+              <a:defRPr sz="1400">
+                <a:solidFill>
+                  <a:schemeClr val="tx1"/>
+                </a:solidFill>
+                <a:latin typeface="+mn-lt"/>
+              </a:defRPr>
+            </a:lvl9pPr>
+          </a:lstStyle>
+          <a:p>
+            <a:pPr marL="0" indent="0">
+              <a:buNone/>
+            </a:pPr>
+            <a:r>
+              <a:rPr lang="en-US" altLang="de-DE" sz="800" i="1" kern="0" dirty="0"/>
+              <a:t>Sources: Object-aware Identification, M.J. Amiri</a:t>
+            </a:r>
+          </a:p>
+        </p:txBody>
+      </p:sp>
     </p:spTree>
     <p:extLst>
       <p:ext uri="{BB962C8B-B14F-4D97-AF65-F5344CB8AC3E}">
-        <p14:creationId xmlns:p14="http://schemas.microsoft.com/office/powerpoint/2010/main" val="2746399899"/>
+        <p14:creationId xmlns:p14="http://schemas.microsoft.com/office/powerpoint/2010/main" val="1467332463"/>
       </p:ext>
     </p:extLst>
   </p:cSld>
@@ -6099,10 +7499,9 @@
           <a:lstStyle/>
           <a:p>
             <a:r>
-              <a:rPr lang="de-DE" altLang="de-DE" dirty="0" err="1"/>
-              <a:t>Contributions</a:t>
+              <a:rPr lang="en-US" altLang="de-DE" dirty="0"/>
+              <a:t>Weakness</a:t>
             </a:r>
-            <a:endParaRPr lang="de-DE" altLang="de-DE" dirty="0"/>
           </a:p>
         </p:txBody>
       </p:sp>
@@ -6119,7 +7518,7 @@
         <p:spPr>
           <a:xfrm>
             <a:off x="392113" y="1198563"/>
-            <a:ext cx="8356600" cy="4684836"/>
+            <a:ext cx="8212335" cy="1726381"/>
           </a:xfrm>
         </p:spPr>
         <p:txBody>
@@ -6128,82 +7527,33 @@
           <a:p>
             <a:r>
               <a:rPr lang="en-US" altLang="de-DE" dirty="0"/>
-              <a:t>Separate data object dependency and structural dependency</a:t>
+              <a:t>Aggregation lacks mathematical evidence</a:t>
+            </a:r>
+          </a:p>
+          <a:p>
+            <a:r>
+              <a:rPr lang="en-US" altLang="de-DE" dirty="0"/>
+              <a:t>Weighting for read/write access does not consider inter-/intra service calls</a:t>
             </a:r>
           </a:p>
           <a:p>
             <a:pPr lvl="1"/>
             <a:r>
               <a:rPr lang="en-US" altLang="de-DE" dirty="0"/>
-              <a:t>Cluster based on structural dependency as proposed</a:t>
+              <a:t>Remote calls outweigh difference between read and write access</a:t>
             </a:r>
           </a:p>
           <a:p>
-            <a:pPr lvl="1"/>
             <a:r>
               <a:rPr lang="en-US" altLang="de-DE" dirty="0"/>
-              <a:t>Cluster for object dependency based on new </a:t>
+              <a:t>Data flow only implicitly </a:t>
             </a:r>
           </a:p>
           <a:p>
-            <a:pPr lvl="1"/>
-            <a:r>
-              <a:rPr lang="en-US" altLang="de-DE" dirty="0"/>
-              <a:t>Circumvent ambiguity of aggregation process</a:t>
-            </a:r>
-          </a:p>
-          <a:p>
-            <a:pPr marL="476250" lvl="1" indent="0">
+            <a:pPr marL="0" indent="0">
               <a:buNone/>
             </a:pPr>
             <a:endParaRPr lang="en-US" altLang="de-DE" dirty="0"/>
-          </a:p>
-          <a:p>
-            <a:r>
-              <a:rPr lang="en-US" altLang="de-DE" dirty="0"/>
-              <a:t>New approach for Object dependency:</a:t>
-            </a:r>
-          </a:p>
-          <a:p>
-            <a:pPr lvl="1"/>
-            <a:r>
-              <a:rPr lang="en-US" altLang="de-DE" dirty="0"/>
-              <a:t>Distance Measure</a:t>
-            </a:r>
-          </a:p>
-          <a:p>
-            <a:pPr lvl="1"/>
-            <a:r>
-              <a:rPr lang="en-US" altLang="de-DE" dirty="0"/>
-              <a:t>Amount activities that access pair of objects </a:t>
-            </a:r>
-          </a:p>
-          <a:p>
-            <a:pPr lvl="1"/>
-            <a:r>
-              <a:rPr lang="en-US" altLang="de-DE" dirty="0"/>
-              <a:t>…</a:t>
-            </a:r>
-          </a:p>
-          <a:p>
-            <a:r>
-              <a:rPr lang="en-US" altLang="de-DE" dirty="0"/>
-              <a:t>Match both set of clusters</a:t>
-            </a:r>
-          </a:p>
-          <a:p>
-            <a:pPr lvl="1"/>
-            <a:r>
-              <a:rPr lang="en-US" altLang="de-DE" dirty="0"/>
-              <a:t>Based on BPMN Model information</a:t>
-            </a:r>
-          </a:p>
-          <a:p>
-            <a:pPr lvl="1"/>
-            <a:r>
-              <a:rPr lang="en-US" altLang="de-DE" dirty="0"/>
-              <a:t>Merge &amp; split possible</a:t>
-            </a:r>
           </a:p>
           <a:p>
             <a:endParaRPr lang="en-US" altLang="de-DE" dirty="0"/>
@@ -6232,7 +7582,7 @@
           <a:p>
             <a:fld id="{671342AB-2D21-4183-8B98-98B52FD7365F}" type="datetime1">
               <a:rPr lang="de-DE" smtClean="0"/>
-              <a:t>04.02.2019</a:t>
+              <a:t>07.02.2019</a:t>
             </a:fld>
             <a:endParaRPr lang="de-DE" dirty="0"/>
           </a:p>
@@ -6844,10 +8194,234 @@
       </p:grpSp>
       <p:sp>
         <p:nvSpPr>
-          <p:cNvPr id="19" name="Pfeil: nach rechts 18">
+          <p:cNvPr id="19" name="Rectangle 3">
             <a:extLst>
               <a:ext uri="{FF2B5EF4-FFF2-40B4-BE49-F238E27FC236}">
-                <a16:creationId xmlns:a16="http://schemas.microsoft.com/office/drawing/2014/main" id="{4A51D768-C24B-41F8-9FCD-DE11788EF2AC}"/>
+                <a16:creationId xmlns:a16="http://schemas.microsoft.com/office/drawing/2014/main" id="{43EDB515-BF17-4660-8E22-80AEA76A1738}"/>
+              </a:ext>
+            </a:extLst>
+          </p:cNvPr>
+          <p:cNvSpPr txBox="1">
+            <a:spLocks noChangeArrowheads="1"/>
+          </p:cNvSpPr>
+          <p:nvPr/>
+        </p:nvSpPr>
+        <p:spPr bwMode="auto">
+          <a:xfrm>
+            <a:off x="1103584" y="3598537"/>
+            <a:ext cx="6198916" cy="907912"/>
+          </a:xfrm>
+          <a:prstGeom prst="rect">
+            <a:avLst/>
+          </a:prstGeom>
+          <a:noFill/>
+          <a:ln>
+            <a:noFill/>
+          </a:ln>
+          <a:extLst>
+            <a:ext uri="{909E8E84-426E-40DD-AFC4-6F175D3DCCD1}">
+              <a14:hiddenFill xmlns:a14="http://schemas.microsoft.com/office/drawing/2010/main">
+                <a:solidFill>
+                  <a:srgbClr val="FFFFFF"/>
+                </a:solidFill>
+              </a14:hiddenFill>
+            </a:ext>
+            <a:ext uri="{91240B29-F687-4F45-9708-019B960494DF}">
+              <a14:hiddenLine xmlns:a14="http://schemas.microsoft.com/office/drawing/2010/main" w="9525">
+                <a:solidFill>
+                  <a:srgbClr val="000000"/>
+                </a:solidFill>
+                <a:miter lim="800000"/>
+                <a:headEnd/>
+                <a:tailEnd/>
+              </a14:hiddenLine>
+            </a:ext>
+          </a:extLst>
+        </p:spPr>
+        <p:txBody>
+          <a:bodyPr vert="horz" wrap="square" lIns="0" tIns="0" rIns="0" bIns="0" numCol="1" anchor="t" anchorCtr="0" compatLnSpc="1">
+            <a:prstTxWarp prst="textNoShape">
+              <a:avLst/>
+            </a:prstTxWarp>
+          </a:bodyPr>
+          <a:lstStyle>
+            <a:lvl1pPr marL="314325" indent="-314325" algn="l" rtl="0" eaLnBrk="1" fontAlgn="base" hangingPunct="1">
+              <a:spcBef>
+                <a:spcPct val="20000"/>
+              </a:spcBef>
+              <a:spcAft>
+                <a:spcPct val="0"/>
+              </a:spcAft>
+              <a:buBlip>
+                <a:blip r:embed="rId2"/>
+              </a:buBlip>
+              <a:defRPr sz="2000">
+                <a:solidFill>
+                  <a:schemeClr val="tx1"/>
+                </a:solidFill>
+                <a:latin typeface="+mn-lt"/>
+                <a:ea typeface="+mn-ea"/>
+                <a:cs typeface="+mn-cs"/>
+              </a:defRPr>
+            </a:lvl1pPr>
+            <a:lvl2pPr marL="790575" indent="-314325" algn="l" rtl="0" eaLnBrk="1" fontAlgn="base" hangingPunct="1">
+              <a:spcBef>
+                <a:spcPct val="20000"/>
+              </a:spcBef>
+              <a:spcAft>
+                <a:spcPct val="0"/>
+              </a:spcAft>
+              <a:buBlip>
+                <a:blip r:embed="rId3"/>
+              </a:buBlip>
+              <a:defRPr>
+                <a:solidFill>
+                  <a:schemeClr val="tx1"/>
+                </a:solidFill>
+                <a:latin typeface="+mn-lt"/>
+              </a:defRPr>
+            </a:lvl2pPr>
+            <a:lvl3pPr marL="1209675" indent="-276225" algn="l" rtl="0" eaLnBrk="1" fontAlgn="base" hangingPunct="1">
+              <a:spcBef>
+                <a:spcPct val="20000"/>
+              </a:spcBef>
+              <a:spcAft>
+                <a:spcPct val="0"/>
+              </a:spcAft>
+              <a:buBlip>
+                <a:blip r:embed="rId4"/>
+              </a:buBlip>
+              <a:defRPr sz="1600">
+                <a:solidFill>
+                  <a:schemeClr val="tx1"/>
+                </a:solidFill>
+                <a:latin typeface="+mn-lt"/>
+              </a:defRPr>
+            </a:lvl3pPr>
+            <a:lvl4pPr marL="1657350" indent="-276225" algn="l" rtl="0" eaLnBrk="1" fontAlgn="base" hangingPunct="1">
+              <a:spcBef>
+                <a:spcPct val="20000"/>
+              </a:spcBef>
+              <a:spcAft>
+                <a:spcPct val="0"/>
+              </a:spcAft>
+              <a:buBlip>
+                <a:blip r:embed="rId4"/>
+              </a:buBlip>
+              <a:defRPr sz="1600">
+                <a:solidFill>
+                  <a:schemeClr val="tx1"/>
+                </a:solidFill>
+                <a:latin typeface="+mn-lt"/>
+              </a:defRPr>
+            </a:lvl4pPr>
+            <a:lvl5pPr marL="2095500" indent="-276225" algn="l" rtl="0" eaLnBrk="1" fontAlgn="base" hangingPunct="1">
+              <a:spcBef>
+                <a:spcPct val="20000"/>
+              </a:spcBef>
+              <a:spcAft>
+                <a:spcPct val="0"/>
+              </a:spcAft>
+              <a:buBlip>
+                <a:blip r:embed="rId4"/>
+              </a:buBlip>
+              <a:defRPr sz="1600">
+                <a:solidFill>
+                  <a:schemeClr val="tx1"/>
+                </a:solidFill>
+                <a:latin typeface="+mn-lt"/>
+              </a:defRPr>
+            </a:lvl5pPr>
+            <a:lvl6pPr marL="2514600" indent="-228600" algn="l" rtl="0" eaLnBrk="1" fontAlgn="base" hangingPunct="1">
+              <a:spcBef>
+                <a:spcPct val="20000"/>
+              </a:spcBef>
+              <a:spcAft>
+                <a:spcPct val="0"/>
+              </a:spcAft>
+              <a:buSzPct val="60000"/>
+              <a:buBlip>
+                <a:blip r:embed="rId5"/>
+              </a:buBlip>
+              <a:defRPr sz="1400">
+                <a:solidFill>
+                  <a:schemeClr val="tx1"/>
+                </a:solidFill>
+                <a:latin typeface="+mn-lt"/>
+              </a:defRPr>
+            </a:lvl6pPr>
+            <a:lvl7pPr marL="2971800" indent="-228600" algn="l" rtl="0" eaLnBrk="1" fontAlgn="base" hangingPunct="1">
+              <a:spcBef>
+                <a:spcPct val="20000"/>
+              </a:spcBef>
+              <a:spcAft>
+                <a:spcPct val="0"/>
+              </a:spcAft>
+              <a:buSzPct val="60000"/>
+              <a:buBlip>
+                <a:blip r:embed="rId5"/>
+              </a:buBlip>
+              <a:defRPr sz="1400">
+                <a:solidFill>
+                  <a:schemeClr val="tx1"/>
+                </a:solidFill>
+                <a:latin typeface="+mn-lt"/>
+              </a:defRPr>
+            </a:lvl7pPr>
+            <a:lvl8pPr marL="3429000" indent="-228600" algn="l" rtl="0" eaLnBrk="1" fontAlgn="base" hangingPunct="1">
+              <a:spcBef>
+                <a:spcPct val="20000"/>
+              </a:spcBef>
+              <a:spcAft>
+                <a:spcPct val="0"/>
+              </a:spcAft>
+              <a:buSzPct val="60000"/>
+              <a:buBlip>
+                <a:blip r:embed="rId5"/>
+              </a:buBlip>
+              <a:defRPr sz="1400">
+                <a:solidFill>
+                  <a:schemeClr val="tx1"/>
+                </a:solidFill>
+                <a:latin typeface="+mn-lt"/>
+              </a:defRPr>
+            </a:lvl8pPr>
+            <a:lvl9pPr marL="3886200" indent="-228600" algn="l" rtl="0" eaLnBrk="1" fontAlgn="base" hangingPunct="1">
+              <a:spcBef>
+                <a:spcPct val="20000"/>
+              </a:spcBef>
+              <a:spcAft>
+                <a:spcPct val="0"/>
+              </a:spcAft>
+              <a:buSzPct val="60000"/>
+              <a:buBlip>
+                <a:blip r:embed="rId5"/>
+              </a:buBlip>
+              <a:defRPr sz="1400">
+                <a:solidFill>
+                  <a:schemeClr val="tx1"/>
+                </a:solidFill>
+                <a:latin typeface="+mn-lt"/>
+              </a:defRPr>
+            </a:lvl9pPr>
+          </a:lstStyle>
+          <a:p>
+            <a:pPr marL="0" indent="0">
+              <a:buNone/>
+            </a:pPr>
+            <a:r>
+              <a:rPr lang="en-US" altLang="de-DE" kern="0" dirty="0"/>
+              <a:t>Blurred data- and control flow</a:t>
+            </a:r>
+          </a:p>
+        </p:txBody>
+      </p:sp>
+      <p:sp>
+        <p:nvSpPr>
+          <p:cNvPr id="20" name="Pfeil: nach rechts 19">
+            <a:extLst>
+              <a:ext uri="{FF2B5EF4-FFF2-40B4-BE49-F238E27FC236}">
+                <a16:creationId xmlns:a16="http://schemas.microsoft.com/office/drawing/2014/main" id="{1E1DE8AF-D783-4577-A28D-5D4BF53FEADD}"/>
               </a:ext>
             </a:extLst>
           </p:cNvPr>
@@ -6856,8 +8430,8 @@
         </p:nvSpPr>
         <p:spPr>
           <a:xfrm>
-            <a:off x="827584" y="2204864"/>
-            <a:ext cx="236534" cy="320408"/>
+            <a:off x="457900" y="3517863"/>
+            <a:ext cx="398934" cy="464424"/>
           </a:xfrm>
           <a:prstGeom prst="rightArrow">
             <a:avLst/>
@@ -6891,7 +8465,7 @@
     </p:spTree>
     <p:extLst>
       <p:ext uri="{BB962C8B-B14F-4D97-AF65-F5344CB8AC3E}">
-        <p14:creationId xmlns:p14="http://schemas.microsoft.com/office/powerpoint/2010/main" val="4045427672"/>
+        <p14:creationId xmlns:p14="http://schemas.microsoft.com/office/powerpoint/2010/main" val="2746399899"/>
       </p:ext>
     </p:extLst>
   </p:cSld>
@@ -6934,8 +8508,8 @@
           <a:lstStyle/>
           <a:p>
             <a:r>
-              <a:rPr lang="de-DE" altLang="de-DE" dirty="0"/>
-              <a:t>Evaluation</a:t>
+              <a:rPr lang="en-US" altLang="de-DE" dirty="0"/>
+              <a:t>Contributions</a:t>
             </a:r>
           </a:p>
         </p:txBody>
@@ -6953,7 +8527,7 @@
         <p:spPr>
           <a:xfrm>
             <a:off x="392113" y="1198563"/>
-            <a:ext cx="4395911" cy="367847"/>
+            <a:ext cx="8356600" cy="4684836"/>
           </a:xfrm>
         </p:spPr>
         <p:txBody>
@@ -6962,12 +8536,84 @@
           <a:p>
             <a:r>
               <a:rPr lang="en-US" altLang="de-DE" dirty="0"/>
-              <a:t>Apply to case study </a:t>
+              <a:t>Separate data object dependency and structural dependency</a:t>
             </a:r>
+          </a:p>
+          <a:p>
+            <a:pPr lvl="1"/>
             <a:r>
-              <a:rPr lang="en-US" altLang="de-DE" i="1" dirty="0" err="1"/>
-              <a:t>CoCoME</a:t>
+              <a:rPr lang="en-US" altLang="de-DE" dirty="0"/>
+              <a:t>Cluster based on structural dependency as proposed</a:t>
             </a:r>
+          </a:p>
+          <a:p>
+            <a:pPr lvl="1"/>
+            <a:r>
+              <a:rPr lang="en-US" altLang="de-DE" dirty="0"/>
+              <a:t>Cluster for object dependency based on new </a:t>
+            </a:r>
+          </a:p>
+          <a:p>
+            <a:pPr lvl="1"/>
+            <a:r>
+              <a:rPr lang="en-US" altLang="de-DE" dirty="0"/>
+              <a:t>Circumvent ambiguity of aggregation process</a:t>
+            </a:r>
+          </a:p>
+          <a:p>
+            <a:pPr marL="476250" lvl="1" indent="0">
+              <a:buNone/>
+            </a:pPr>
+            <a:endParaRPr lang="en-US" altLang="de-DE" dirty="0"/>
+          </a:p>
+          <a:p>
+            <a:r>
+              <a:rPr lang="en-US" altLang="de-DE" dirty="0"/>
+              <a:t>New approach for Object dependency:</a:t>
+            </a:r>
+          </a:p>
+          <a:p>
+            <a:pPr lvl="1"/>
+            <a:r>
+              <a:rPr lang="en-US" altLang="de-DE" dirty="0"/>
+              <a:t>Distance Measure</a:t>
+            </a:r>
+          </a:p>
+          <a:p>
+            <a:pPr lvl="1"/>
+            <a:r>
+              <a:rPr lang="en-US" altLang="de-DE" dirty="0"/>
+              <a:t>Amount activities that access pair of objects </a:t>
+            </a:r>
+          </a:p>
+          <a:p>
+            <a:pPr lvl="1"/>
+            <a:r>
+              <a:rPr lang="en-US" altLang="de-DE" dirty="0"/>
+              <a:t>…</a:t>
+            </a:r>
+          </a:p>
+          <a:p>
+            <a:r>
+              <a:rPr lang="en-US" altLang="de-DE" dirty="0"/>
+              <a:t>Match both set of clusters</a:t>
+            </a:r>
+          </a:p>
+          <a:p>
+            <a:pPr lvl="1"/>
+            <a:r>
+              <a:rPr lang="en-US" altLang="de-DE" dirty="0"/>
+              <a:t>Based on BPMN Model information</a:t>
+            </a:r>
+          </a:p>
+          <a:p>
+            <a:pPr lvl="1"/>
+            <a:r>
+              <a:rPr lang="en-US" altLang="de-DE" dirty="0"/>
+              <a:t>Merge &amp; split possible</a:t>
+            </a:r>
+          </a:p>
+          <a:p>
             <a:endParaRPr lang="en-US" altLang="de-DE" dirty="0"/>
           </a:p>
         </p:txBody>
@@ -6994,7 +8640,737 @@
           <a:p>
             <a:fld id="{671342AB-2D21-4183-8B98-98B52FD7365F}" type="datetime1">
               <a:rPr lang="de-DE" smtClean="0"/>
-              <a:t>04.02.2019</a:t>
+              <a:t>07.02.2019</a:t>
+            </a:fld>
+            <a:endParaRPr lang="de-DE" dirty="0"/>
+          </a:p>
+        </p:txBody>
+      </p:sp>
+      <p:grpSp>
+        <p:nvGrpSpPr>
+          <p:cNvPr id="6" name="Gruppieren 21">
+            <a:extLst>
+              <a:ext uri="{FF2B5EF4-FFF2-40B4-BE49-F238E27FC236}">
+                <a16:creationId xmlns:a16="http://schemas.microsoft.com/office/drawing/2014/main" id="{0040E27B-FD00-4BB9-BF34-EAF5642F9005}"/>
+              </a:ext>
+            </a:extLst>
+          </p:cNvPr>
+          <p:cNvGrpSpPr/>
+          <p:nvPr/>
+        </p:nvGrpSpPr>
+        <p:grpSpPr>
+          <a:xfrm>
+            <a:off x="25400" y="5986694"/>
+            <a:ext cx="9072000" cy="507293"/>
+            <a:chOff x="25400" y="5986694"/>
+            <a:chExt cx="9072000" cy="507293"/>
+          </a:xfrm>
+        </p:grpSpPr>
+        <p:sp>
+          <p:nvSpPr>
+            <p:cNvPr id="7" name="Textfeld 13">
+              <a:extLst>
+                <a:ext uri="{FF2B5EF4-FFF2-40B4-BE49-F238E27FC236}">
+                  <a16:creationId xmlns:a16="http://schemas.microsoft.com/office/drawing/2014/main" id="{BAAA255A-DE4E-43FC-B6C9-980B8990A863}"/>
+                </a:ext>
+              </a:extLst>
+            </p:cNvPr>
+            <p:cNvSpPr txBox="1"/>
+            <p:nvPr/>
+          </p:nvSpPr>
+          <p:spPr>
+            <a:xfrm>
+              <a:off x="1493183" y="6032322"/>
+              <a:ext cx="950901" cy="461665"/>
+            </a:xfrm>
+            <a:prstGeom prst="rect">
+              <a:avLst/>
+            </a:prstGeom>
+            <a:noFill/>
+            <a:ln>
+              <a:noFill/>
+            </a:ln>
+          </p:spPr>
+          <p:style>
+            <a:lnRef idx="2">
+              <a:schemeClr val="accent3"/>
+            </a:lnRef>
+            <a:fillRef idx="1">
+              <a:schemeClr val="lt1"/>
+            </a:fillRef>
+            <a:effectRef idx="0">
+              <a:schemeClr val="accent3"/>
+            </a:effectRef>
+            <a:fontRef idx="minor">
+              <a:schemeClr val="dk1"/>
+            </a:fontRef>
+          </p:style>
+          <p:txBody>
+            <a:bodyPr wrap="square" rtlCol="0">
+              <a:spAutoFit/>
+            </a:bodyPr>
+            <a:lstStyle/>
+            <a:p>
+              <a:r>
+                <a:rPr lang="en-US" sz="1200" dirty="0"/>
+                <a:t>Foundation</a:t>
+              </a:r>
+            </a:p>
+          </p:txBody>
+        </p:sp>
+        <p:sp>
+          <p:nvSpPr>
+            <p:cNvPr id="8" name="Textfeld 14">
+              <a:extLst>
+                <a:ext uri="{FF2B5EF4-FFF2-40B4-BE49-F238E27FC236}">
+                  <a16:creationId xmlns:a16="http://schemas.microsoft.com/office/drawing/2014/main" id="{20453AA5-8267-4740-BB18-83B78262BD22}"/>
+                </a:ext>
+              </a:extLst>
+            </p:cNvPr>
+            <p:cNvSpPr txBox="1"/>
+            <p:nvPr/>
+          </p:nvSpPr>
+          <p:spPr>
+            <a:xfrm>
+              <a:off x="6282440" y="6032325"/>
+              <a:ext cx="899605" cy="276999"/>
+            </a:xfrm>
+            <a:prstGeom prst="rect">
+              <a:avLst/>
+            </a:prstGeom>
+          </p:spPr>
+          <p:style>
+            <a:lnRef idx="2">
+              <a:schemeClr val="accent3"/>
+            </a:lnRef>
+            <a:fillRef idx="1">
+              <a:schemeClr val="lt1"/>
+            </a:fillRef>
+            <a:effectRef idx="0">
+              <a:schemeClr val="accent3"/>
+            </a:effectRef>
+            <a:fontRef idx="minor">
+              <a:schemeClr val="dk1"/>
+            </a:fontRef>
+          </p:style>
+          <p:txBody>
+            <a:bodyPr wrap="none" rtlCol="0">
+              <a:spAutoFit/>
+            </a:bodyPr>
+            <a:lstStyle/>
+            <a:p>
+              <a:r>
+                <a:rPr lang="en-US" sz="1200" dirty="0"/>
+                <a:t>Evaluation</a:t>
+              </a:r>
+            </a:p>
+          </p:txBody>
+        </p:sp>
+        <p:sp>
+          <p:nvSpPr>
+            <p:cNvPr id="9" name="Textfeld 8">
+              <a:extLst>
+                <a:ext uri="{FF2B5EF4-FFF2-40B4-BE49-F238E27FC236}">
+                  <a16:creationId xmlns:a16="http://schemas.microsoft.com/office/drawing/2014/main" id="{0003065F-116A-4EB7-8459-D88042241914}"/>
+                </a:ext>
+              </a:extLst>
+            </p:cNvPr>
+            <p:cNvSpPr txBox="1"/>
+            <p:nvPr/>
+          </p:nvSpPr>
+          <p:spPr>
+            <a:xfrm>
+              <a:off x="3028301" y="6032323"/>
+              <a:ext cx="1111651" cy="276999"/>
+            </a:xfrm>
+            <a:prstGeom prst="rect">
+              <a:avLst/>
+            </a:prstGeom>
+          </p:spPr>
+          <p:style>
+            <a:lnRef idx="2">
+              <a:schemeClr val="accent3"/>
+            </a:lnRef>
+            <a:fillRef idx="1">
+              <a:schemeClr val="lt1"/>
+            </a:fillRef>
+            <a:effectRef idx="0">
+              <a:schemeClr val="accent3"/>
+            </a:effectRef>
+            <a:fontRef idx="minor">
+              <a:schemeClr val="dk1"/>
+            </a:fontRef>
+          </p:style>
+          <p:txBody>
+            <a:bodyPr wrap="none" rtlCol="0">
+              <a:spAutoFit/>
+            </a:bodyPr>
+            <a:lstStyle/>
+            <a:p>
+              <a:r>
+                <a:rPr lang="en-US" sz="1200" dirty="0"/>
+                <a:t>Related Work</a:t>
+              </a:r>
+            </a:p>
+          </p:txBody>
+        </p:sp>
+        <p:sp>
+          <p:nvSpPr>
+            <p:cNvPr id="10" name="Textfeld 9">
+              <a:extLst>
+                <a:ext uri="{FF2B5EF4-FFF2-40B4-BE49-F238E27FC236}">
+                  <a16:creationId xmlns:a16="http://schemas.microsoft.com/office/drawing/2014/main" id="{A726C2C4-9F26-4857-993B-720F1DE49F35}"/>
+                </a:ext>
+              </a:extLst>
+            </p:cNvPr>
+            <p:cNvSpPr txBox="1"/>
+            <p:nvPr/>
+          </p:nvSpPr>
+          <p:spPr>
+            <a:xfrm>
+              <a:off x="7763010" y="6032321"/>
+              <a:ext cx="1278028" cy="276999"/>
+            </a:xfrm>
+            <a:prstGeom prst="rect">
+              <a:avLst/>
+            </a:prstGeom>
+            <a:noFill/>
+            <a:ln>
+              <a:noFill/>
+            </a:ln>
+          </p:spPr>
+          <p:style>
+            <a:lnRef idx="2">
+              <a:schemeClr val="accent3"/>
+            </a:lnRef>
+            <a:fillRef idx="1">
+              <a:schemeClr val="lt1"/>
+            </a:fillRef>
+            <a:effectRef idx="0">
+              <a:schemeClr val="accent3"/>
+            </a:effectRef>
+            <a:fontRef idx="minor">
+              <a:schemeClr val="dk1"/>
+            </a:fontRef>
+          </p:style>
+          <p:txBody>
+            <a:bodyPr wrap="square" rtlCol="0">
+              <a:spAutoFit/>
+            </a:bodyPr>
+            <a:lstStyle/>
+            <a:p>
+              <a:r>
+                <a:rPr lang="en-US" sz="1200" dirty="0"/>
+                <a:t>Summary</a:t>
+              </a:r>
+            </a:p>
+          </p:txBody>
+        </p:sp>
+        <p:sp>
+          <p:nvSpPr>
+            <p:cNvPr id="11" name="Textfeld 10">
+              <a:extLst>
+                <a:ext uri="{FF2B5EF4-FFF2-40B4-BE49-F238E27FC236}">
+                  <a16:creationId xmlns:a16="http://schemas.microsoft.com/office/drawing/2014/main" id="{AB277AF1-9FBE-44AB-A77E-54F4A3C24B2D}"/>
+                </a:ext>
+              </a:extLst>
+            </p:cNvPr>
+            <p:cNvSpPr txBox="1"/>
+            <p:nvPr/>
+          </p:nvSpPr>
+          <p:spPr>
+            <a:xfrm>
+              <a:off x="179512" y="6032321"/>
+              <a:ext cx="955711" cy="276999"/>
+            </a:xfrm>
+            <a:prstGeom prst="rect">
+              <a:avLst/>
+            </a:prstGeom>
+            <a:noFill/>
+            <a:ln>
+              <a:noFill/>
+            </a:ln>
+          </p:spPr>
+          <p:style>
+            <a:lnRef idx="2">
+              <a:schemeClr val="accent3"/>
+            </a:lnRef>
+            <a:fillRef idx="1">
+              <a:schemeClr val="lt1"/>
+            </a:fillRef>
+            <a:effectRef idx="0">
+              <a:schemeClr val="accent3"/>
+            </a:effectRef>
+            <a:fontRef idx="minor">
+              <a:schemeClr val="dk1"/>
+            </a:fontRef>
+          </p:style>
+          <p:txBody>
+            <a:bodyPr wrap="square" rtlCol="0">
+              <a:spAutoFit/>
+            </a:bodyPr>
+            <a:lstStyle/>
+            <a:p>
+              <a:r>
+                <a:rPr lang="en-US" sz="1200" dirty="0"/>
+                <a:t>Motivation</a:t>
+              </a:r>
+            </a:p>
+          </p:txBody>
+        </p:sp>
+        <p:sp>
+          <p:nvSpPr>
+            <p:cNvPr id="12" name="Eingekerbter Richtungspfeil 23">
+              <a:extLst>
+                <a:ext uri="{FF2B5EF4-FFF2-40B4-BE49-F238E27FC236}">
+                  <a16:creationId xmlns:a16="http://schemas.microsoft.com/office/drawing/2014/main" id="{05A79C9A-C2A8-47C9-A061-08591E151049}"/>
+                </a:ext>
+              </a:extLst>
+            </p:cNvPr>
+            <p:cNvSpPr/>
+            <p:nvPr/>
+          </p:nvSpPr>
+          <p:spPr>
+            <a:xfrm>
+              <a:off x="1234955" y="6091573"/>
+              <a:ext cx="158496" cy="158496"/>
+            </a:xfrm>
+            <a:prstGeom prst="chevron">
+              <a:avLst/>
+            </a:prstGeom>
+          </p:spPr>
+          <p:style>
+            <a:lnRef idx="1">
+              <a:schemeClr val="accent4"/>
+            </a:lnRef>
+            <a:fillRef idx="2">
+              <a:schemeClr val="accent4"/>
+            </a:fillRef>
+            <a:effectRef idx="1">
+              <a:schemeClr val="accent4"/>
+            </a:effectRef>
+            <a:fontRef idx="minor">
+              <a:schemeClr val="dk1"/>
+            </a:fontRef>
+          </p:style>
+          <p:txBody>
+            <a:bodyPr rtlCol="0" anchor="ctr"/>
+            <a:lstStyle/>
+            <a:p>
+              <a:pPr algn="ctr"/>
+              <a:endParaRPr lang="de-DE" dirty="0">
+                <a:solidFill>
+                  <a:schemeClr val="tx1"/>
+                </a:solidFill>
+              </a:endParaRPr>
+            </a:p>
+          </p:txBody>
+        </p:sp>
+        <p:sp>
+          <p:nvSpPr>
+            <p:cNvPr id="13" name="Eingekerbter Richtungspfeil 24">
+              <a:extLst>
+                <a:ext uri="{FF2B5EF4-FFF2-40B4-BE49-F238E27FC236}">
+                  <a16:creationId xmlns:a16="http://schemas.microsoft.com/office/drawing/2014/main" id="{93F73314-AFE2-4A7B-B351-D0D77AC858C3}"/>
+                </a:ext>
+              </a:extLst>
+            </p:cNvPr>
+            <p:cNvSpPr/>
+            <p:nvPr/>
+          </p:nvSpPr>
+          <p:spPr>
+            <a:xfrm>
+              <a:off x="2577480" y="6091574"/>
+              <a:ext cx="158496" cy="158496"/>
+            </a:xfrm>
+            <a:prstGeom prst="chevron">
+              <a:avLst/>
+            </a:prstGeom>
+          </p:spPr>
+          <p:style>
+            <a:lnRef idx="1">
+              <a:schemeClr val="accent4"/>
+            </a:lnRef>
+            <a:fillRef idx="2">
+              <a:schemeClr val="accent4"/>
+            </a:fillRef>
+            <a:effectRef idx="1">
+              <a:schemeClr val="accent4"/>
+            </a:effectRef>
+            <a:fontRef idx="minor">
+              <a:schemeClr val="dk1"/>
+            </a:fontRef>
+          </p:style>
+          <p:txBody>
+            <a:bodyPr rtlCol="0" anchor="ctr"/>
+            <a:lstStyle/>
+            <a:p>
+              <a:pPr algn="ctr"/>
+              <a:endParaRPr lang="de-DE">
+                <a:solidFill>
+                  <a:schemeClr val="tx1"/>
+                </a:solidFill>
+              </a:endParaRPr>
+            </a:p>
+          </p:txBody>
+        </p:sp>
+        <p:sp>
+          <p:nvSpPr>
+            <p:cNvPr id="14" name="Eingekerbter Richtungspfeil 25">
+              <a:extLst>
+                <a:ext uri="{FF2B5EF4-FFF2-40B4-BE49-F238E27FC236}">
+                  <a16:creationId xmlns:a16="http://schemas.microsoft.com/office/drawing/2014/main" id="{E51CB0DD-B40B-4DA3-9813-56079C531A80}"/>
+                </a:ext>
+              </a:extLst>
+            </p:cNvPr>
+            <p:cNvSpPr/>
+            <p:nvPr/>
+          </p:nvSpPr>
+          <p:spPr>
+            <a:xfrm>
+              <a:off x="4269488" y="6091575"/>
+              <a:ext cx="158496" cy="158496"/>
+            </a:xfrm>
+            <a:prstGeom prst="chevron">
+              <a:avLst/>
+            </a:prstGeom>
+          </p:spPr>
+          <p:style>
+            <a:lnRef idx="1">
+              <a:schemeClr val="accent4"/>
+            </a:lnRef>
+            <a:fillRef idx="2">
+              <a:schemeClr val="accent4"/>
+            </a:fillRef>
+            <a:effectRef idx="1">
+              <a:schemeClr val="accent4"/>
+            </a:effectRef>
+            <a:fontRef idx="minor">
+              <a:schemeClr val="dk1"/>
+            </a:fontRef>
+          </p:style>
+          <p:txBody>
+            <a:bodyPr rtlCol="0" anchor="ctr"/>
+            <a:lstStyle/>
+            <a:p>
+              <a:pPr algn="ctr"/>
+              <a:endParaRPr lang="de-DE">
+                <a:solidFill>
+                  <a:schemeClr val="tx1"/>
+                </a:solidFill>
+              </a:endParaRPr>
+            </a:p>
+          </p:txBody>
+        </p:sp>
+        <p:sp>
+          <p:nvSpPr>
+            <p:cNvPr id="15" name="Textfeld 14">
+              <a:extLst>
+                <a:ext uri="{FF2B5EF4-FFF2-40B4-BE49-F238E27FC236}">
+                  <a16:creationId xmlns:a16="http://schemas.microsoft.com/office/drawing/2014/main" id="{5C484D65-4E97-430B-9F41-F04C2D378E09}"/>
+                </a:ext>
+              </a:extLst>
+            </p:cNvPr>
+            <p:cNvSpPr txBox="1"/>
+            <p:nvPr/>
+          </p:nvSpPr>
+          <p:spPr>
+            <a:xfrm>
+              <a:off x="4788024" y="6032324"/>
+              <a:ext cx="902811" cy="276999"/>
+            </a:xfrm>
+            <a:prstGeom prst="rect">
+              <a:avLst/>
+            </a:prstGeom>
+          </p:spPr>
+          <p:style>
+            <a:lnRef idx="2">
+              <a:schemeClr val="accent3"/>
+            </a:lnRef>
+            <a:fillRef idx="1">
+              <a:schemeClr val="lt1"/>
+            </a:fillRef>
+            <a:effectRef idx="0">
+              <a:schemeClr val="accent3"/>
+            </a:effectRef>
+            <a:fontRef idx="minor">
+              <a:schemeClr val="dk1"/>
+            </a:fontRef>
+          </p:style>
+          <p:txBody>
+            <a:bodyPr wrap="none" rtlCol="0">
+              <a:spAutoFit/>
+            </a:bodyPr>
+            <a:lstStyle/>
+            <a:p>
+              <a:r>
+                <a:rPr lang="en-US" sz="1200" b="1" dirty="0"/>
+                <a:t>Approach</a:t>
+              </a:r>
+            </a:p>
+          </p:txBody>
+        </p:sp>
+        <p:sp>
+          <p:nvSpPr>
+            <p:cNvPr id="16" name="Eingekerbter Richtungspfeil 27">
+              <a:extLst>
+                <a:ext uri="{FF2B5EF4-FFF2-40B4-BE49-F238E27FC236}">
+                  <a16:creationId xmlns:a16="http://schemas.microsoft.com/office/drawing/2014/main" id="{E768B783-C92B-40F8-9CF6-761F508F5A01}"/>
+                </a:ext>
+              </a:extLst>
+            </p:cNvPr>
+            <p:cNvSpPr/>
+            <p:nvPr/>
+          </p:nvSpPr>
+          <p:spPr>
+            <a:xfrm>
+              <a:off x="7320057" y="6091577"/>
+              <a:ext cx="158496" cy="158496"/>
+            </a:xfrm>
+            <a:prstGeom prst="chevron">
+              <a:avLst/>
+            </a:prstGeom>
+          </p:spPr>
+          <p:style>
+            <a:lnRef idx="1">
+              <a:schemeClr val="accent4"/>
+            </a:lnRef>
+            <a:fillRef idx="2">
+              <a:schemeClr val="accent4"/>
+            </a:fillRef>
+            <a:effectRef idx="1">
+              <a:schemeClr val="accent4"/>
+            </a:effectRef>
+            <a:fontRef idx="minor">
+              <a:schemeClr val="dk1"/>
+            </a:fontRef>
+          </p:style>
+          <p:txBody>
+            <a:bodyPr rtlCol="0" anchor="ctr"/>
+            <a:lstStyle/>
+            <a:p>
+              <a:pPr algn="ctr"/>
+              <a:endParaRPr lang="de-DE">
+                <a:solidFill>
+                  <a:schemeClr val="tx1"/>
+                </a:solidFill>
+              </a:endParaRPr>
+            </a:p>
+          </p:txBody>
+        </p:sp>
+        <p:cxnSp>
+          <p:nvCxnSpPr>
+            <p:cNvPr id="17" name="Gerade Verbindung 28">
+              <a:extLst>
+                <a:ext uri="{FF2B5EF4-FFF2-40B4-BE49-F238E27FC236}">
+                  <a16:creationId xmlns:a16="http://schemas.microsoft.com/office/drawing/2014/main" id="{BC764CA6-47FB-49B6-964C-7052FC337673}"/>
+                </a:ext>
+              </a:extLst>
+            </p:cNvPr>
+            <p:cNvCxnSpPr/>
+            <p:nvPr/>
+          </p:nvCxnSpPr>
+          <p:spPr>
+            <a:xfrm>
+              <a:off x="25400" y="5986694"/>
+              <a:ext cx="9072000" cy="1588"/>
+            </a:xfrm>
+            <a:prstGeom prst="line">
+              <a:avLst/>
+            </a:prstGeom>
+            <a:ln w="41275">
+              <a:solidFill>
+                <a:schemeClr val="accent3">
+                  <a:lumMod val="85000"/>
+                </a:schemeClr>
+              </a:solidFill>
+            </a:ln>
+          </p:spPr>
+          <p:style>
+            <a:lnRef idx="1">
+              <a:schemeClr val="accent1"/>
+            </a:lnRef>
+            <a:fillRef idx="0">
+              <a:schemeClr val="accent1"/>
+            </a:fillRef>
+            <a:effectRef idx="0">
+              <a:schemeClr val="accent1"/>
+            </a:effectRef>
+            <a:fontRef idx="minor">
+              <a:schemeClr val="tx1"/>
+            </a:fontRef>
+          </p:style>
+        </p:cxnSp>
+        <p:sp>
+          <p:nvSpPr>
+            <p:cNvPr id="18" name="Eingekerbter Richtungspfeil 29">
+              <a:extLst>
+                <a:ext uri="{FF2B5EF4-FFF2-40B4-BE49-F238E27FC236}">
+                  <a16:creationId xmlns:a16="http://schemas.microsoft.com/office/drawing/2014/main" id="{789A9915-BB3D-4F64-995D-EEE4479DB224}"/>
+                </a:ext>
+              </a:extLst>
+            </p:cNvPr>
+            <p:cNvSpPr/>
+            <p:nvPr/>
+          </p:nvSpPr>
+          <p:spPr>
+            <a:xfrm>
+              <a:off x="5925672" y="6091576"/>
+              <a:ext cx="158496" cy="158496"/>
+            </a:xfrm>
+            <a:prstGeom prst="chevron">
+              <a:avLst/>
+            </a:prstGeom>
+          </p:spPr>
+          <p:style>
+            <a:lnRef idx="1">
+              <a:schemeClr val="accent4"/>
+            </a:lnRef>
+            <a:fillRef idx="2">
+              <a:schemeClr val="accent4"/>
+            </a:fillRef>
+            <a:effectRef idx="1">
+              <a:schemeClr val="accent4"/>
+            </a:effectRef>
+            <a:fontRef idx="minor">
+              <a:schemeClr val="dk1"/>
+            </a:fontRef>
+          </p:style>
+          <p:txBody>
+            <a:bodyPr rtlCol="0" anchor="ctr"/>
+            <a:lstStyle/>
+            <a:p>
+              <a:pPr algn="ctr"/>
+              <a:endParaRPr lang="de-DE">
+                <a:solidFill>
+                  <a:schemeClr val="tx1"/>
+                </a:solidFill>
+              </a:endParaRPr>
+            </a:p>
+          </p:txBody>
+        </p:sp>
+      </p:grpSp>
+      <p:sp>
+        <p:nvSpPr>
+          <p:cNvPr id="19" name="Pfeil: nach rechts 18">
+            <a:extLst>
+              <a:ext uri="{FF2B5EF4-FFF2-40B4-BE49-F238E27FC236}">
+                <a16:creationId xmlns:a16="http://schemas.microsoft.com/office/drawing/2014/main" id="{4A51D768-C24B-41F8-9FCD-DE11788EF2AC}"/>
+              </a:ext>
+            </a:extLst>
+          </p:cNvPr>
+          <p:cNvSpPr/>
+          <p:nvPr/>
+        </p:nvSpPr>
+        <p:spPr>
+          <a:xfrm>
+            <a:off x="827584" y="2204864"/>
+            <a:ext cx="236534" cy="320408"/>
+          </a:xfrm>
+          <a:prstGeom prst="rightArrow">
+            <a:avLst/>
+          </a:prstGeom>
+        </p:spPr>
+        <p:style>
+          <a:lnRef idx="2">
+            <a:schemeClr val="accent1">
+              <a:shade val="50000"/>
+            </a:schemeClr>
+          </a:lnRef>
+          <a:fillRef idx="1">
+            <a:schemeClr val="accent1"/>
+          </a:fillRef>
+          <a:effectRef idx="0">
+            <a:schemeClr val="accent1"/>
+          </a:effectRef>
+          <a:fontRef idx="minor">
+            <a:schemeClr val="lt1"/>
+          </a:fontRef>
+        </p:style>
+        <p:txBody>
+          <a:bodyPr rtlCol="0" anchor="ctr"/>
+          <a:lstStyle/>
+          <a:p>
+            <a:pPr algn="ctr"/>
+            <a:endParaRPr lang="en-US"/>
+          </a:p>
+        </p:txBody>
+      </p:sp>
+    </p:spTree>
+    <p:extLst>
+      <p:ext uri="{BB962C8B-B14F-4D97-AF65-F5344CB8AC3E}">
+        <p14:creationId xmlns:p14="http://schemas.microsoft.com/office/powerpoint/2010/main" val="4045427672"/>
+      </p:ext>
+    </p:extLst>
+  </p:cSld>
+  <p:clrMapOvr>
+    <a:masterClrMapping/>
+  </p:clrMapOvr>
+</p:sld>
+</file>
+
+<file path=ppt/slides/slide13.xml><?xml version="1.0" encoding="utf-8"?>
+<p:sld xmlns:a="http://schemas.openxmlformats.org/drawingml/2006/main" xmlns:r="http://schemas.openxmlformats.org/officeDocument/2006/relationships" xmlns:p="http://schemas.openxmlformats.org/presentationml/2006/main">
+  <p:cSld>
+    <p:spTree>
+      <p:nvGrpSpPr>
+        <p:cNvPr id="1" name=""/>
+        <p:cNvGrpSpPr/>
+        <p:nvPr/>
+      </p:nvGrpSpPr>
+      <p:grpSpPr>
+        <a:xfrm>
+          <a:off x="0" y="0"/>
+          <a:ext cx="0" cy="0"/>
+          <a:chOff x="0" y="0"/>
+          <a:chExt cx="0" cy="0"/>
+        </a:xfrm>
+      </p:grpSpPr>
+      <p:sp>
+        <p:nvSpPr>
+          <p:cNvPr id="34818" name="Rectangle 2"/>
+          <p:cNvSpPr>
+            <a:spLocks noGrp="1" noChangeArrowheads="1"/>
+          </p:cNvSpPr>
+          <p:nvPr>
+            <p:ph type="title"/>
+          </p:nvPr>
+        </p:nvSpPr>
+        <p:spPr/>
+        <p:txBody>
+          <a:bodyPr/>
+          <a:lstStyle/>
+          <a:p>
+            <a:r>
+              <a:rPr lang="de-DE" altLang="de-DE" dirty="0"/>
+              <a:t>Evaluation: GQM-Plan</a:t>
+            </a:r>
+          </a:p>
+        </p:txBody>
+      </p:sp>
+      <p:sp>
+        <p:nvSpPr>
+          <p:cNvPr id="2" name="Datumsplatzhalter 1"/>
+          <p:cNvSpPr>
+            <a:spLocks noGrp="1"/>
+          </p:cNvSpPr>
+          <p:nvPr>
+            <p:ph type="dt" sz="half" idx="10"/>
+          </p:nvPr>
+        </p:nvSpPr>
+        <p:spPr>
+          <a:xfrm>
+            <a:off x="612000" y="6444000"/>
+            <a:ext cx="1044000" cy="360000"/>
+          </a:xfrm>
+        </p:spPr>
+        <p:txBody>
+          <a:bodyPr/>
+          <a:lstStyle/>
+          <a:p>
+            <a:fld id="{671342AB-2D21-4183-8B98-98B52FD7365F}" type="datetime1">
+              <a:rPr lang="de-DE" smtClean="0"/>
+              <a:t>07.02.2019</a:t>
             </a:fld>
             <a:endParaRPr lang="de-DE" dirty="0"/>
           </a:p>
@@ -7604,36 +9980,6 @@
           </p:txBody>
         </p:sp>
       </p:grpSp>
-      <p:pic>
-        <p:nvPicPr>
-          <p:cNvPr id="3" name="Grafik 2">
-            <a:extLst>
-              <a:ext uri="{FF2B5EF4-FFF2-40B4-BE49-F238E27FC236}">
-                <a16:creationId xmlns:a16="http://schemas.microsoft.com/office/drawing/2014/main" id="{6D5FA16B-A87F-45DD-8218-6402924BA901}"/>
-              </a:ext>
-            </a:extLst>
-          </p:cNvPr>
-          <p:cNvPicPr>
-            <a:picLocks noChangeAspect="1"/>
-          </p:cNvPicPr>
-          <p:nvPr/>
-        </p:nvPicPr>
-        <p:blipFill>
-          <a:blip r:embed="rId2"/>
-          <a:stretch>
-            <a:fillRect/>
-          </a:stretch>
-        </p:blipFill>
-        <p:spPr>
-          <a:xfrm>
-            <a:off x="1393451" y="1881187"/>
-            <a:ext cx="5067300" cy="3095625"/>
-          </a:xfrm>
-          <a:prstGeom prst="rect">
-            <a:avLst/>
-          </a:prstGeom>
-        </p:spPr>
-      </p:pic>
       <p:sp>
         <p:nvSpPr>
           <p:cNvPr id="19" name="Rectangle 3">
@@ -7695,7 +10041,7 @@
                 <a:spcPct val="0"/>
               </a:spcAft>
               <a:buBlip>
-                <a:blip r:embed="rId3"/>
+                <a:blip r:embed="rId2"/>
               </a:buBlip>
               <a:defRPr sz="2000">
                 <a:solidFill>
@@ -7714,7 +10060,7 @@
                 <a:spcPct val="0"/>
               </a:spcAft>
               <a:buBlip>
-                <a:blip r:embed="rId4"/>
+                <a:blip r:embed="rId3"/>
               </a:buBlip>
               <a:defRPr>
                 <a:solidFill>
@@ -7731,7 +10077,7 @@
                 <a:spcPct val="0"/>
               </a:spcAft>
               <a:buBlip>
-                <a:blip r:embed="rId5"/>
+                <a:blip r:embed="rId4"/>
               </a:buBlip>
               <a:defRPr sz="1600">
                 <a:solidFill>
@@ -7748,7 +10094,7 @@
                 <a:spcPct val="0"/>
               </a:spcAft>
               <a:buBlip>
-                <a:blip r:embed="rId5"/>
+                <a:blip r:embed="rId4"/>
               </a:buBlip>
               <a:defRPr sz="1600">
                 <a:solidFill>
@@ -7765,7 +10111,7 @@
                 <a:spcPct val="0"/>
               </a:spcAft>
               <a:buBlip>
-                <a:blip r:embed="rId5"/>
+                <a:blip r:embed="rId4"/>
               </a:buBlip>
               <a:defRPr sz="1600">
                 <a:solidFill>
@@ -7783,7 +10129,7 @@
               </a:spcAft>
               <a:buSzPct val="60000"/>
               <a:buBlip>
-                <a:blip r:embed="rId6"/>
+                <a:blip r:embed="rId5"/>
               </a:buBlip>
               <a:defRPr sz="1400">
                 <a:solidFill>
@@ -7801,7 +10147,7 @@
               </a:spcAft>
               <a:buSzPct val="60000"/>
               <a:buBlip>
-                <a:blip r:embed="rId6"/>
+                <a:blip r:embed="rId5"/>
               </a:buBlip>
               <a:defRPr sz="1400">
                 <a:solidFill>
@@ -7819,7 +10165,7 @@
               </a:spcAft>
               <a:buSzPct val="60000"/>
               <a:buBlip>
-                <a:blip r:embed="rId6"/>
+                <a:blip r:embed="rId5"/>
               </a:buBlip>
               <a:defRPr sz="1400">
                 <a:solidFill>
@@ -7837,7 +10183,7 @@
               </a:spcAft>
               <a:buSzPct val="60000"/>
               <a:buBlip>
-                <a:blip r:embed="rId6"/>
+                <a:blip r:embed="rId5"/>
               </a:buBlip>
               <a:defRPr sz="1400">
                 <a:solidFill>
@@ -7870,6 +10216,36 @@
           </a:p>
         </p:txBody>
       </p:sp>
+      <p:pic>
+        <p:nvPicPr>
+          <p:cNvPr id="22" name="Grafik 21">
+            <a:extLst>
+              <a:ext uri="{FF2B5EF4-FFF2-40B4-BE49-F238E27FC236}">
+                <a16:creationId xmlns:a16="http://schemas.microsoft.com/office/drawing/2014/main" id="{706EF35A-E31E-4BB4-A237-5A5346726AC7}"/>
+              </a:ext>
+            </a:extLst>
+          </p:cNvPr>
+          <p:cNvPicPr>
+            <a:picLocks noChangeAspect="1"/>
+          </p:cNvPicPr>
+          <p:nvPr/>
+        </p:nvPicPr>
+        <p:blipFill>
+          <a:blip r:embed="rId6"/>
+          <a:stretch>
+            <a:fillRect/>
+          </a:stretch>
+        </p:blipFill>
+        <p:spPr>
+          <a:xfrm>
+            <a:off x="245267" y="1070209"/>
+            <a:ext cx="8653466" cy="3362139"/>
+          </a:xfrm>
+          <a:prstGeom prst="rect">
+            <a:avLst/>
+          </a:prstGeom>
+        </p:spPr>
+      </p:pic>
     </p:spTree>
     <p:extLst>
       <p:ext uri="{BB962C8B-B14F-4D97-AF65-F5344CB8AC3E}">
@@ -7883,7 +10259,7 @@
 </p:sld>
 </file>
 
-<file path=ppt/slides/slide13.xml><?xml version="1.0" encoding="utf-8"?>
+<file path=ppt/slides/slide14.xml><?xml version="1.0" encoding="utf-8"?>
 <p:sld xmlns:a="http://schemas.openxmlformats.org/drawingml/2006/main" xmlns:r="http://schemas.openxmlformats.org/officeDocument/2006/relationships" xmlns:p="http://schemas.openxmlformats.org/presentationml/2006/main">
   <p:cSld>
     <p:spTree>
@@ -7917,8 +10293,84 @@
           <a:p>
             <a:r>
               <a:rPr lang="de-DE" altLang="de-DE" dirty="0"/>
-              <a:t>Summary	</a:t>
+              <a:t>Evaluation: </a:t>
             </a:r>
+            <a:r>
+              <a:rPr lang="de-DE" altLang="de-DE" dirty="0" err="1"/>
+              <a:t>Results</a:t>
+            </a:r>
+            <a:endParaRPr lang="de-DE" altLang="de-DE" dirty="0"/>
+          </a:p>
+        </p:txBody>
+      </p:sp>
+      <p:sp>
+        <p:nvSpPr>
+          <p:cNvPr id="34819" name="Rectangle 3"/>
+          <p:cNvSpPr>
+            <a:spLocks noGrp="1" noChangeArrowheads="1"/>
+          </p:cNvSpPr>
+          <p:nvPr>
+            <p:ph type="body" idx="1"/>
+          </p:nvPr>
+        </p:nvSpPr>
+        <p:spPr>
+          <a:xfrm>
+            <a:off x="392113" y="1198563"/>
+            <a:ext cx="4090435" cy="4163537"/>
+          </a:xfrm>
+        </p:spPr>
+        <p:txBody>
+          <a:bodyPr/>
+          <a:lstStyle/>
+          <a:p>
+            <a:r>
+              <a:rPr lang="en-US" altLang="de-DE" dirty="0"/>
+              <a:t>Apply to case study </a:t>
+            </a:r>
+            <a:r>
+              <a:rPr lang="en-US" altLang="de-DE" i="1" dirty="0" err="1"/>
+              <a:t>CoCoME</a:t>
+            </a:r>
+            <a:endParaRPr lang="en-US" altLang="de-DE" i="1" dirty="0"/>
+          </a:p>
+          <a:p>
+            <a:r>
+              <a:rPr lang="en-US" altLang="de-DE" dirty="0"/>
+              <a:t>Evaluate results</a:t>
+            </a:r>
+          </a:p>
+          <a:p>
+            <a:pPr lvl="1"/>
+            <a:r>
+              <a:rPr lang="en-US" altLang="de-DE" dirty="0"/>
+              <a:t>Amount of similar microservices</a:t>
+            </a:r>
+          </a:p>
+          <a:p>
+            <a:pPr lvl="1"/>
+            <a:r>
+              <a:rPr lang="en-US" altLang="de-DE" dirty="0"/>
+              <a:t>Assess the quality of the other identified services</a:t>
+            </a:r>
+          </a:p>
+          <a:p>
+            <a:r>
+              <a:rPr lang="en-US" altLang="de-DE" dirty="0"/>
+              <a:t>Evaluate limitations</a:t>
+            </a:r>
+          </a:p>
+          <a:p>
+            <a:r>
+              <a:rPr lang="en-US" altLang="de-DE" dirty="0"/>
+              <a:t>Provide outlook</a:t>
+            </a:r>
+          </a:p>
+          <a:p>
+            <a:endParaRPr lang="en-US" altLang="de-DE" dirty="0"/>
+          </a:p>
+          <a:p>
+            <a:pPr lvl="1"/>
+            <a:endParaRPr lang="en-US" altLang="de-DE" dirty="0"/>
           </a:p>
         </p:txBody>
       </p:sp>
@@ -7944,7 +10396,987 @@
           <a:p>
             <a:fld id="{671342AB-2D21-4183-8B98-98B52FD7365F}" type="datetime1">
               <a:rPr lang="de-DE" smtClean="0"/>
-              <a:t>04.02.2019</a:t>
+              <a:t>07.02.2019</a:t>
+            </a:fld>
+            <a:endParaRPr lang="de-DE" dirty="0"/>
+          </a:p>
+        </p:txBody>
+      </p:sp>
+      <p:grpSp>
+        <p:nvGrpSpPr>
+          <p:cNvPr id="6" name="Gruppieren 21">
+            <a:extLst>
+              <a:ext uri="{FF2B5EF4-FFF2-40B4-BE49-F238E27FC236}">
+                <a16:creationId xmlns:a16="http://schemas.microsoft.com/office/drawing/2014/main" id="{0040E27B-FD00-4BB9-BF34-EAF5642F9005}"/>
+              </a:ext>
+            </a:extLst>
+          </p:cNvPr>
+          <p:cNvGrpSpPr/>
+          <p:nvPr/>
+        </p:nvGrpSpPr>
+        <p:grpSpPr>
+          <a:xfrm>
+            <a:off x="25400" y="5986694"/>
+            <a:ext cx="9072000" cy="507293"/>
+            <a:chOff x="25400" y="5986694"/>
+            <a:chExt cx="9072000" cy="507293"/>
+          </a:xfrm>
+        </p:grpSpPr>
+        <p:sp>
+          <p:nvSpPr>
+            <p:cNvPr id="7" name="Textfeld 13">
+              <a:extLst>
+                <a:ext uri="{FF2B5EF4-FFF2-40B4-BE49-F238E27FC236}">
+                  <a16:creationId xmlns:a16="http://schemas.microsoft.com/office/drawing/2014/main" id="{BAAA255A-DE4E-43FC-B6C9-980B8990A863}"/>
+                </a:ext>
+              </a:extLst>
+            </p:cNvPr>
+            <p:cNvSpPr txBox="1"/>
+            <p:nvPr/>
+          </p:nvSpPr>
+          <p:spPr>
+            <a:xfrm>
+              <a:off x="1493183" y="6032322"/>
+              <a:ext cx="950901" cy="461665"/>
+            </a:xfrm>
+            <a:prstGeom prst="rect">
+              <a:avLst/>
+            </a:prstGeom>
+            <a:noFill/>
+            <a:ln>
+              <a:noFill/>
+            </a:ln>
+          </p:spPr>
+          <p:style>
+            <a:lnRef idx="2">
+              <a:schemeClr val="accent3"/>
+            </a:lnRef>
+            <a:fillRef idx="1">
+              <a:schemeClr val="lt1"/>
+            </a:fillRef>
+            <a:effectRef idx="0">
+              <a:schemeClr val="accent3"/>
+            </a:effectRef>
+            <a:fontRef idx="minor">
+              <a:schemeClr val="dk1"/>
+            </a:fontRef>
+          </p:style>
+          <p:txBody>
+            <a:bodyPr wrap="square" rtlCol="0">
+              <a:spAutoFit/>
+            </a:bodyPr>
+            <a:lstStyle/>
+            <a:p>
+              <a:r>
+                <a:rPr lang="en-US" sz="1200" dirty="0"/>
+                <a:t>Foundation</a:t>
+              </a:r>
+            </a:p>
+          </p:txBody>
+        </p:sp>
+        <p:sp>
+          <p:nvSpPr>
+            <p:cNvPr id="8" name="Textfeld 14">
+              <a:extLst>
+                <a:ext uri="{FF2B5EF4-FFF2-40B4-BE49-F238E27FC236}">
+                  <a16:creationId xmlns:a16="http://schemas.microsoft.com/office/drawing/2014/main" id="{20453AA5-8267-4740-BB18-83B78262BD22}"/>
+                </a:ext>
+              </a:extLst>
+            </p:cNvPr>
+            <p:cNvSpPr txBox="1"/>
+            <p:nvPr/>
+          </p:nvSpPr>
+          <p:spPr>
+            <a:xfrm>
+              <a:off x="6282440" y="6032325"/>
+              <a:ext cx="963725" cy="276999"/>
+            </a:xfrm>
+            <a:prstGeom prst="rect">
+              <a:avLst/>
+            </a:prstGeom>
+          </p:spPr>
+          <p:style>
+            <a:lnRef idx="2">
+              <a:schemeClr val="accent3"/>
+            </a:lnRef>
+            <a:fillRef idx="1">
+              <a:schemeClr val="lt1"/>
+            </a:fillRef>
+            <a:effectRef idx="0">
+              <a:schemeClr val="accent3"/>
+            </a:effectRef>
+            <a:fontRef idx="minor">
+              <a:schemeClr val="dk1"/>
+            </a:fontRef>
+          </p:style>
+          <p:txBody>
+            <a:bodyPr wrap="none" rtlCol="0">
+              <a:spAutoFit/>
+            </a:bodyPr>
+            <a:lstStyle/>
+            <a:p>
+              <a:r>
+                <a:rPr lang="en-US" sz="1200" b="1" dirty="0"/>
+                <a:t>Evaluation</a:t>
+              </a:r>
+            </a:p>
+          </p:txBody>
+        </p:sp>
+        <p:sp>
+          <p:nvSpPr>
+            <p:cNvPr id="9" name="Textfeld 8">
+              <a:extLst>
+                <a:ext uri="{FF2B5EF4-FFF2-40B4-BE49-F238E27FC236}">
+                  <a16:creationId xmlns:a16="http://schemas.microsoft.com/office/drawing/2014/main" id="{0003065F-116A-4EB7-8459-D88042241914}"/>
+                </a:ext>
+              </a:extLst>
+            </p:cNvPr>
+            <p:cNvSpPr txBox="1"/>
+            <p:nvPr/>
+          </p:nvSpPr>
+          <p:spPr>
+            <a:xfrm>
+              <a:off x="3028301" y="6032323"/>
+              <a:ext cx="1111651" cy="276999"/>
+            </a:xfrm>
+            <a:prstGeom prst="rect">
+              <a:avLst/>
+            </a:prstGeom>
+          </p:spPr>
+          <p:style>
+            <a:lnRef idx="2">
+              <a:schemeClr val="accent3"/>
+            </a:lnRef>
+            <a:fillRef idx="1">
+              <a:schemeClr val="lt1"/>
+            </a:fillRef>
+            <a:effectRef idx="0">
+              <a:schemeClr val="accent3"/>
+            </a:effectRef>
+            <a:fontRef idx="minor">
+              <a:schemeClr val="dk1"/>
+            </a:fontRef>
+          </p:style>
+          <p:txBody>
+            <a:bodyPr wrap="none" rtlCol="0">
+              <a:spAutoFit/>
+            </a:bodyPr>
+            <a:lstStyle/>
+            <a:p>
+              <a:r>
+                <a:rPr lang="en-US" sz="1200" dirty="0"/>
+                <a:t>Related Work</a:t>
+              </a:r>
+            </a:p>
+          </p:txBody>
+        </p:sp>
+        <p:sp>
+          <p:nvSpPr>
+            <p:cNvPr id="10" name="Textfeld 9">
+              <a:extLst>
+                <a:ext uri="{FF2B5EF4-FFF2-40B4-BE49-F238E27FC236}">
+                  <a16:creationId xmlns:a16="http://schemas.microsoft.com/office/drawing/2014/main" id="{A726C2C4-9F26-4857-993B-720F1DE49F35}"/>
+                </a:ext>
+              </a:extLst>
+            </p:cNvPr>
+            <p:cNvSpPr txBox="1"/>
+            <p:nvPr/>
+          </p:nvSpPr>
+          <p:spPr>
+            <a:xfrm>
+              <a:off x="7763010" y="6032321"/>
+              <a:ext cx="1278028" cy="276999"/>
+            </a:xfrm>
+            <a:prstGeom prst="rect">
+              <a:avLst/>
+            </a:prstGeom>
+            <a:noFill/>
+            <a:ln>
+              <a:noFill/>
+            </a:ln>
+          </p:spPr>
+          <p:style>
+            <a:lnRef idx="2">
+              <a:schemeClr val="accent3"/>
+            </a:lnRef>
+            <a:fillRef idx="1">
+              <a:schemeClr val="lt1"/>
+            </a:fillRef>
+            <a:effectRef idx="0">
+              <a:schemeClr val="accent3"/>
+            </a:effectRef>
+            <a:fontRef idx="minor">
+              <a:schemeClr val="dk1"/>
+            </a:fontRef>
+          </p:style>
+          <p:txBody>
+            <a:bodyPr wrap="square" rtlCol="0">
+              <a:spAutoFit/>
+            </a:bodyPr>
+            <a:lstStyle/>
+            <a:p>
+              <a:r>
+                <a:rPr lang="en-US" sz="1200" dirty="0"/>
+                <a:t>Summary</a:t>
+              </a:r>
+            </a:p>
+          </p:txBody>
+        </p:sp>
+        <p:sp>
+          <p:nvSpPr>
+            <p:cNvPr id="11" name="Textfeld 10">
+              <a:extLst>
+                <a:ext uri="{FF2B5EF4-FFF2-40B4-BE49-F238E27FC236}">
+                  <a16:creationId xmlns:a16="http://schemas.microsoft.com/office/drawing/2014/main" id="{AB277AF1-9FBE-44AB-A77E-54F4A3C24B2D}"/>
+                </a:ext>
+              </a:extLst>
+            </p:cNvPr>
+            <p:cNvSpPr txBox="1"/>
+            <p:nvPr/>
+          </p:nvSpPr>
+          <p:spPr>
+            <a:xfrm>
+              <a:off x="179512" y="6032321"/>
+              <a:ext cx="955711" cy="276999"/>
+            </a:xfrm>
+            <a:prstGeom prst="rect">
+              <a:avLst/>
+            </a:prstGeom>
+            <a:noFill/>
+            <a:ln>
+              <a:noFill/>
+            </a:ln>
+          </p:spPr>
+          <p:style>
+            <a:lnRef idx="2">
+              <a:schemeClr val="accent3"/>
+            </a:lnRef>
+            <a:fillRef idx="1">
+              <a:schemeClr val="lt1"/>
+            </a:fillRef>
+            <a:effectRef idx="0">
+              <a:schemeClr val="accent3"/>
+            </a:effectRef>
+            <a:fontRef idx="minor">
+              <a:schemeClr val="dk1"/>
+            </a:fontRef>
+          </p:style>
+          <p:txBody>
+            <a:bodyPr wrap="square" rtlCol="0">
+              <a:spAutoFit/>
+            </a:bodyPr>
+            <a:lstStyle/>
+            <a:p>
+              <a:r>
+                <a:rPr lang="en-US" sz="1200" dirty="0"/>
+                <a:t>Motivation</a:t>
+              </a:r>
+            </a:p>
+          </p:txBody>
+        </p:sp>
+        <p:sp>
+          <p:nvSpPr>
+            <p:cNvPr id="12" name="Eingekerbter Richtungspfeil 23">
+              <a:extLst>
+                <a:ext uri="{FF2B5EF4-FFF2-40B4-BE49-F238E27FC236}">
+                  <a16:creationId xmlns:a16="http://schemas.microsoft.com/office/drawing/2014/main" id="{05A79C9A-C2A8-47C9-A061-08591E151049}"/>
+                </a:ext>
+              </a:extLst>
+            </p:cNvPr>
+            <p:cNvSpPr/>
+            <p:nvPr/>
+          </p:nvSpPr>
+          <p:spPr>
+            <a:xfrm>
+              <a:off x="1234955" y="6091573"/>
+              <a:ext cx="158496" cy="158496"/>
+            </a:xfrm>
+            <a:prstGeom prst="chevron">
+              <a:avLst/>
+            </a:prstGeom>
+          </p:spPr>
+          <p:style>
+            <a:lnRef idx="1">
+              <a:schemeClr val="accent4"/>
+            </a:lnRef>
+            <a:fillRef idx="2">
+              <a:schemeClr val="accent4"/>
+            </a:fillRef>
+            <a:effectRef idx="1">
+              <a:schemeClr val="accent4"/>
+            </a:effectRef>
+            <a:fontRef idx="minor">
+              <a:schemeClr val="dk1"/>
+            </a:fontRef>
+          </p:style>
+          <p:txBody>
+            <a:bodyPr rtlCol="0" anchor="ctr"/>
+            <a:lstStyle/>
+            <a:p>
+              <a:pPr algn="ctr"/>
+              <a:endParaRPr lang="de-DE" dirty="0">
+                <a:solidFill>
+                  <a:schemeClr val="tx1"/>
+                </a:solidFill>
+              </a:endParaRPr>
+            </a:p>
+          </p:txBody>
+        </p:sp>
+        <p:sp>
+          <p:nvSpPr>
+            <p:cNvPr id="13" name="Eingekerbter Richtungspfeil 24">
+              <a:extLst>
+                <a:ext uri="{FF2B5EF4-FFF2-40B4-BE49-F238E27FC236}">
+                  <a16:creationId xmlns:a16="http://schemas.microsoft.com/office/drawing/2014/main" id="{93F73314-AFE2-4A7B-B351-D0D77AC858C3}"/>
+                </a:ext>
+              </a:extLst>
+            </p:cNvPr>
+            <p:cNvSpPr/>
+            <p:nvPr/>
+          </p:nvSpPr>
+          <p:spPr>
+            <a:xfrm>
+              <a:off x="2577480" y="6091574"/>
+              <a:ext cx="158496" cy="158496"/>
+            </a:xfrm>
+            <a:prstGeom prst="chevron">
+              <a:avLst/>
+            </a:prstGeom>
+          </p:spPr>
+          <p:style>
+            <a:lnRef idx="1">
+              <a:schemeClr val="accent4"/>
+            </a:lnRef>
+            <a:fillRef idx="2">
+              <a:schemeClr val="accent4"/>
+            </a:fillRef>
+            <a:effectRef idx="1">
+              <a:schemeClr val="accent4"/>
+            </a:effectRef>
+            <a:fontRef idx="minor">
+              <a:schemeClr val="dk1"/>
+            </a:fontRef>
+          </p:style>
+          <p:txBody>
+            <a:bodyPr rtlCol="0" anchor="ctr"/>
+            <a:lstStyle/>
+            <a:p>
+              <a:pPr algn="ctr"/>
+              <a:endParaRPr lang="de-DE">
+                <a:solidFill>
+                  <a:schemeClr val="tx1"/>
+                </a:solidFill>
+              </a:endParaRPr>
+            </a:p>
+          </p:txBody>
+        </p:sp>
+        <p:sp>
+          <p:nvSpPr>
+            <p:cNvPr id="14" name="Eingekerbter Richtungspfeil 25">
+              <a:extLst>
+                <a:ext uri="{FF2B5EF4-FFF2-40B4-BE49-F238E27FC236}">
+                  <a16:creationId xmlns:a16="http://schemas.microsoft.com/office/drawing/2014/main" id="{E51CB0DD-B40B-4DA3-9813-56079C531A80}"/>
+                </a:ext>
+              </a:extLst>
+            </p:cNvPr>
+            <p:cNvSpPr/>
+            <p:nvPr/>
+          </p:nvSpPr>
+          <p:spPr>
+            <a:xfrm>
+              <a:off x="4269488" y="6091575"/>
+              <a:ext cx="158496" cy="158496"/>
+            </a:xfrm>
+            <a:prstGeom prst="chevron">
+              <a:avLst/>
+            </a:prstGeom>
+          </p:spPr>
+          <p:style>
+            <a:lnRef idx="1">
+              <a:schemeClr val="accent4"/>
+            </a:lnRef>
+            <a:fillRef idx="2">
+              <a:schemeClr val="accent4"/>
+            </a:fillRef>
+            <a:effectRef idx="1">
+              <a:schemeClr val="accent4"/>
+            </a:effectRef>
+            <a:fontRef idx="minor">
+              <a:schemeClr val="dk1"/>
+            </a:fontRef>
+          </p:style>
+          <p:txBody>
+            <a:bodyPr rtlCol="0" anchor="ctr"/>
+            <a:lstStyle/>
+            <a:p>
+              <a:pPr algn="ctr"/>
+              <a:endParaRPr lang="de-DE">
+                <a:solidFill>
+                  <a:schemeClr val="tx1"/>
+                </a:solidFill>
+              </a:endParaRPr>
+            </a:p>
+          </p:txBody>
+        </p:sp>
+        <p:sp>
+          <p:nvSpPr>
+            <p:cNvPr id="15" name="Textfeld 14">
+              <a:extLst>
+                <a:ext uri="{FF2B5EF4-FFF2-40B4-BE49-F238E27FC236}">
+                  <a16:creationId xmlns:a16="http://schemas.microsoft.com/office/drawing/2014/main" id="{5C484D65-4E97-430B-9F41-F04C2D378E09}"/>
+                </a:ext>
+              </a:extLst>
+            </p:cNvPr>
+            <p:cNvSpPr txBox="1"/>
+            <p:nvPr/>
+          </p:nvSpPr>
+          <p:spPr>
+            <a:xfrm>
+              <a:off x="4788024" y="6032324"/>
+              <a:ext cx="840295" cy="276999"/>
+            </a:xfrm>
+            <a:prstGeom prst="rect">
+              <a:avLst/>
+            </a:prstGeom>
+          </p:spPr>
+          <p:style>
+            <a:lnRef idx="2">
+              <a:schemeClr val="accent3"/>
+            </a:lnRef>
+            <a:fillRef idx="1">
+              <a:schemeClr val="lt1"/>
+            </a:fillRef>
+            <a:effectRef idx="0">
+              <a:schemeClr val="accent3"/>
+            </a:effectRef>
+            <a:fontRef idx="minor">
+              <a:schemeClr val="dk1"/>
+            </a:fontRef>
+          </p:style>
+          <p:txBody>
+            <a:bodyPr wrap="none" rtlCol="0">
+              <a:spAutoFit/>
+            </a:bodyPr>
+            <a:lstStyle/>
+            <a:p>
+              <a:r>
+                <a:rPr lang="en-US" sz="1200" dirty="0"/>
+                <a:t>Approach</a:t>
+              </a:r>
+            </a:p>
+          </p:txBody>
+        </p:sp>
+        <p:sp>
+          <p:nvSpPr>
+            <p:cNvPr id="16" name="Eingekerbter Richtungspfeil 27">
+              <a:extLst>
+                <a:ext uri="{FF2B5EF4-FFF2-40B4-BE49-F238E27FC236}">
+                  <a16:creationId xmlns:a16="http://schemas.microsoft.com/office/drawing/2014/main" id="{E768B783-C92B-40F8-9CF6-761F508F5A01}"/>
+                </a:ext>
+              </a:extLst>
+            </p:cNvPr>
+            <p:cNvSpPr/>
+            <p:nvPr/>
+          </p:nvSpPr>
+          <p:spPr>
+            <a:xfrm>
+              <a:off x="7320057" y="6091577"/>
+              <a:ext cx="158496" cy="158496"/>
+            </a:xfrm>
+            <a:prstGeom prst="chevron">
+              <a:avLst/>
+            </a:prstGeom>
+          </p:spPr>
+          <p:style>
+            <a:lnRef idx="1">
+              <a:schemeClr val="accent4"/>
+            </a:lnRef>
+            <a:fillRef idx="2">
+              <a:schemeClr val="accent4"/>
+            </a:fillRef>
+            <a:effectRef idx="1">
+              <a:schemeClr val="accent4"/>
+            </a:effectRef>
+            <a:fontRef idx="minor">
+              <a:schemeClr val="dk1"/>
+            </a:fontRef>
+          </p:style>
+          <p:txBody>
+            <a:bodyPr rtlCol="0" anchor="ctr"/>
+            <a:lstStyle/>
+            <a:p>
+              <a:pPr algn="ctr"/>
+              <a:endParaRPr lang="de-DE">
+                <a:solidFill>
+                  <a:schemeClr val="tx1"/>
+                </a:solidFill>
+              </a:endParaRPr>
+            </a:p>
+          </p:txBody>
+        </p:sp>
+        <p:cxnSp>
+          <p:nvCxnSpPr>
+            <p:cNvPr id="17" name="Gerade Verbindung 28">
+              <a:extLst>
+                <a:ext uri="{FF2B5EF4-FFF2-40B4-BE49-F238E27FC236}">
+                  <a16:creationId xmlns:a16="http://schemas.microsoft.com/office/drawing/2014/main" id="{BC764CA6-47FB-49B6-964C-7052FC337673}"/>
+                </a:ext>
+              </a:extLst>
+            </p:cNvPr>
+            <p:cNvCxnSpPr/>
+            <p:nvPr/>
+          </p:nvCxnSpPr>
+          <p:spPr>
+            <a:xfrm>
+              <a:off x="25400" y="5986694"/>
+              <a:ext cx="9072000" cy="1588"/>
+            </a:xfrm>
+            <a:prstGeom prst="line">
+              <a:avLst/>
+            </a:prstGeom>
+            <a:ln w="41275">
+              <a:solidFill>
+                <a:schemeClr val="accent3">
+                  <a:lumMod val="85000"/>
+                </a:schemeClr>
+              </a:solidFill>
+            </a:ln>
+          </p:spPr>
+          <p:style>
+            <a:lnRef idx="1">
+              <a:schemeClr val="accent1"/>
+            </a:lnRef>
+            <a:fillRef idx="0">
+              <a:schemeClr val="accent1"/>
+            </a:fillRef>
+            <a:effectRef idx="0">
+              <a:schemeClr val="accent1"/>
+            </a:effectRef>
+            <a:fontRef idx="minor">
+              <a:schemeClr val="tx1"/>
+            </a:fontRef>
+          </p:style>
+        </p:cxnSp>
+        <p:sp>
+          <p:nvSpPr>
+            <p:cNvPr id="18" name="Eingekerbter Richtungspfeil 29">
+              <a:extLst>
+                <a:ext uri="{FF2B5EF4-FFF2-40B4-BE49-F238E27FC236}">
+                  <a16:creationId xmlns:a16="http://schemas.microsoft.com/office/drawing/2014/main" id="{789A9915-BB3D-4F64-995D-EEE4479DB224}"/>
+                </a:ext>
+              </a:extLst>
+            </p:cNvPr>
+            <p:cNvSpPr/>
+            <p:nvPr/>
+          </p:nvSpPr>
+          <p:spPr>
+            <a:xfrm>
+              <a:off x="5925672" y="6091576"/>
+              <a:ext cx="158496" cy="158496"/>
+            </a:xfrm>
+            <a:prstGeom prst="chevron">
+              <a:avLst/>
+            </a:prstGeom>
+          </p:spPr>
+          <p:style>
+            <a:lnRef idx="1">
+              <a:schemeClr val="accent4"/>
+            </a:lnRef>
+            <a:fillRef idx="2">
+              <a:schemeClr val="accent4"/>
+            </a:fillRef>
+            <a:effectRef idx="1">
+              <a:schemeClr val="accent4"/>
+            </a:effectRef>
+            <a:fontRef idx="minor">
+              <a:schemeClr val="dk1"/>
+            </a:fontRef>
+          </p:style>
+          <p:txBody>
+            <a:bodyPr rtlCol="0" anchor="ctr"/>
+            <a:lstStyle/>
+            <a:p>
+              <a:pPr algn="ctr"/>
+              <a:endParaRPr lang="de-DE">
+                <a:solidFill>
+                  <a:schemeClr val="tx1"/>
+                </a:solidFill>
+              </a:endParaRPr>
+            </a:p>
+          </p:txBody>
+        </p:sp>
+      </p:grpSp>
+      <p:pic>
+        <p:nvPicPr>
+          <p:cNvPr id="3" name="Grafik 2">
+            <a:extLst>
+              <a:ext uri="{FF2B5EF4-FFF2-40B4-BE49-F238E27FC236}">
+                <a16:creationId xmlns:a16="http://schemas.microsoft.com/office/drawing/2014/main" id="{6D5FA16B-A87F-45DD-8218-6402924BA901}"/>
+              </a:ext>
+            </a:extLst>
+          </p:cNvPr>
+          <p:cNvPicPr>
+            <a:picLocks noChangeAspect="1"/>
+          </p:cNvPicPr>
+          <p:nvPr/>
+        </p:nvPicPr>
+        <p:blipFill>
+          <a:blip r:embed="rId2"/>
+          <a:stretch>
+            <a:fillRect/>
+          </a:stretch>
+        </p:blipFill>
+        <p:spPr>
+          <a:xfrm>
+            <a:off x="4427984" y="1154520"/>
+            <a:ext cx="4598817" cy="2809427"/>
+          </a:xfrm>
+          <a:prstGeom prst="rect">
+            <a:avLst/>
+          </a:prstGeom>
+        </p:spPr>
+      </p:pic>
+      <p:sp>
+        <p:nvSpPr>
+          <p:cNvPr id="19" name="Rectangle 3">
+            <a:extLst>
+              <a:ext uri="{FF2B5EF4-FFF2-40B4-BE49-F238E27FC236}">
+                <a16:creationId xmlns:a16="http://schemas.microsoft.com/office/drawing/2014/main" id="{6947658D-16D1-41B5-A238-E521748F5FC9}"/>
+              </a:ext>
+            </a:extLst>
+          </p:cNvPr>
+          <p:cNvSpPr txBox="1">
+            <a:spLocks noChangeArrowheads="1"/>
+          </p:cNvSpPr>
+          <p:nvPr/>
+        </p:nvSpPr>
+        <p:spPr bwMode="auto">
+          <a:xfrm>
+            <a:off x="4561400" y="4111284"/>
+            <a:ext cx="4395911" cy="367847"/>
+          </a:xfrm>
+          <a:prstGeom prst="rect">
+            <a:avLst/>
+          </a:prstGeom>
+          <a:noFill/>
+          <a:ln>
+            <a:noFill/>
+          </a:ln>
+          <a:extLst>
+            <a:ext uri="{909E8E84-426E-40DD-AFC4-6F175D3DCCD1}">
+              <a14:hiddenFill xmlns:a14="http://schemas.microsoft.com/office/drawing/2010/main">
+                <a:solidFill>
+                  <a:srgbClr val="FFFFFF"/>
+                </a:solidFill>
+              </a14:hiddenFill>
+            </a:ext>
+            <a:ext uri="{91240B29-F687-4F45-9708-019B960494DF}">
+              <a14:hiddenLine xmlns:a14="http://schemas.microsoft.com/office/drawing/2010/main" w="9525">
+                <a:solidFill>
+                  <a:srgbClr val="000000"/>
+                </a:solidFill>
+                <a:miter lim="800000"/>
+                <a:headEnd/>
+                <a:tailEnd/>
+              </a14:hiddenLine>
+            </a:ext>
+          </a:extLst>
+        </p:spPr>
+        <p:txBody>
+          <a:bodyPr vert="horz" wrap="square" lIns="0" tIns="0" rIns="0" bIns="0" numCol="1" anchor="t" anchorCtr="0" compatLnSpc="1">
+            <a:prstTxWarp prst="textNoShape">
+              <a:avLst/>
+            </a:prstTxWarp>
+          </a:bodyPr>
+          <a:lstStyle>
+            <a:lvl1pPr marL="314325" indent="-314325" algn="l" rtl="0" eaLnBrk="1" fontAlgn="base" hangingPunct="1">
+              <a:spcBef>
+                <a:spcPct val="20000"/>
+              </a:spcBef>
+              <a:spcAft>
+                <a:spcPct val="0"/>
+              </a:spcAft>
+              <a:buBlip>
+                <a:blip r:embed="rId3"/>
+              </a:buBlip>
+              <a:defRPr sz="2000">
+                <a:solidFill>
+                  <a:schemeClr val="tx1"/>
+                </a:solidFill>
+                <a:latin typeface="+mn-lt"/>
+                <a:ea typeface="+mn-ea"/>
+                <a:cs typeface="+mn-cs"/>
+              </a:defRPr>
+            </a:lvl1pPr>
+            <a:lvl2pPr marL="790575" indent="-314325" algn="l" rtl="0" eaLnBrk="1" fontAlgn="base" hangingPunct="1">
+              <a:spcBef>
+                <a:spcPct val="20000"/>
+              </a:spcBef>
+              <a:spcAft>
+                <a:spcPct val="0"/>
+              </a:spcAft>
+              <a:buBlip>
+                <a:blip r:embed="rId4"/>
+              </a:buBlip>
+              <a:defRPr>
+                <a:solidFill>
+                  <a:schemeClr val="tx1"/>
+                </a:solidFill>
+                <a:latin typeface="+mn-lt"/>
+              </a:defRPr>
+            </a:lvl2pPr>
+            <a:lvl3pPr marL="1209675" indent="-276225" algn="l" rtl="0" eaLnBrk="1" fontAlgn="base" hangingPunct="1">
+              <a:spcBef>
+                <a:spcPct val="20000"/>
+              </a:spcBef>
+              <a:spcAft>
+                <a:spcPct val="0"/>
+              </a:spcAft>
+              <a:buBlip>
+                <a:blip r:embed="rId5"/>
+              </a:buBlip>
+              <a:defRPr sz="1600">
+                <a:solidFill>
+                  <a:schemeClr val="tx1"/>
+                </a:solidFill>
+                <a:latin typeface="+mn-lt"/>
+              </a:defRPr>
+            </a:lvl3pPr>
+            <a:lvl4pPr marL="1657350" indent="-276225" algn="l" rtl="0" eaLnBrk="1" fontAlgn="base" hangingPunct="1">
+              <a:spcBef>
+                <a:spcPct val="20000"/>
+              </a:spcBef>
+              <a:spcAft>
+                <a:spcPct val="0"/>
+              </a:spcAft>
+              <a:buBlip>
+                <a:blip r:embed="rId5"/>
+              </a:buBlip>
+              <a:defRPr sz="1600">
+                <a:solidFill>
+                  <a:schemeClr val="tx1"/>
+                </a:solidFill>
+                <a:latin typeface="+mn-lt"/>
+              </a:defRPr>
+            </a:lvl4pPr>
+            <a:lvl5pPr marL="2095500" indent="-276225" algn="l" rtl="0" eaLnBrk="1" fontAlgn="base" hangingPunct="1">
+              <a:spcBef>
+                <a:spcPct val="20000"/>
+              </a:spcBef>
+              <a:spcAft>
+                <a:spcPct val="0"/>
+              </a:spcAft>
+              <a:buBlip>
+                <a:blip r:embed="rId5"/>
+              </a:buBlip>
+              <a:defRPr sz="1600">
+                <a:solidFill>
+                  <a:schemeClr val="tx1"/>
+                </a:solidFill>
+                <a:latin typeface="+mn-lt"/>
+              </a:defRPr>
+            </a:lvl5pPr>
+            <a:lvl6pPr marL="2514600" indent="-228600" algn="l" rtl="0" eaLnBrk="1" fontAlgn="base" hangingPunct="1">
+              <a:spcBef>
+                <a:spcPct val="20000"/>
+              </a:spcBef>
+              <a:spcAft>
+                <a:spcPct val="0"/>
+              </a:spcAft>
+              <a:buSzPct val="60000"/>
+              <a:buBlip>
+                <a:blip r:embed="rId6"/>
+              </a:buBlip>
+              <a:defRPr sz="1400">
+                <a:solidFill>
+                  <a:schemeClr val="tx1"/>
+                </a:solidFill>
+                <a:latin typeface="+mn-lt"/>
+              </a:defRPr>
+            </a:lvl6pPr>
+            <a:lvl7pPr marL="2971800" indent="-228600" algn="l" rtl="0" eaLnBrk="1" fontAlgn="base" hangingPunct="1">
+              <a:spcBef>
+                <a:spcPct val="20000"/>
+              </a:spcBef>
+              <a:spcAft>
+                <a:spcPct val="0"/>
+              </a:spcAft>
+              <a:buSzPct val="60000"/>
+              <a:buBlip>
+                <a:blip r:embed="rId6"/>
+              </a:buBlip>
+              <a:defRPr sz="1400">
+                <a:solidFill>
+                  <a:schemeClr val="tx1"/>
+                </a:solidFill>
+                <a:latin typeface="+mn-lt"/>
+              </a:defRPr>
+            </a:lvl7pPr>
+            <a:lvl8pPr marL="3429000" indent="-228600" algn="l" rtl="0" eaLnBrk="1" fontAlgn="base" hangingPunct="1">
+              <a:spcBef>
+                <a:spcPct val="20000"/>
+              </a:spcBef>
+              <a:spcAft>
+                <a:spcPct val="0"/>
+              </a:spcAft>
+              <a:buSzPct val="60000"/>
+              <a:buBlip>
+                <a:blip r:embed="rId6"/>
+              </a:buBlip>
+              <a:defRPr sz="1400">
+                <a:solidFill>
+                  <a:schemeClr val="tx1"/>
+                </a:solidFill>
+                <a:latin typeface="+mn-lt"/>
+              </a:defRPr>
+            </a:lvl8pPr>
+            <a:lvl9pPr marL="3886200" indent="-228600" algn="l" rtl="0" eaLnBrk="1" fontAlgn="base" hangingPunct="1">
+              <a:spcBef>
+                <a:spcPct val="20000"/>
+              </a:spcBef>
+              <a:spcAft>
+                <a:spcPct val="0"/>
+              </a:spcAft>
+              <a:buSzPct val="60000"/>
+              <a:buBlip>
+                <a:blip r:embed="rId6"/>
+              </a:buBlip>
+              <a:defRPr sz="1400">
+                <a:solidFill>
+                  <a:schemeClr val="tx1"/>
+                </a:solidFill>
+                <a:latin typeface="+mn-lt"/>
+              </a:defRPr>
+            </a:lvl9pPr>
+          </a:lstStyle>
+          <a:p>
+            <a:pPr marL="0" indent="0">
+              <a:buNone/>
+            </a:pPr>
+            <a:r>
+              <a:rPr lang="en-US" altLang="de-DE" sz="800" kern="0" dirty="0"/>
+              <a:t>Source: </a:t>
+            </a:r>
+            <a:r>
+              <a:rPr lang="en-US" sz="800" dirty="0"/>
+              <a:t>Identifying Microservices Using Functional Decomposition, S. </a:t>
+            </a:r>
+            <a:r>
+              <a:rPr lang="en-US" sz="800" dirty="0" err="1"/>
+              <a:t>Tyszberowicz</a:t>
+            </a:r>
+            <a:r>
+              <a:rPr lang="en-US" altLang="de-DE" sz="800" kern="0" dirty="0"/>
+              <a:t> </a:t>
+            </a:r>
+          </a:p>
+        </p:txBody>
+      </p:sp>
+    </p:spTree>
+    <p:extLst>
+      <p:ext uri="{BB962C8B-B14F-4D97-AF65-F5344CB8AC3E}">
+        <p14:creationId xmlns:p14="http://schemas.microsoft.com/office/powerpoint/2010/main" val="3815387165"/>
+      </p:ext>
+    </p:extLst>
+  </p:cSld>
+  <p:clrMapOvr>
+    <a:masterClrMapping/>
+  </p:clrMapOvr>
+</p:sld>
+</file>
+
+<file path=ppt/slides/slide15.xml><?xml version="1.0" encoding="utf-8"?>
+<p:sld xmlns:a="http://schemas.openxmlformats.org/drawingml/2006/main" xmlns:r="http://schemas.openxmlformats.org/officeDocument/2006/relationships" xmlns:p="http://schemas.openxmlformats.org/presentationml/2006/main">
+  <p:cSld>
+    <p:spTree>
+      <p:nvGrpSpPr>
+        <p:cNvPr id="1" name=""/>
+        <p:cNvGrpSpPr/>
+        <p:nvPr/>
+      </p:nvGrpSpPr>
+      <p:grpSpPr>
+        <a:xfrm>
+          <a:off x="0" y="0"/>
+          <a:ext cx="0" cy="0"/>
+          <a:chOff x="0" y="0"/>
+          <a:chExt cx="0" cy="0"/>
+        </a:xfrm>
+      </p:grpSpPr>
+      <p:pic>
+        <p:nvPicPr>
+          <p:cNvPr id="3" name="Grafik 2">
+            <a:extLst>
+              <a:ext uri="{FF2B5EF4-FFF2-40B4-BE49-F238E27FC236}">
+                <a16:creationId xmlns:a16="http://schemas.microsoft.com/office/drawing/2014/main" id="{CC424668-780B-4D7D-9584-7D01C96A02FC}"/>
+              </a:ext>
+            </a:extLst>
+          </p:cNvPr>
+          <p:cNvPicPr>
+            <a:picLocks noChangeAspect="1"/>
+          </p:cNvPicPr>
+          <p:nvPr/>
+        </p:nvPicPr>
+        <p:blipFill>
+          <a:blip r:embed="rId2"/>
+          <a:stretch>
+            <a:fillRect/>
+          </a:stretch>
+        </p:blipFill>
+        <p:spPr>
+          <a:xfrm>
+            <a:off x="2034185" y="196352"/>
+            <a:ext cx="4173390" cy="5895221"/>
+          </a:xfrm>
+          <a:prstGeom prst="rect">
+            <a:avLst/>
+          </a:prstGeom>
+        </p:spPr>
+      </p:pic>
+      <p:sp>
+        <p:nvSpPr>
+          <p:cNvPr id="34818" name="Rectangle 2"/>
+          <p:cNvSpPr>
+            <a:spLocks noGrp="1" noChangeArrowheads="1"/>
+          </p:cNvSpPr>
+          <p:nvPr>
+            <p:ph type="title"/>
+          </p:nvPr>
+        </p:nvSpPr>
+        <p:spPr/>
+        <p:txBody>
+          <a:bodyPr/>
+          <a:lstStyle/>
+          <a:p>
+            <a:r>
+              <a:rPr lang="de-DE" altLang="de-DE" dirty="0"/>
+              <a:t>Summary	</a:t>
+            </a:r>
+          </a:p>
+        </p:txBody>
+      </p:sp>
+      <p:sp>
+        <p:nvSpPr>
+          <p:cNvPr id="2" name="Datumsplatzhalter 1"/>
+          <p:cNvSpPr>
+            <a:spLocks noGrp="1"/>
+          </p:cNvSpPr>
+          <p:nvPr>
+            <p:ph type="dt" sz="half" idx="10"/>
+          </p:nvPr>
+        </p:nvSpPr>
+        <p:spPr>
+          <a:xfrm>
+            <a:off x="612000" y="6444000"/>
+            <a:ext cx="1044000" cy="360000"/>
+          </a:xfrm>
+        </p:spPr>
+        <p:txBody>
+          <a:bodyPr/>
+          <a:lstStyle/>
+          <a:p>
+            <a:fld id="{671342AB-2D21-4183-8B98-98B52FD7365F}" type="datetime1">
+              <a:rPr lang="de-DE" smtClean="0"/>
+              <a:t>07.02.2019</a:t>
             </a:fld>
             <a:endParaRPr lang="de-DE" dirty="0"/>
           </a:p>
@@ -8554,36 +11986,6 @@
           </p:txBody>
         </p:sp>
       </p:grpSp>
-      <p:pic>
-        <p:nvPicPr>
-          <p:cNvPr id="4" name="Grafik 3">
-            <a:extLst>
-              <a:ext uri="{FF2B5EF4-FFF2-40B4-BE49-F238E27FC236}">
-                <a16:creationId xmlns:a16="http://schemas.microsoft.com/office/drawing/2014/main" id="{1EAC131A-162F-4A6C-B396-BE035ACE6AFA}"/>
-              </a:ext>
-            </a:extLst>
-          </p:cNvPr>
-          <p:cNvPicPr>
-            <a:picLocks noChangeAspect="1"/>
-          </p:cNvPicPr>
-          <p:nvPr/>
-        </p:nvPicPr>
-        <p:blipFill>
-          <a:blip r:embed="rId2"/>
-          <a:stretch>
-            <a:fillRect/>
-          </a:stretch>
-        </p:blipFill>
-        <p:spPr>
-          <a:xfrm>
-            <a:off x="1990888" y="599437"/>
-            <a:ext cx="4298127" cy="5077244"/>
-          </a:xfrm>
-          <a:prstGeom prst="rect">
-            <a:avLst/>
-          </a:prstGeom>
-        </p:spPr>
-      </p:pic>
     </p:spTree>
     <p:extLst>
       <p:ext uri="{BB962C8B-B14F-4D97-AF65-F5344CB8AC3E}">
@@ -8597,7 +11999,7 @@
 </p:sld>
 </file>
 
-<file path=ppt/slides/slide14.xml><?xml version="1.0" encoding="utf-8"?>
+<file path=ppt/slides/slide16.xml><?xml version="1.0" encoding="utf-8"?>
 <p:sld xmlns:a="http://schemas.openxmlformats.org/drawingml/2006/main" xmlns:r="http://schemas.openxmlformats.org/officeDocument/2006/relationships" xmlns:p="http://schemas.openxmlformats.org/presentationml/2006/main">
   <p:cSld>
     <p:spTree>
@@ -8638,7 +12040,7 @@
             <a:fld id="{22C9B90C-F1F4-41D2-8EEE-A2460906CE98}" type="datetime1">
               <a:rPr lang="de-DE" smtClean="0"/>
               <a:pPr/>
-              <a:t>04.02.2019</a:t>
+              <a:t>07.02.2019</a:t>
             </a:fld>
             <a:endParaRPr lang="de-DE" dirty="0"/>
           </a:p>
@@ -8956,7 +12358,7 @@
           <a:p>
             <a:fld id="{671342AB-2D21-4183-8B98-98B52FD7365F}" type="datetime1">
               <a:rPr lang="de-DE" smtClean="0"/>
-              <a:t>04.02.2019</a:t>
+              <a:t>07.02.2019</a:t>
             </a:fld>
             <a:endParaRPr lang="de-DE" dirty="0"/>
           </a:p>
@@ -9967,7 +13369,7 @@
           <a:p>
             <a:fld id="{671342AB-2D21-4183-8B98-98B52FD7365F}" type="datetime1">
               <a:rPr lang="de-DE" smtClean="0"/>
-              <a:t>04.02.2019</a:t>
+              <a:t>07.02.2019</a:t>
             </a:fld>
             <a:endParaRPr lang="de-DE" dirty="0"/>
           </a:p>
@@ -10760,7 +14162,7 @@
           <a:p>
             <a:fld id="{671342AB-2D21-4183-8B98-98B52FD7365F}" type="datetime1">
               <a:rPr lang="de-DE" smtClean="0"/>
-              <a:t>04.02.2019</a:t>
+              <a:t>07.02.2019</a:t>
             </a:fld>
             <a:endParaRPr lang="de-DE" dirty="0"/>
           </a:p>
@@ -11670,6 +15072,1161 @@
           <a:lstStyle/>
           <a:p>
             <a:r>
+              <a:rPr lang="de-DE" altLang="de-DE" noProof="0" dirty="0"/>
+              <a:t>PIBA</a:t>
+            </a:r>
+            <a:endParaRPr lang="en-US" altLang="de-DE" dirty="0"/>
+          </a:p>
+        </p:txBody>
+      </p:sp>
+      <p:sp>
+        <p:nvSpPr>
+          <p:cNvPr id="34819" name="Rectangle 3"/>
+          <p:cNvSpPr>
+            <a:spLocks noGrp="1" noChangeArrowheads="1"/>
+          </p:cNvSpPr>
+          <p:nvPr>
+            <p:ph type="body" idx="1"/>
+          </p:nvPr>
+        </p:nvSpPr>
+        <p:spPr>
+          <a:xfrm>
+            <a:off x="402501" y="1089281"/>
+            <a:ext cx="8404944" cy="4604922"/>
+          </a:xfrm>
+        </p:spPr>
+        <p:txBody>
+          <a:bodyPr/>
+          <a:lstStyle/>
+          <a:p>
+            <a:pPr marL="0" indent="0">
+              <a:buNone/>
+            </a:pPr>
+            <a:r>
+              <a:rPr lang="en-US" altLang="de-DE" u="sng" dirty="0"/>
+              <a:t>Problem</a:t>
+            </a:r>
+          </a:p>
+          <a:p>
+            <a:r>
+              <a:rPr lang="en-US" altLang="de-DE" dirty="0"/>
+              <a:t>Migrate a monolithic architecture to a microservice-based system</a:t>
+            </a:r>
+          </a:p>
+          <a:p>
+            <a:pPr marL="0" indent="0">
+              <a:buNone/>
+            </a:pPr>
+            <a:r>
+              <a:rPr lang="en-US" altLang="de-DE" u="sng" dirty="0"/>
+              <a:t>Idea</a:t>
+            </a:r>
+          </a:p>
+          <a:p>
+            <a:r>
+              <a:rPr lang="en-US" altLang="de-DE" dirty="0"/>
+              <a:t>Identify microservices using clustering on control flow and data flow</a:t>
+            </a:r>
+          </a:p>
+          <a:p>
+            <a:pPr marL="0" indent="0">
+              <a:buNone/>
+            </a:pPr>
+            <a:r>
+              <a:rPr lang="en-US" altLang="de-DE" u="sng" dirty="0"/>
+              <a:t>Benefit</a:t>
+            </a:r>
+          </a:p>
+          <a:p>
+            <a:r>
+              <a:rPr lang="en-US" altLang="de-DE" dirty="0"/>
+              <a:t>Faster identification process </a:t>
+            </a:r>
+          </a:p>
+          <a:p>
+            <a:r>
+              <a:rPr lang="en-US" altLang="de-DE" dirty="0"/>
+              <a:t>Reduce required expertise and manual effort</a:t>
+            </a:r>
+          </a:p>
+          <a:p>
+            <a:r>
+              <a:rPr lang="en-US" altLang="de-DE" dirty="0"/>
+              <a:t>Create more adequate microservices</a:t>
+            </a:r>
+          </a:p>
+          <a:p>
+            <a:pPr marL="0" indent="0">
+              <a:buNone/>
+            </a:pPr>
+            <a:r>
+              <a:rPr lang="en-US" altLang="de-DE" u="sng" dirty="0"/>
+              <a:t>Action</a:t>
+            </a:r>
+          </a:p>
+          <a:p>
+            <a:r>
+              <a:rPr lang="en-US" altLang="de-DE" dirty="0"/>
+              <a:t>Identify possible structural and data object dependencies</a:t>
+            </a:r>
+          </a:p>
+          <a:p>
+            <a:r>
+              <a:rPr lang="en-US" altLang="de-DE" dirty="0"/>
+              <a:t>Create separate cluster while using dependencies</a:t>
+            </a:r>
+          </a:p>
+          <a:p>
+            <a:r>
+              <a:rPr lang="en-US" altLang="de-DE" dirty="0"/>
+              <a:t>Match clusters to generate possible microservice candidates</a:t>
+            </a:r>
+          </a:p>
+        </p:txBody>
+      </p:sp>
+      <p:sp>
+        <p:nvSpPr>
+          <p:cNvPr id="2" name="Datumsplatzhalter 1"/>
+          <p:cNvSpPr>
+            <a:spLocks noGrp="1"/>
+          </p:cNvSpPr>
+          <p:nvPr>
+            <p:ph type="dt" sz="half" idx="10"/>
+          </p:nvPr>
+        </p:nvSpPr>
+        <p:spPr>
+          <a:xfrm>
+            <a:off x="612000" y="6444000"/>
+            <a:ext cx="1044000" cy="360000"/>
+          </a:xfrm>
+        </p:spPr>
+        <p:txBody>
+          <a:bodyPr/>
+          <a:lstStyle/>
+          <a:p>
+            <a:pPr marL="0" marR="0" lvl="0" indent="0" algn="l" defTabSz="914400" rtl="0" eaLnBrk="1" fontAlgn="base" latinLnBrk="0" hangingPunct="1">
+              <a:lnSpc>
+                <a:spcPct val="100000"/>
+              </a:lnSpc>
+              <a:spcBef>
+                <a:spcPct val="0"/>
+              </a:spcBef>
+              <a:spcAft>
+                <a:spcPct val="0"/>
+              </a:spcAft>
+              <a:buClrTx/>
+              <a:buSzTx/>
+              <a:buFontTx/>
+              <a:buNone/>
+              <a:tabLst/>
+              <a:defRPr/>
+            </a:pPr>
+            <a:fld id="{671342AB-2D21-4183-8B98-98B52FD7365F}" type="datetime1">
+              <a:rPr kumimoji="0" lang="de-DE" sz="900" b="0" i="0" u="none" strike="noStrike" kern="1200" cap="none" spc="0" normalizeH="0" baseline="0" noProof="0" smtClean="0">
+                <a:ln>
+                  <a:noFill/>
+                </a:ln>
+                <a:solidFill>
+                  <a:srgbClr val="000000"/>
+                </a:solidFill>
+                <a:effectLst/>
+                <a:uLnTx/>
+                <a:uFillTx/>
+                <a:latin typeface="Arial" pitchFamily="34" charset="0"/>
+                <a:ea typeface="+mn-ea"/>
+                <a:cs typeface="+mn-cs"/>
+              </a:rPr>
+              <a:pPr marL="0" marR="0" lvl="0" indent="0" algn="l" defTabSz="914400" rtl="0" eaLnBrk="1" fontAlgn="base" latinLnBrk="0" hangingPunct="1">
+                <a:lnSpc>
+                  <a:spcPct val="100000"/>
+                </a:lnSpc>
+                <a:spcBef>
+                  <a:spcPct val="0"/>
+                </a:spcBef>
+                <a:spcAft>
+                  <a:spcPct val="0"/>
+                </a:spcAft>
+                <a:buClrTx/>
+                <a:buSzTx/>
+                <a:buFontTx/>
+                <a:buNone/>
+                <a:tabLst/>
+                <a:defRPr/>
+              </a:pPr>
+              <a:t>07.02.2019</a:t>
+            </a:fld>
+            <a:endParaRPr kumimoji="0" lang="de-DE" sz="900" b="0" i="0" u="none" strike="noStrike" kern="1200" cap="none" spc="0" normalizeH="0" baseline="0" noProof="0" dirty="0">
+              <a:ln>
+                <a:noFill/>
+              </a:ln>
+              <a:solidFill>
+                <a:srgbClr val="000000"/>
+              </a:solidFill>
+              <a:effectLst/>
+              <a:uLnTx/>
+              <a:uFillTx/>
+              <a:latin typeface="Arial" pitchFamily="34" charset="0"/>
+              <a:ea typeface="+mn-ea"/>
+              <a:cs typeface="+mn-cs"/>
+            </a:endParaRPr>
+          </a:p>
+        </p:txBody>
+      </p:sp>
+      <p:grpSp>
+        <p:nvGrpSpPr>
+          <p:cNvPr id="6" name="Gruppieren 21">
+            <a:extLst>
+              <a:ext uri="{FF2B5EF4-FFF2-40B4-BE49-F238E27FC236}">
+                <a16:creationId xmlns:a16="http://schemas.microsoft.com/office/drawing/2014/main" id="{0040E27B-FD00-4BB9-BF34-EAF5642F9005}"/>
+              </a:ext>
+            </a:extLst>
+          </p:cNvPr>
+          <p:cNvGrpSpPr/>
+          <p:nvPr/>
+        </p:nvGrpSpPr>
+        <p:grpSpPr>
+          <a:xfrm>
+            <a:off x="25400" y="5986694"/>
+            <a:ext cx="9072000" cy="322630"/>
+            <a:chOff x="25400" y="5986694"/>
+            <a:chExt cx="9072000" cy="322630"/>
+          </a:xfrm>
+        </p:grpSpPr>
+        <p:sp>
+          <p:nvSpPr>
+            <p:cNvPr id="7" name="Textfeld 13">
+              <a:extLst>
+                <a:ext uri="{FF2B5EF4-FFF2-40B4-BE49-F238E27FC236}">
+                  <a16:creationId xmlns:a16="http://schemas.microsoft.com/office/drawing/2014/main" id="{BAAA255A-DE4E-43FC-B6C9-980B8990A863}"/>
+                </a:ext>
+              </a:extLst>
+            </p:cNvPr>
+            <p:cNvSpPr txBox="1"/>
+            <p:nvPr/>
+          </p:nvSpPr>
+          <p:spPr>
+            <a:xfrm>
+              <a:off x="1493183" y="6032322"/>
+              <a:ext cx="1111651" cy="276999"/>
+            </a:xfrm>
+            <a:prstGeom prst="rect">
+              <a:avLst/>
+            </a:prstGeom>
+            <a:noFill/>
+            <a:ln>
+              <a:noFill/>
+            </a:ln>
+          </p:spPr>
+          <p:style>
+            <a:lnRef idx="2">
+              <a:schemeClr val="accent3"/>
+            </a:lnRef>
+            <a:fillRef idx="1">
+              <a:schemeClr val="lt1"/>
+            </a:fillRef>
+            <a:effectRef idx="0">
+              <a:schemeClr val="accent3"/>
+            </a:effectRef>
+            <a:fontRef idx="minor">
+              <a:schemeClr val="dk1"/>
+            </a:fontRef>
+          </p:style>
+          <p:txBody>
+            <a:bodyPr wrap="square" rtlCol="0">
+              <a:spAutoFit/>
+            </a:bodyPr>
+            <a:lstStyle/>
+            <a:p>
+              <a:pPr marL="0" marR="0" lvl="0" indent="0" algn="l" defTabSz="914400" rtl="0" eaLnBrk="1" fontAlgn="base" latinLnBrk="0" hangingPunct="1">
+                <a:lnSpc>
+                  <a:spcPct val="100000"/>
+                </a:lnSpc>
+                <a:spcBef>
+                  <a:spcPct val="0"/>
+                </a:spcBef>
+                <a:spcAft>
+                  <a:spcPct val="0"/>
+                </a:spcAft>
+                <a:buClrTx/>
+                <a:buSzTx/>
+                <a:buFontTx/>
+                <a:buNone/>
+                <a:tabLst/>
+                <a:defRPr/>
+              </a:pPr>
+              <a:r>
+                <a:rPr kumimoji="0" lang="en-US" sz="1200" b="1" i="0" u="none" strike="noStrike" kern="1200" cap="none" spc="0" normalizeH="0" baseline="0" noProof="0" dirty="0">
+                  <a:ln>
+                    <a:noFill/>
+                  </a:ln>
+                  <a:solidFill>
+                    <a:srgbClr val="000000"/>
+                  </a:solidFill>
+                  <a:effectLst/>
+                  <a:uLnTx/>
+                  <a:uFillTx/>
+                  <a:latin typeface="Arial"/>
+                  <a:ea typeface="+mn-ea"/>
+                  <a:cs typeface="+mn-cs"/>
+                </a:rPr>
+                <a:t>Foundation</a:t>
+              </a:r>
+            </a:p>
+          </p:txBody>
+        </p:sp>
+        <p:sp>
+          <p:nvSpPr>
+            <p:cNvPr id="8" name="Textfeld 14">
+              <a:extLst>
+                <a:ext uri="{FF2B5EF4-FFF2-40B4-BE49-F238E27FC236}">
+                  <a16:creationId xmlns:a16="http://schemas.microsoft.com/office/drawing/2014/main" id="{20453AA5-8267-4740-BB18-83B78262BD22}"/>
+                </a:ext>
+              </a:extLst>
+            </p:cNvPr>
+            <p:cNvSpPr txBox="1"/>
+            <p:nvPr/>
+          </p:nvSpPr>
+          <p:spPr>
+            <a:xfrm>
+              <a:off x="6282440" y="6032325"/>
+              <a:ext cx="899605" cy="276999"/>
+            </a:xfrm>
+            <a:prstGeom prst="rect">
+              <a:avLst/>
+            </a:prstGeom>
+          </p:spPr>
+          <p:style>
+            <a:lnRef idx="2">
+              <a:schemeClr val="accent3"/>
+            </a:lnRef>
+            <a:fillRef idx="1">
+              <a:schemeClr val="lt1"/>
+            </a:fillRef>
+            <a:effectRef idx="0">
+              <a:schemeClr val="accent3"/>
+            </a:effectRef>
+            <a:fontRef idx="minor">
+              <a:schemeClr val="dk1"/>
+            </a:fontRef>
+          </p:style>
+          <p:txBody>
+            <a:bodyPr wrap="none" rtlCol="0">
+              <a:spAutoFit/>
+            </a:bodyPr>
+            <a:lstStyle/>
+            <a:p>
+              <a:pPr marL="0" marR="0" lvl="0" indent="0" algn="l" defTabSz="914400" rtl="0" eaLnBrk="1" fontAlgn="base" latinLnBrk="0" hangingPunct="1">
+                <a:lnSpc>
+                  <a:spcPct val="100000"/>
+                </a:lnSpc>
+                <a:spcBef>
+                  <a:spcPct val="0"/>
+                </a:spcBef>
+                <a:spcAft>
+                  <a:spcPct val="0"/>
+                </a:spcAft>
+                <a:buClrTx/>
+                <a:buSzTx/>
+                <a:buFontTx/>
+                <a:buNone/>
+                <a:tabLst/>
+                <a:defRPr/>
+              </a:pPr>
+              <a:r>
+                <a:rPr kumimoji="0" lang="en-US" sz="1200" b="0" i="0" u="none" strike="noStrike" kern="1200" cap="none" spc="0" normalizeH="0" baseline="0" noProof="0" dirty="0">
+                  <a:ln>
+                    <a:noFill/>
+                  </a:ln>
+                  <a:solidFill>
+                    <a:srgbClr val="000000"/>
+                  </a:solidFill>
+                  <a:effectLst/>
+                  <a:uLnTx/>
+                  <a:uFillTx/>
+                  <a:latin typeface="Arial"/>
+                  <a:ea typeface="+mn-ea"/>
+                  <a:cs typeface="+mn-cs"/>
+                </a:rPr>
+                <a:t>Evaluation</a:t>
+              </a:r>
+            </a:p>
+          </p:txBody>
+        </p:sp>
+        <p:sp>
+          <p:nvSpPr>
+            <p:cNvPr id="9" name="Textfeld 8">
+              <a:extLst>
+                <a:ext uri="{FF2B5EF4-FFF2-40B4-BE49-F238E27FC236}">
+                  <a16:creationId xmlns:a16="http://schemas.microsoft.com/office/drawing/2014/main" id="{0003065F-116A-4EB7-8459-D88042241914}"/>
+                </a:ext>
+              </a:extLst>
+            </p:cNvPr>
+            <p:cNvSpPr txBox="1"/>
+            <p:nvPr/>
+          </p:nvSpPr>
+          <p:spPr>
+            <a:xfrm>
+              <a:off x="3028301" y="6032323"/>
+              <a:ext cx="1111651" cy="276999"/>
+            </a:xfrm>
+            <a:prstGeom prst="rect">
+              <a:avLst/>
+            </a:prstGeom>
+          </p:spPr>
+          <p:style>
+            <a:lnRef idx="2">
+              <a:schemeClr val="accent3"/>
+            </a:lnRef>
+            <a:fillRef idx="1">
+              <a:schemeClr val="lt1"/>
+            </a:fillRef>
+            <a:effectRef idx="0">
+              <a:schemeClr val="accent3"/>
+            </a:effectRef>
+            <a:fontRef idx="minor">
+              <a:schemeClr val="dk1"/>
+            </a:fontRef>
+          </p:style>
+          <p:txBody>
+            <a:bodyPr wrap="none" rtlCol="0">
+              <a:spAutoFit/>
+            </a:bodyPr>
+            <a:lstStyle/>
+            <a:p>
+              <a:pPr marL="0" marR="0" lvl="0" indent="0" algn="l" defTabSz="914400" rtl="0" eaLnBrk="1" fontAlgn="base" latinLnBrk="0" hangingPunct="1">
+                <a:lnSpc>
+                  <a:spcPct val="100000"/>
+                </a:lnSpc>
+                <a:spcBef>
+                  <a:spcPct val="0"/>
+                </a:spcBef>
+                <a:spcAft>
+                  <a:spcPct val="0"/>
+                </a:spcAft>
+                <a:buClrTx/>
+                <a:buSzTx/>
+                <a:buFontTx/>
+                <a:buNone/>
+                <a:tabLst/>
+                <a:defRPr/>
+              </a:pPr>
+              <a:r>
+                <a:rPr kumimoji="0" lang="en-US" sz="1200" b="0" i="0" u="none" strike="noStrike" kern="1200" cap="none" spc="0" normalizeH="0" baseline="0" noProof="0" dirty="0">
+                  <a:ln>
+                    <a:noFill/>
+                  </a:ln>
+                  <a:solidFill>
+                    <a:srgbClr val="000000"/>
+                  </a:solidFill>
+                  <a:effectLst/>
+                  <a:uLnTx/>
+                  <a:uFillTx/>
+                  <a:latin typeface="Arial"/>
+                  <a:ea typeface="+mn-ea"/>
+                  <a:cs typeface="+mn-cs"/>
+                </a:rPr>
+                <a:t>Related Work</a:t>
+              </a:r>
+            </a:p>
+          </p:txBody>
+        </p:sp>
+        <p:sp>
+          <p:nvSpPr>
+            <p:cNvPr id="10" name="Textfeld 9">
+              <a:extLst>
+                <a:ext uri="{FF2B5EF4-FFF2-40B4-BE49-F238E27FC236}">
+                  <a16:creationId xmlns:a16="http://schemas.microsoft.com/office/drawing/2014/main" id="{A726C2C4-9F26-4857-993B-720F1DE49F35}"/>
+                </a:ext>
+              </a:extLst>
+            </p:cNvPr>
+            <p:cNvSpPr txBox="1"/>
+            <p:nvPr/>
+          </p:nvSpPr>
+          <p:spPr>
+            <a:xfrm>
+              <a:off x="7763010" y="6032321"/>
+              <a:ext cx="1278028" cy="276999"/>
+            </a:xfrm>
+            <a:prstGeom prst="rect">
+              <a:avLst/>
+            </a:prstGeom>
+            <a:noFill/>
+            <a:ln>
+              <a:noFill/>
+            </a:ln>
+          </p:spPr>
+          <p:style>
+            <a:lnRef idx="2">
+              <a:schemeClr val="accent3"/>
+            </a:lnRef>
+            <a:fillRef idx="1">
+              <a:schemeClr val="lt1"/>
+            </a:fillRef>
+            <a:effectRef idx="0">
+              <a:schemeClr val="accent3"/>
+            </a:effectRef>
+            <a:fontRef idx="minor">
+              <a:schemeClr val="dk1"/>
+            </a:fontRef>
+          </p:style>
+          <p:txBody>
+            <a:bodyPr wrap="square" rtlCol="0">
+              <a:spAutoFit/>
+            </a:bodyPr>
+            <a:lstStyle/>
+            <a:p>
+              <a:pPr marL="0" marR="0" lvl="0" indent="0" algn="l" defTabSz="914400" rtl="0" eaLnBrk="1" fontAlgn="base" latinLnBrk="0" hangingPunct="1">
+                <a:lnSpc>
+                  <a:spcPct val="100000"/>
+                </a:lnSpc>
+                <a:spcBef>
+                  <a:spcPct val="0"/>
+                </a:spcBef>
+                <a:spcAft>
+                  <a:spcPct val="0"/>
+                </a:spcAft>
+                <a:buClrTx/>
+                <a:buSzTx/>
+                <a:buFontTx/>
+                <a:buNone/>
+                <a:tabLst/>
+                <a:defRPr/>
+              </a:pPr>
+              <a:r>
+                <a:rPr kumimoji="0" lang="en-US" sz="1200" b="0" i="0" u="none" strike="noStrike" kern="1200" cap="none" spc="0" normalizeH="0" baseline="0" noProof="0" dirty="0">
+                  <a:ln>
+                    <a:noFill/>
+                  </a:ln>
+                  <a:solidFill>
+                    <a:srgbClr val="000000"/>
+                  </a:solidFill>
+                  <a:effectLst/>
+                  <a:uLnTx/>
+                  <a:uFillTx/>
+                  <a:latin typeface="Arial"/>
+                  <a:ea typeface="+mn-ea"/>
+                  <a:cs typeface="+mn-cs"/>
+                </a:rPr>
+                <a:t>Summary</a:t>
+              </a:r>
+            </a:p>
+          </p:txBody>
+        </p:sp>
+        <p:sp>
+          <p:nvSpPr>
+            <p:cNvPr id="11" name="Textfeld 10">
+              <a:extLst>
+                <a:ext uri="{FF2B5EF4-FFF2-40B4-BE49-F238E27FC236}">
+                  <a16:creationId xmlns:a16="http://schemas.microsoft.com/office/drawing/2014/main" id="{AB277AF1-9FBE-44AB-A77E-54F4A3C24B2D}"/>
+                </a:ext>
+              </a:extLst>
+            </p:cNvPr>
+            <p:cNvSpPr txBox="1"/>
+            <p:nvPr/>
+          </p:nvSpPr>
+          <p:spPr>
+            <a:xfrm>
+              <a:off x="179512" y="6032321"/>
+              <a:ext cx="955711" cy="276999"/>
+            </a:xfrm>
+            <a:prstGeom prst="rect">
+              <a:avLst/>
+            </a:prstGeom>
+            <a:noFill/>
+            <a:ln>
+              <a:noFill/>
+            </a:ln>
+          </p:spPr>
+          <p:style>
+            <a:lnRef idx="2">
+              <a:schemeClr val="accent3"/>
+            </a:lnRef>
+            <a:fillRef idx="1">
+              <a:schemeClr val="lt1"/>
+            </a:fillRef>
+            <a:effectRef idx="0">
+              <a:schemeClr val="accent3"/>
+            </a:effectRef>
+            <a:fontRef idx="minor">
+              <a:schemeClr val="dk1"/>
+            </a:fontRef>
+          </p:style>
+          <p:txBody>
+            <a:bodyPr wrap="square" rtlCol="0">
+              <a:spAutoFit/>
+            </a:bodyPr>
+            <a:lstStyle/>
+            <a:p>
+              <a:pPr marL="0" marR="0" lvl="0" indent="0" algn="l" defTabSz="914400" rtl="0" eaLnBrk="1" fontAlgn="base" latinLnBrk="0" hangingPunct="1">
+                <a:lnSpc>
+                  <a:spcPct val="100000"/>
+                </a:lnSpc>
+                <a:spcBef>
+                  <a:spcPct val="0"/>
+                </a:spcBef>
+                <a:spcAft>
+                  <a:spcPct val="0"/>
+                </a:spcAft>
+                <a:buClrTx/>
+                <a:buSzTx/>
+                <a:buFontTx/>
+                <a:buNone/>
+                <a:tabLst/>
+                <a:defRPr/>
+              </a:pPr>
+              <a:r>
+                <a:rPr kumimoji="0" lang="en-US" sz="1200" b="0" i="0" u="none" strike="noStrike" kern="1200" cap="none" spc="0" normalizeH="0" baseline="0" noProof="0" dirty="0">
+                  <a:ln>
+                    <a:noFill/>
+                  </a:ln>
+                  <a:solidFill>
+                    <a:srgbClr val="000000"/>
+                  </a:solidFill>
+                  <a:effectLst/>
+                  <a:uLnTx/>
+                  <a:uFillTx/>
+                  <a:latin typeface="Arial"/>
+                  <a:ea typeface="+mn-ea"/>
+                  <a:cs typeface="+mn-cs"/>
+                </a:rPr>
+                <a:t>Motivation</a:t>
+              </a:r>
+            </a:p>
+          </p:txBody>
+        </p:sp>
+        <p:sp>
+          <p:nvSpPr>
+            <p:cNvPr id="12" name="Eingekerbter Richtungspfeil 23">
+              <a:extLst>
+                <a:ext uri="{FF2B5EF4-FFF2-40B4-BE49-F238E27FC236}">
+                  <a16:creationId xmlns:a16="http://schemas.microsoft.com/office/drawing/2014/main" id="{05A79C9A-C2A8-47C9-A061-08591E151049}"/>
+                </a:ext>
+              </a:extLst>
+            </p:cNvPr>
+            <p:cNvSpPr/>
+            <p:nvPr/>
+          </p:nvSpPr>
+          <p:spPr>
+            <a:xfrm>
+              <a:off x="1234955" y="6091573"/>
+              <a:ext cx="158496" cy="158496"/>
+            </a:xfrm>
+            <a:prstGeom prst="chevron">
+              <a:avLst/>
+            </a:prstGeom>
+          </p:spPr>
+          <p:style>
+            <a:lnRef idx="1">
+              <a:schemeClr val="accent4"/>
+            </a:lnRef>
+            <a:fillRef idx="2">
+              <a:schemeClr val="accent4"/>
+            </a:fillRef>
+            <a:effectRef idx="1">
+              <a:schemeClr val="accent4"/>
+            </a:effectRef>
+            <a:fontRef idx="minor">
+              <a:schemeClr val="dk1"/>
+            </a:fontRef>
+          </p:style>
+          <p:txBody>
+            <a:bodyPr rtlCol="0" anchor="ctr"/>
+            <a:lstStyle/>
+            <a:p>
+              <a:pPr marL="0" marR="0" lvl="0" indent="0" algn="ctr" defTabSz="914400" rtl="0" eaLnBrk="1" fontAlgn="base" latinLnBrk="0" hangingPunct="1">
+                <a:lnSpc>
+                  <a:spcPct val="100000"/>
+                </a:lnSpc>
+                <a:spcBef>
+                  <a:spcPct val="0"/>
+                </a:spcBef>
+                <a:spcAft>
+                  <a:spcPct val="0"/>
+                </a:spcAft>
+                <a:buClrTx/>
+                <a:buSzTx/>
+                <a:buFontTx/>
+                <a:buNone/>
+                <a:tabLst/>
+                <a:defRPr/>
+              </a:pPr>
+              <a:endParaRPr kumimoji="0" lang="de-DE" sz="1800" b="0" i="0" u="none" strike="noStrike" kern="1200" cap="none" spc="0" normalizeH="0" baseline="0" noProof="0" dirty="0">
+                <a:ln>
+                  <a:noFill/>
+                </a:ln>
+                <a:solidFill>
+                  <a:srgbClr val="000000"/>
+                </a:solidFill>
+                <a:effectLst/>
+                <a:uLnTx/>
+                <a:uFillTx/>
+                <a:latin typeface="Arial"/>
+                <a:ea typeface="+mn-ea"/>
+                <a:cs typeface="+mn-cs"/>
+              </a:endParaRPr>
+            </a:p>
+          </p:txBody>
+        </p:sp>
+        <p:sp>
+          <p:nvSpPr>
+            <p:cNvPr id="13" name="Eingekerbter Richtungspfeil 24">
+              <a:extLst>
+                <a:ext uri="{FF2B5EF4-FFF2-40B4-BE49-F238E27FC236}">
+                  <a16:creationId xmlns:a16="http://schemas.microsoft.com/office/drawing/2014/main" id="{93F73314-AFE2-4A7B-B351-D0D77AC858C3}"/>
+                </a:ext>
+              </a:extLst>
+            </p:cNvPr>
+            <p:cNvSpPr/>
+            <p:nvPr/>
+          </p:nvSpPr>
+          <p:spPr>
+            <a:xfrm>
+              <a:off x="2577480" y="6091574"/>
+              <a:ext cx="158496" cy="158496"/>
+            </a:xfrm>
+            <a:prstGeom prst="chevron">
+              <a:avLst/>
+            </a:prstGeom>
+          </p:spPr>
+          <p:style>
+            <a:lnRef idx="1">
+              <a:schemeClr val="accent4"/>
+            </a:lnRef>
+            <a:fillRef idx="2">
+              <a:schemeClr val="accent4"/>
+            </a:fillRef>
+            <a:effectRef idx="1">
+              <a:schemeClr val="accent4"/>
+            </a:effectRef>
+            <a:fontRef idx="minor">
+              <a:schemeClr val="dk1"/>
+            </a:fontRef>
+          </p:style>
+          <p:txBody>
+            <a:bodyPr rtlCol="0" anchor="ctr"/>
+            <a:lstStyle/>
+            <a:p>
+              <a:pPr marL="0" marR="0" lvl="0" indent="0" algn="ctr" defTabSz="914400" rtl="0" eaLnBrk="1" fontAlgn="base" latinLnBrk="0" hangingPunct="1">
+                <a:lnSpc>
+                  <a:spcPct val="100000"/>
+                </a:lnSpc>
+                <a:spcBef>
+                  <a:spcPct val="0"/>
+                </a:spcBef>
+                <a:spcAft>
+                  <a:spcPct val="0"/>
+                </a:spcAft>
+                <a:buClrTx/>
+                <a:buSzTx/>
+                <a:buFontTx/>
+                <a:buNone/>
+                <a:tabLst/>
+                <a:defRPr/>
+              </a:pPr>
+              <a:endParaRPr kumimoji="0" lang="de-DE" sz="1800" b="0" i="0" u="none" strike="noStrike" kern="1200" cap="none" spc="0" normalizeH="0" baseline="0" noProof="0" dirty="0">
+                <a:ln>
+                  <a:noFill/>
+                </a:ln>
+                <a:solidFill>
+                  <a:srgbClr val="000000"/>
+                </a:solidFill>
+                <a:effectLst/>
+                <a:uLnTx/>
+                <a:uFillTx/>
+                <a:latin typeface="Arial"/>
+                <a:ea typeface="+mn-ea"/>
+                <a:cs typeface="+mn-cs"/>
+              </a:endParaRPr>
+            </a:p>
+          </p:txBody>
+        </p:sp>
+        <p:sp>
+          <p:nvSpPr>
+            <p:cNvPr id="14" name="Eingekerbter Richtungspfeil 25">
+              <a:extLst>
+                <a:ext uri="{FF2B5EF4-FFF2-40B4-BE49-F238E27FC236}">
+                  <a16:creationId xmlns:a16="http://schemas.microsoft.com/office/drawing/2014/main" id="{E51CB0DD-B40B-4DA3-9813-56079C531A80}"/>
+                </a:ext>
+              </a:extLst>
+            </p:cNvPr>
+            <p:cNvSpPr/>
+            <p:nvPr/>
+          </p:nvSpPr>
+          <p:spPr>
+            <a:xfrm>
+              <a:off x="4269488" y="6091575"/>
+              <a:ext cx="158496" cy="158496"/>
+            </a:xfrm>
+            <a:prstGeom prst="chevron">
+              <a:avLst/>
+            </a:prstGeom>
+          </p:spPr>
+          <p:style>
+            <a:lnRef idx="1">
+              <a:schemeClr val="accent4"/>
+            </a:lnRef>
+            <a:fillRef idx="2">
+              <a:schemeClr val="accent4"/>
+            </a:fillRef>
+            <a:effectRef idx="1">
+              <a:schemeClr val="accent4"/>
+            </a:effectRef>
+            <a:fontRef idx="minor">
+              <a:schemeClr val="dk1"/>
+            </a:fontRef>
+          </p:style>
+          <p:txBody>
+            <a:bodyPr rtlCol="0" anchor="ctr"/>
+            <a:lstStyle/>
+            <a:p>
+              <a:pPr marL="0" marR="0" lvl="0" indent="0" algn="ctr" defTabSz="914400" rtl="0" eaLnBrk="1" fontAlgn="base" latinLnBrk="0" hangingPunct="1">
+                <a:lnSpc>
+                  <a:spcPct val="100000"/>
+                </a:lnSpc>
+                <a:spcBef>
+                  <a:spcPct val="0"/>
+                </a:spcBef>
+                <a:spcAft>
+                  <a:spcPct val="0"/>
+                </a:spcAft>
+                <a:buClrTx/>
+                <a:buSzTx/>
+                <a:buFontTx/>
+                <a:buNone/>
+                <a:tabLst/>
+                <a:defRPr/>
+              </a:pPr>
+              <a:endParaRPr kumimoji="0" lang="de-DE" sz="1800" b="0" i="0" u="none" strike="noStrike" kern="1200" cap="none" spc="0" normalizeH="0" baseline="0" noProof="0" dirty="0">
+                <a:ln>
+                  <a:noFill/>
+                </a:ln>
+                <a:solidFill>
+                  <a:srgbClr val="000000"/>
+                </a:solidFill>
+                <a:effectLst/>
+                <a:uLnTx/>
+                <a:uFillTx/>
+                <a:latin typeface="Arial"/>
+                <a:ea typeface="+mn-ea"/>
+                <a:cs typeface="+mn-cs"/>
+              </a:endParaRPr>
+            </a:p>
+          </p:txBody>
+        </p:sp>
+        <p:sp>
+          <p:nvSpPr>
+            <p:cNvPr id="15" name="Textfeld 14">
+              <a:extLst>
+                <a:ext uri="{FF2B5EF4-FFF2-40B4-BE49-F238E27FC236}">
+                  <a16:creationId xmlns:a16="http://schemas.microsoft.com/office/drawing/2014/main" id="{5C484D65-4E97-430B-9F41-F04C2D378E09}"/>
+                </a:ext>
+              </a:extLst>
+            </p:cNvPr>
+            <p:cNvSpPr txBox="1"/>
+            <p:nvPr/>
+          </p:nvSpPr>
+          <p:spPr>
+            <a:xfrm>
+              <a:off x="4788024" y="6032324"/>
+              <a:ext cx="840295" cy="276999"/>
+            </a:xfrm>
+            <a:prstGeom prst="rect">
+              <a:avLst/>
+            </a:prstGeom>
+          </p:spPr>
+          <p:style>
+            <a:lnRef idx="2">
+              <a:schemeClr val="accent3"/>
+            </a:lnRef>
+            <a:fillRef idx="1">
+              <a:schemeClr val="lt1"/>
+            </a:fillRef>
+            <a:effectRef idx="0">
+              <a:schemeClr val="accent3"/>
+            </a:effectRef>
+            <a:fontRef idx="minor">
+              <a:schemeClr val="dk1"/>
+            </a:fontRef>
+          </p:style>
+          <p:txBody>
+            <a:bodyPr wrap="none" rtlCol="0">
+              <a:spAutoFit/>
+            </a:bodyPr>
+            <a:lstStyle/>
+            <a:p>
+              <a:pPr marL="0" marR="0" lvl="0" indent="0" algn="l" defTabSz="914400" rtl="0" eaLnBrk="1" fontAlgn="base" latinLnBrk="0" hangingPunct="1">
+                <a:lnSpc>
+                  <a:spcPct val="100000"/>
+                </a:lnSpc>
+                <a:spcBef>
+                  <a:spcPct val="0"/>
+                </a:spcBef>
+                <a:spcAft>
+                  <a:spcPct val="0"/>
+                </a:spcAft>
+                <a:buClrTx/>
+                <a:buSzTx/>
+                <a:buFontTx/>
+                <a:buNone/>
+                <a:tabLst/>
+                <a:defRPr/>
+              </a:pPr>
+              <a:r>
+                <a:rPr kumimoji="0" lang="en-US" sz="1200" b="0" i="0" u="none" strike="noStrike" kern="1200" cap="none" spc="0" normalizeH="0" baseline="0" noProof="0" dirty="0">
+                  <a:ln>
+                    <a:noFill/>
+                  </a:ln>
+                  <a:solidFill>
+                    <a:srgbClr val="000000"/>
+                  </a:solidFill>
+                  <a:effectLst/>
+                  <a:uLnTx/>
+                  <a:uFillTx/>
+                  <a:latin typeface="Arial"/>
+                  <a:ea typeface="+mn-ea"/>
+                  <a:cs typeface="+mn-cs"/>
+                </a:rPr>
+                <a:t>Approach</a:t>
+              </a:r>
+            </a:p>
+          </p:txBody>
+        </p:sp>
+        <p:sp>
+          <p:nvSpPr>
+            <p:cNvPr id="16" name="Eingekerbter Richtungspfeil 27">
+              <a:extLst>
+                <a:ext uri="{FF2B5EF4-FFF2-40B4-BE49-F238E27FC236}">
+                  <a16:creationId xmlns:a16="http://schemas.microsoft.com/office/drawing/2014/main" id="{E768B783-C92B-40F8-9CF6-761F508F5A01}"/>
+                </a:ext>
+              </a:extLst>
+            </p:cNvPr>
+            <p:cNvSpPr/>
+            <p:nvPr/>
+          </p:nvSpPr>
+          <p:spPr>
+            <a:xfrm>
+              <a:off x="7320057" y="6091577"/>
+              <a:ext cx="158496" cy="158496"/>
+            </a:xfrm>
+            <a:prstGeom prst="chevron">
+              <a:avLst/>
+            </a:prstGeom>
+          </p:spPr>
+          <p:style>
+            <a:lnRef idx="1">
+              <a:schemeClr val="accent4"/>
+            </a:lnRef>
+            <a:fillRef idx="2">
+              <a:schemeClr val="accent4"/>
+            </a:fillRef>
+            <a:effectRef idx="1">
+              <a:schemeClr val="accent4"/>
+            </a:effectRef>
+            <a:fontRef idx="minor">
+              <a:schemeClr val="dk1"/>
+            </a:fontRef>
+          </p:style>
+          <p:txBody>
+            <a:bodyPr rtlCol="0" anchor="ctr"/>
+            <a:lstStyle/>
+            <a:p>
+              <a:pPr marL="0" marR="0" lvl="0" indent="0" algn="ctr" defTabSz="914400" rtl="0" eaLnBrk="1" fontAlgn="base" latinLnBrk="0" hangingPunct="1">
+                <a:lnSpc>
+                  <a:spcPct val="100000"/>
+                </a:lnSpc>
+                <a:spcBef>
+                  <a:spcPct val="0"/>
+                </a:spcBef>
+                <a:spcAft>
+                  <a:spcPct val="0"/>
+                </a:spcAft>
+                <a:buClrTx/>
+                <a:buSzTx/>
+                <a:buFontTx/>
+                <a:buNone/>
+                <a:tabLst/>
+                <a:defRPr/>
+              </a:pPr>
+              <a:endParaRPr kumimoji="0" lang="de-DE" sz="1800" b="0" i="0" u="none" strike="noStrike" kern="1200" cap="none" spc="0" normalizeH="0" baseline="0" noProof="0" dirty="0">
+                <a:ln>
+                  <a:noFill/>
+                </a:ln>
+                <a:solidFill>
+                  <a:srgbClr val="000000"/>
+                </a:solidFill>
+                <a:effectLst/>
+                <a:uLnTx/>
+                <a:uFillTx/>
+                <a:latin typeface="Arial"/>
+                <a:ea typeface="+mn-ea"/>
+                <a:cs typeface="+mn-cs"/>
+              </a:endParaRPr>
+            </a:p>
+          </p:txBody>
+        </p:sp>
+        <p:cxnSp>
+          <p:nvCxnSpPr>
+            <p:cNvPr id="17" name="Gerade Verbindung 28">
+              <a:extLst>
+                <a:ext uri="{FF2B5EF4-FFF2-40B4-BE49-F238E27FC236}">
+                  <a16:creationId xmlns:a16="http://schemas.microsoft.com/office/drawing/2014/main" id="{BC764CA6-47FB-49B6-964C-7052FC337673}"/>
+                </a:ext>
+              </a:extLst>
+            </p:cNvPr>
+            <p:cNvCxnSpPr/>
+            <p:nvPr/>
+          </p:nvCxnSpPr>
+          <p:spPr>
+            <a:xfrm>
+              <a:off x="25400" y="5986694"/>
+              <a:ext cx="9072000" cy="1588"/>
+            </a:xfrm>
+            <a:prstGeom prst="line">
+              <a:avLst/>
+            </a:prstGeom>
+            <a:ln w="41275">
+              <a:solidFill>
+                <a:schemeClr val="accent3">
+                  <a:lumMod val="85000"/>
+                </a:schemeClr>
+              </a:solidFill>
+            </a:ln>
+          </p:spPr>
+          <p:style>
+            <a:lnRef idx="1">
+              <a:schemeClr val="accent1"/>
+            </a:lnRef>
+            <a:fillRef idx="0">
+              <a:schemeClr val="accent1"/>
+            </a:fillRef>
+            <a:effectRef idx="0">
+              <a:schemeClr val="accent1"/>
+            </a:effectRef>
+            <a:fontRef idx="minor">
+              <a:schemeClr val="tx1"/>
+            </a:fontRef>
+          </p:style>
+        </p:cxnSp>
+        <p:sp>
+          <p:nvSpPr>
+            <p:cNvPr id="18" name="Eingekerbter Richtungspfeil 29">
+              <a:extLst>
+                <a:ext uri="{FF2B5EF4-FFF2-40B4-BE49-F238E27FC236}">
+                  <a16:creationId xmlns:a16="http://schemas.microsoft.com/office/drawing/2014/main" id="{789A9915-BB3D-4F64-995D-EEE4479DB224}"/>
+                </a:ext>
+              </a:extLst>
+            </p:cNvPr>
+            <p:cNvSpPr/>
+            <p:nvPr/>
+          </p:nvSpPr>
+          <p:spPr>
+            <a:xfrm>
+              <a:off x="5925672" y="6091576"/>
+              <a:ext cx="158496" cy="158496"/>
+            </a:xfrm>
+            <a:prstGeom prst="chevron">
+              <a:avLst/>
+            </a:prstGeom>
+          </p:spPr>
+          <p:style>
+            <a:lnRef idx="1">
+              <a:schemeClr val="accent4"/>
+            </a:lnRef>
+            <a:fillRef idx="2">
+              <a:schemeClr val="accent4"/>
+            </a:fillRef>
+            <a:effectRef idx="1">
+              <a:schemeClr val="accent4"/>
+            </a:effectRef>
+            <a:fontRef idx="minor">
+              <a:schemeClr val="dk1"/>
+            </a:fontRef>
+          </p:style>
+          <p:txBody>
+            <a:bodyPr rtlCol="0" anchor="ctr"/>
+            <a:lstStyle/>
+            <a:p>
+              <a:pPr marL="0" marR="0" lvl="0" indent="0" algn="ctr" defTabSz="914400" rtl="0" eaLnBrk="1" fontAlgn="base" latinLnBrk="0" hangingPunct="1">
+                <a:lnSpc>
+                  <a:spcPct val="100000"/>
+                </a:lnSpc>
+                <a:spcBef>
+                  <a:spcPct val="0"/>
+                </a:spcBef>
+                <a:spcAft>
+                  <a:spcPct val="0"/>
+                </a:spcAft>
+                <a:buClrTx/>
+                <a:buSzTx/>
+                <a:buFontTx/>
+                <a:buNone/>
+                <a:tabLst/>
+                <a:defRPr/>
+              </a:pPr>
+              <a:endParaRPr kumimoji="0" lang="de-DE" sz="1800" b="0" i="0" u="none" strike="noStrike" kern="1200" cap="none" spc="0" normalizeH="0" baseline="0" noProof="0" dirty="0">
+                <a:ln>
+                  <a:noFill/>
+                </a:ln>
+                <a:solidFill>
+                  <a:srgbClr val="000000"/>
+                </a:solidFill>
+                <a:effectLst/>
+                <a:uLnTx/>
+                <a:uFillTx/>
+                <a:latin typeface="Arial"/>
+                <a:ea typeface="+mn-ea"/>
+                <a:cs typeface="+mn-cs"/>
+              </a:endParaRPr>
+            </a:p>
+          </p:txBody>
+        </p:sp>
+      </p:grpSp>
+    </p:spTree>
+    <p:extLst>
+      <p:ext uri="{BB962C8B-B14F-4D97-AF65-F5344CB8AC3E}">
+        <p14:creationId xmlns:p14="http://schemas.microsoft.com/office/powerpoint/2010/main" val="2025746443"/>
+      </p:ext>
+    </p:extLst>
+  </p:cSld>
+  <p:clrMapOvr>
+    <a:masterClrMapping/>
+  </p:clrMapOvr>
+</p:sld>
+</file>
+
+<file path=ppt/slides/slide6.xml><?xml version="1.0" encoding="utf-8"?>
+<p:sld xmlns:a="http://schemas.openxmlformats.org/drawingml/2006/main" xmlns:r="http://schemas.openxmlformats.org/officeDocument/2006/relationships" xmlns:p="http://schemas.openxmlformats.org/presentationml/2006/main">
+  <p:cSld>
+    <p:spTree>
+      <p:nvGrpSpPr>
+        <p:cNvPr id="1" name=""/>
+        <p:cNvGrpSpPr/>
+        <p:nvPr/>
+      </p:nvGrpSpPr>
+      <p:grpSpPr>
+        <a:xfrm>
+          <a:off x="0" y="0"/>
+          <a:ext cx="0" cy="0"/>
+          <a:chOff x="0" y="0"/>
+          <a:chExt cx="0" cy="0"/>
+        </a:xfrm>
+      </p:grpSpPr>
+      <p:sp>
+        <p:nvSpPr>
+          <p:cNvPr id="34818" name="Rectangle 2"/>
+          <p:cNvSpPr>
+            <a:spLocks noGrp="1" noChangeArrowheads="1"/>
+          </p:cNvSpPr>
+          <p:nvPr>
+            <p:ph type="title"/>
+          </p:nvPr>
+        </p:nvSpPr>
+        <p:spPr/>
+        <p:txBody>
+          <a:bodyPr/>
+          <a:lstStyle/>
+          <a:p>
+            <a:r>
               <a:rPr lang="en-US" altLang="de-DE" dirty="0"/>
               <a:t>Microservice Identification … so far!</a:t>
             </a:r>
@@ -11743,7 +16300,7 @@
           <a:p>
             <a:fld id="{671342AB-2D21-4183-8B98-98B52FD7365F}" type="datetime1">
               <a:rPr lang="de-DE" smtClean="0"/>
-              <a:t>04.02.2019</a:t>
+              <a:t>07.02.2019</a:t>
             </a:fld>
             <a:endParaRPr lang="de-DE" dirty="0"/>
           </a:p>
@@ -12918,7 +17475,7 @@
 </p:sld>
 </file>
 
-<file path=ppt/slides/slide6.xml><?xml version="1.0" encoding="utf-8"?>
+<file path=ppt/slides/slide7.xml><?xml version="1.0" encoding="utf-8"?>
 <p:sld xmlns:a="http://schemas.openxmlformats.org/drawingml/2006/main" xmlns:r="http://schemas.openxmlformats.org/officeDocument/2006/relationships" xmlns:p="http://schemas.openxmlformats.org/presentationml/2006/main">
   <p:cSld>
     <p:spTree>
@@ -13060,7 +17617,7 @@
           <a:p>
             <a:fld id="{671342AB-2D21-4183-8B98-98B52FD7365F}" type="datetime1">
               <a:rPr lang="de-DE" smtClean="0"/>
-              <a:t>04.02.2019</a:t>
+              <a:t>07.02.2019</a:t>
             </a:fld>
             <a:endParaRPr lang="de-DE" dirty="0"/>
           </a:p>
@@ -13683,7 +18240,7 @@
 </p:sld>
 </file>
 
-<file path=ppt/slides/slide7.xml><?xml version="1.0" encoding="utf-8"?>
+<file path=ppt/slides/slide8.xml><?xml version="1.0" encoding="utf-8"?>
 <p:sld xmlns:a="http://schemas.openxmlformats.org/drawingml/2006/main" xmlns:r="http://schemas.openxmlformats.org/officeDocument/2006/relationships" xmlns:p="http://schemas.openxmlformats.org/presentationml/2006/main">
   <p:cSld>
     <p:spTree>
@@ -13748,7 +18305,7 @@
           <a:p>
             <a:fld id="{671342AB-2D21-4183-8B98-98B52FD7365F}" type="datetime1">
               <a:rPr lang="de-DE" smtClean="0"/>
-              <a:t>04.02.2019</a:t>
+              <a:t>07.02.2019</a:t>
             </a:fld>
             <a:endParaRPr lang="de-DE" dirty="0"/>
           </a:p>
@@ -14401,7 +18958,7 @@
 </p:sld>
 </file>
 
-<file path=ppt/slides/slide8.xml><?xml version="1.0" encoding="utf-8"?>
+<file path=ppt/slides/slide9.xml><?xml version="1.0" encoding="utf-8"?>
 <p:sld xmlns:a="http://schemas.openxmlformats.org/drawingml/2006/main" xmlns:r="http://schemas.openxmlformats.org/officeDocument/2006/relationships" xmlns:p="http://schemas.openxmlformats.org/presentationml/2006/main">
   <p:cSld>
     <p:spTree>
@@ -14466,7 +19023,7 @@
           <a:p>
             <a:fld id="{671342AB-2D21-4183-8B98-98B52FD7365F}" type="datetime1">
               <a:rPr lang="de-DE" smtClean="0"/>
-              <a:t>04.02.2019</a:t>
+              <a:t>07.02.2019</a:t>
             </a:fld>
             <a:endParaRPr lang="de-DE" dirty="0"/>
           </a:p>
@@ -15110,2417 +19667,6 @@
     <p:extLst>
       <p:ext uri="{BB962C8B-B14F-4D97-AF65-F5344CB8AC3E}">
         <p14:creationId xmlns:p14="http://schemas.microsoft.com/office/powerpoint/2010/main" val="798174238"/>
-      </p:ext>
-    </p:extLst>
-  </p:cSld>
-  <p:clrMapOvr>
-    <a:masterClrMapping/>
-  </p:clrMapOvr>
-</p:sld>
-</file>
-
-<file path=ppt/slides/slide9.xml><?xml version="1.0" encoding="utf-8"?>
-<p:sld xmlns:a="http://schemas.openxmlformats.org/drawingml/2006/main" xmlns:r="http://schemas.openxmlformats.org/officeDocument/2006/relationships" xmlns:p="http://schemas.openxmlformats.org/presentationml/2006/main">
-  <p:cSld>
-    <p:spTree>
-      <p:nvGrpSpPr>
-        <p:cNvPr id="1" name=""/>
-        <p:cNvGrpSpPr/>
-        <p:nvPr/>
-      </p:nvGrpSpPr>
-      <p:grpSpPr>
-        <a:xfrm>
-          <a:off x="0" y="0"/>
-          <a:ext cx="0" cy="0"/>
-          <a:chOff x="0" y="0"/>
-          <a:chExt cx="0" cy="0"/>
-        </a:xfrm>
-      </p:grpSpPr>
-      <p:sp>
-        <p:nvSpPr>
-          <p:cNvPr id="34818" name="Rectangle 2"/>
-          <p:cNvSpPr>
-            <a:spLocks noGrp="1" noChangeArrowheads="1"/>
-          </p:cNvSpPr>
-          <p:nvPr>
-            <p:ph type="title"/>
-          </p:nvPr>
-        </p:nvSpPr>
-        <p:spPr/>
-        <p:txBody>
-          <a:bodyPr/>
-          <a:lstStyle/>
-          <a:p>
-            <a:r>
-              <a:rPr lang="en-US" altLang="de-DE" dirty="0"/>
-              <a:t>Basic Approach: </a:t>
-            </a:r>
-            <a:r>
-              <a:rPr lang="en-US" altLang="de-DE" i="1" dirty="0"/>
-              <a:t>Object-aware Identification of Microservices</a:t>
-            </a:r>
-            <a:endParaRPr lang="en-US" altLang="de-DE" dirty="0"/>
-          </a:p>
-        </p:txBody>
-      </p:sp>
-      <p:sp>
-        <p:nvSpPr>
-          <p:cNvPr id="2" name="Datumsplatzhalter 1"/>
-          <p:cNvSpPr>
-            <a:spLocks noGrp="1"/>
-          </p:cNvSpPr>
-          <p:nvPr>
-            <p:ph type="dt" sz="half" idx="10"/>
-          </p:nvPr>
-        </p:nvSpPr>
-        <p:spPr>
-          <a:xfrm>
-            <a:off x="612000" y="6444000"/>
-            <a:ext cx="1044000" cy="360000"/>
-          </a:xfrm>
-        </p:spPr>
-        <p:txBody>
-          <a:bodyPr/>
-          <a:lstStyle/>
-          <a:p>
-            <a:fld id="{671342AB-2D21-4183-8B98-98B52FD7365F}" type="datetime1">
-              <a:rPr lang="de-DE" smtClean="0"/>
-              <a:t>04.02.2019</a:t>
-            </a:fld>
-            <a:endParaRPr lang="de-DE" dirty="0"/>
-          </a:p>
-        </p:txBody>
-      </p:sp>
-      <p:grpSp>
-        <p:nvGrpSpPr>
-          <p:cNvPr id="6" name="Gruppieren 21">
-            <a:extLst>
-              <a:ext uri="{FF2B5EF4-FFF2-40B4-BE49-F238E27FC236}">
-                <a16:creationId xmlns:a16="http://schemas.microsoft.com/office/drawing/2014/main" id="{0040E27B-FD00-4BB9-BF34-EAF5642F9005}"/>
-              </a:ext>
-            </a:extLst>
-          </p:cNvPr>
-          <p:cNvGrpSpPr/>
-          <p:nvPr/>
-        </p:nvGrpSpPr>
-        <p:grpSpPr>
-          <a:xfrm>
-            <a:off x="25400" y="5986694"/>
-            <a:ext cx="9072000" cy="507293"/>
-            <a:chOff x="25400" y="5986694"/>
-            <a:chExt cx="9072000" cy="507293"/>
-          </a:xfrm>
-        </p:grpSpPr>
-        <p:sp>
-          <p:nvSpPr>
-            <p:cNvPr id="7" name="Textfeld 13">
-              <a:extLst>
-                <a:ext uri="{FF2B5EF4-FFF2-40B4-BE49-F238E27FC236}">
-                  <a16:creationId xmlns:a16="http://schemas.microsoft.com/office/drawing/2014/main" id="{BAAA255A-DE4E-43FC-B6C9-980B8990A863}"/>
-                </a:ext>
-              </a:extLst>
-            </p:cNvPr>
-            <p:cNvSpPr txBox="1"/>
-            <p:nvPr/>
-          </p:nvSpPr>
-          <p:spPr>
-            <a:xfrm>
-              <a:off x="1493183" y="6032322"/>
-              <a:ext cx="950901" cy="461665"/>
-            </a:xfrm>
-            <a:prstGeom prst="rect">
-              <a:avLst/>
-            </a:prstGeom>
-            <a:noFill/>
-            <a:ln>
-              <a:noFill/>
-            </a:ln>
-          </p:spPr>
-          <p:style>
-            <a:lnRef idx="2">
-              <a:schemeClr val="accent3"/>
-            </a:lnRef>
-            <a:fillRef idx="1">
-              <a:schemeClr val="lt1"/>
-            </a:fillRef>
-            <a:effectRef idx="0">
-              <a:schemeClr val="accent3"/>
-            </a:effectRef>
-            <a:fontRef idx="minor">
-              <a:schemeClr val="dk1"/>
-            </a:fontRef>
-          </p:style>
-          <p:txBody>
-            <a:bodyPr wrap="square" rtlCol="0">
-              <a:spAutoFit/>
-            </a:bodyPr>
-            <a:lstStyle/>
-            <a:p>
-              <a:r>
-                <a:rPr lang="en-US" sz="1200" dirty="0"/>
-                <a:t>Foundation</a:t>
-              </a:r>
-            </a:p>
-          </p:txBody>
-        </p:sp>
-        <p:sp>
-          <p:nvSpPr>
-            <p:cNvPr id="8" name="Textfeld 14">
-              <a:extLst>
-                <a:ext uri="{FF2B5EF4-FFF2-40B4-BE49-F238E27FC236}">
-                  <a16:creationId xmlns:a16="http://schemas.microsoft.com/office/drawing/2014/main" id="{20453AA5-8267-4740-BB18-83B78262BD22}"/>
-                </a:ext>
-              </a:extLst>
-            </p:cNvPr>
-            <p:cNvSpPr txBox="1"/>
-            <p:nvPr/>
-          </p:nvSpPr>
-          <p:spPr>
-            <a:xfrm>
-              <a:off x="6282440" y="6032325"/>
-              <a:ext cx="899605" cy="276999"/>
-            </a:xfrm>
-            <a:prstGeom prst="rect">
-              <a:avLst/>
-            </a:prstGeom>
-          </p:spPr>
-          <p:style>
-            <a:lnRef idx="2">
-              <a:schemeClr val="accent3"/>
-            </a:lnRef>
-            <a:fillRef idx="1">
-              <a:schemeClr val="lt1"/>
-            </a:fillRef>
-            <a:effectRef idx="0">
-              <a:schemeClr val="accent3"/>
-            </a:effectRef>
-            <a:fontRef idx="minor">
-              <a:schemeClr val="dk1"/>
-            </a:fontRef>
-          </p:style>
-          <p:txBody>
-            <a:bodyPr wrap="none" rtlCol="0">
-              <a:spAutoFit/>
-            </a:bodyPr>
-            <a:lstStyle/>
-            <a:p>
-              <a:r>
-                <a:rPr lang="en-US" sz="1200" dirty="0"/>
-                <a:t>Evaluation</a:t>
-              </a:r>
-            </a:p>
-          </p:txBody>
-        </p:sp>
-        <p:sp>
-          <p:nvSpPr>
-            <p:cNvPr id="9" name="Textfeld 8">
-              <a:extLst>
-                <a:ext uri="{FF2B5EF4-FFF2-40B4-BE49-F238E27FC236}">
-                  <a16:creationId xmlns:a16="http://schemas.microsoft.com/office/drawing/2014/main" id="{0003065F-116A-4EB7-8459-D88042241914}"/>
-                </a:ext>
-              </a:extLst>
-            </p:cNvPr>
-            <p:cNvSpPr txBox="1"/>
-            <p:nvPr/>
-          </p:nvSpPr>
-          <p:spPr>
-            <a:xfrm>
-              <a:off x="3028301" y="6032323"/>
-              <a:ext cx="1111651" cy="276999"/>
-            </a:xfrm>
-            <a:prstGeom prst="rect">
-              <a:avLst/>
-            </a:prstGeom>
-          </p:spPr>
-          <p:style>
-            <a:lnRef idx="2">
-              <a:schemeClr val="accent3"/>
-            </a:lnRef>
-            <a:fillRef idx="1">
-              <a:schemeClr val="lt1"/>
-            </a:fillRef>
-            <a:effectRef idx="0">
-              <a:schemeClr val="accent3"/>
-            </a:effectRef>
-            <a:fontRef idx="minor">
-              <a:schemeClr val="dk1"/>
-            </a:fontRef>
-          </p:style>
-          <p:txBody>
-            <a:bodyPr wrap="none" rtlCol="0">
-              <a:spAutoFit/>
-            </a:bodyPr>
-            <a:lstStyle/>
-            <a:p>
-              <a:r>
-                <a:rPr lang="en-US" sz="1200" dirty="0"/>
-                <a:t>Related Work</a:t>
-              </a:r>
-            </a:p>
-          </p:txBody>
-        </p:sp>
-        <p:sp>
-          <p:nvSpPr>
-            <p:cNvPr id="10" name="Textfeld 9">
-              <a:extLst>
-                <a:ext uri="{FF2B5EF4-FFF2-40B4-BE49-F238E27FC236}">
-                  <a16:creationId xmlns:a16="http://schemas.microsoft.com/office/drawing/2014/main" id="{A726C2C4-9F26-4857-993B-720F1DE49F35}"/>
-                </a:ext>
-              </a:extLst>
-            </p:cNvPr>
-            <p:cNvSpPr txBox="1"/>
-            <p:nvPr/>
-          </p:nvSpPr>
-          <p:spPr>
-            <a:xfrm>
-              <a:off x="7763010" y="6032321"/>
-              <a:ext cx="1278028" cy="276999"/>
-            </a:xfrm>
-            <a:prstGeom prst="rect">
-              <a:avLst/>
-            </a:prstGeom>
-            <a:noFill/>
-            <a:ln>
-              <a:noFill/>
-            </a:ln>
-          </p:spPr>
-          <p:style>
-            <a:lnRef idx="2">
-              <a:schemeClr val="accent3"/>
-            </a:lnRef>
-            <a:fillRef idx="1">
-              <a:schemeClr val="lt1"/>
-            </a:fillRef>
-            <a:effectRef idx="0">
-              <a:schemeClr val="accent3"/>
-            </a:effectRef>
-            <a:fontRef idx="minor">
-              <a:schemeClr val="dk1"/>
-            </a:fontRef>
-          </p:style>
-          <p:txBody>
-            <a:bodyPr wrap="square" rtlCol="0">
-              <a:spAutoFit/>
-            </a:bodyPr>
-            <a:lstStyle/>
-            <a:p>
-              <a:r>
-                <a:rPr lang="en-US" sz="1200" dirty="0"/>
-                <a:t>Summary</a:t>
-              </a:r>
-            </a:p>
-          </p:txBody>
-        </p:sp>
-        <p:sp>
-          <p:nvSpPr>
-            <p:cNvPr id="11" name="Textfeld 10">
-              <a:extLst>
-                <a:ext uri="{FF2B5EF4-FFF2-40B4-BE49-F238E27FC236}">
-                  <a16:creationId xmlns:a16="http://schemas.microsoft.com/office/drawing/2014/main" id="{AB277AF1-9FBE-44AB-A77E-54F4A3C24B2D}"/>
-                </a:ext>
-              </a:extLst>
-            </p:cNvPr>
-            <p:cNvSpPr txBox="1"/>
-            <p:nvPr/>
-          </p:nvSpPr>
-          <p:spPr>
-            <a:xfrm>
-              <a:off x="179512" y="6032321"/>
-              <a:ext cx="955711" cy="276999"/>
-            </a:xfrm>
-            <a:prstGeom prst="rect">
-              <a:avLst/>
-            </a:prstGeom>
-            <a:noFill/>
-            <a:ln>
-              <a:noFill/>
-            </a:ln>
-          </p:spPr>
-          <p:style>
-            <a:lnRef idx="2">
-              <a:schemeClr val="accent3"/>
-            </a:lnRef>
-            <a:fillRef idx="1">
-              <a:schemeClr val="lt1"/>
-            </a:fillRef>
-            <a:effectRef idx="0">
-              <a:schemeClr val="accent3"/>
-            </a:effectRef>
-            <a:fontRef idx="minor">
-              <a:schemeClr val="dk1"/>
-            </a:fontRef>
-          </p:style>
-          <p:txBody>
-            <a:bodyPr wrap="square" rtlCol="0">
-              <a:spAutoFit/>
-            </a:bodyPr>
-            <a:lstStyle/>
-            <a:p>
-              <a:r>
-                <a:rPr lang="en-US" sz="1200" dirty="0"/>
-                <a:t>Motivation</a:t>
-              </a:r>
-            </a:p>
-          </p:txBody>
-        </p:sp>
-        <p:sp>
-          <p:nvSpPr>
-            <p:cNvPr id="12" name="Eingekerbter Richtungspfeil 23">
-              <a:extLst>
-                <a:ext uri="{FF2B5EF4-FFF2-40B4-BE49-F238E27FC236}">
-                  <a16:creationId xmlns:a16="http://schemas.microsoft.com/office/drawing/2014/main" id="{05A79C9A-C2A8-47C9-A061-08591E151049}"/>
-                </a:ext>
-              </a:extLst>
-            </p:cNvPr>
-            <p:cNvSpPr/>
-            <p:nvPr/>
-          </p:nvSpPr>
-          <p:spPr>
-            <a:xfrm>
-              <a:off x="1234955" y="6091573"/>
-              <a:ext cx="158496" cy="158496"/>
-            </a:xfrm>
-            <a:prstGeom prst="chevron">
-              <a:avLst/>
-            </a:prstGeom>
-          </p:spPr>
-          <p:style>
-            <a:lnRef idx="1">
-              <a:schemeClr val="accent4"/>
-            </a:lnRef>
-            <a:fillRef idx="2">
-              <a:schemeClr val="accent4"/>
-            </a:fillRef>
-            <a:effectRef idx="1">
-              <a:schemeClr val="accent4"/>
-            </a:effectRef>
-            <a:fontRef idx="minor">
-              <a:schemeClr val="dk1"/>
-            </a:fontRef>
-          </p:style>
-          <p:txBody>
-            <a:bodyPr rtlCol="0" anchor="ctr"/>
-            <a:lstStyle/>
-            <a:p>
-              <a:pPr algn="ctr"/>
-              <a:endParaRPr lang="de-DE" dirty="0">
-                <a:solidFill>
-                  <a:schemeClr val="tx1"/>
-                </a:solidFill>
-              </a:endParaRPr>
-            </a:p>
-          </p:txBody>
-        </p:sp>
-        <p:sp>
-          <p:nvSpPr>
-            <p:cNvPr id="13" name="Eingekerbter Richtungspfeil 24">
-              <a:extLst>
-                <a:ext uri="{FF2B5EF4-FFF2-40B4-BE49-F238E27FC236}">
-                  <a16:creationId xmlns:a16="http://schemas.microsoft.com/office/drawing/2014/main" id="{93F73314-AFE2-4A7B-B351-D0D77AC858C3}"/>
-                </a:ext>
-              </a:extLst>
-            </p:cNvPr>
-            <p:cNvSpPr/>
-            <p:nvPr/>
-          </p:nvSpPr>
-          <p:spPr>
-            <a:xfrm>
-              <a:off x="2577480" y="6091574"/>
-              <a:ext cx="158496" cy="158496"/>
-            </a:xfrm>
-            <a:prstGeom prst="chevron">
-              <a:avLst/>
-            </a:prstGeom>
-          </p:spPr>
-          <p:style>
-            <a:lnRef idx="1">
-              <a:schemeClr val="accent4"/>
-            </a:lnRef>
-            <a:fillRef idx="2">
-              <a:schemeClr val="accent4"/>
-            </a:fillRef>
-            <a:effectRef idx="1">
-              <a:schemeClr val="accent4"/>
-            </a:effectRef>
-            <a:fontRef idx="minor">
-              <a:schemeClr val="dk1"/>
-            </a:fontRef>
-          </p:style>
-          <p:txBody>
-            <a:bodyPr rtlCol="0" anchor="ctr"/>
-            <a:lstStyle/>
-            <a:p>
-              <a:pPr algn="ctr"/>
-              <a:endParaRPr lang="de-DE">
-                <a:solidFill>
-                  <a:schemeClr val="tx1"/>
-                </a:solidFill>
-              </a:endParaRPr>
-            </a:p>
-          </p:txBody>
-        </p:sp>
-        <p:sp>
-          <p:nvSpPr>
-            <p:cNvPr id="14" name="Eingekerbter Richtungspfeil 25">
-              <a:extLst>
-                <a:ext uri="{FF2B5EF4-FFF2-40B4-BE49-F238E27FC236}">
-                  <a16:creationId xmlns:a16="http://schemas.microsoft.com/office/drawing/2014/main" id="{E51CB0DD-B40B-4DA3-9813-56079C531A80}"/>
-                </a:ext>
-              </a:extLst>
-            </p:cNvPr>
-            <p:cNvSpPr/>
-            <p:nvPr/>
-          </p:nvSpPr>
-          <p:spPr>
-            <a:xfrm>
-              <a:off x="4269488" y="6091575"/>
-              <a:ext cx="158496" cy="158496"/>
-            </a:xfrm>
-            <a:prstGeom prst="chevron">
-              <a:avLst/>
-            </a:prstGeom>
-          </p:spPr>
-          <p:style>
-            <a:lnRef idx="1">
-              <a:schemeClr val="accent4"/>
-            </a:lnRef>
-            <a:fillRef idx="2">
-              <a:schemeClr val="accent4"/>
-            </a:fillRef>
-            <a:effectRef idx="1">
-              <a:schemeClr val="accent4"/>
-            </a:effectRef>
-            <a:fontRef idx="minor">
-              <a:schemeClr val="dk1"/>
-            </a:fontRef>
-          </p:style>
-          <p:txBody>
-            <a:bodyPr rtlCol="0" anchor="ctr"/>
-            <a:lstStyle/>
-            <a:p>
-              <a:pPr algn="ctr"/>
-              <a:endParaRPr lang="de-DE">
-                <a:solidFill>
-                  <a:schemeClr val="tx1"/>
-                </a:solidFill>
-              </a:endParaRPr>
-            </a:p>
-          </p:txBody>
-        </p:sp>
-        <p:sp>
-          <p:nvSpPr>
-            <p:cNvPr id="15" name="Textfeld 14">
-              <a:extLst>
-                <a:ext uri="{FF2B5EF4-FFF2-40B4-BE49-F238E27FC236}">
-                  <a16:creationId xmlns:a16="http://schemas.microsoft.com/office/drawing/2014/main" id="{5C484D65-4E97-430B-9F41-F04C2D378E09}"/>
-                </a:ext>
-              </a:extLst>
-            </p:cNvPr>
-            <p:cNvSpPr txBox="1"/>
-            <p:nvPr/>
-          </p:nvSpPr>
-          <p:spPr>
-            <a:xfrm>
-              <a:off x="4788024" y="6032324"/>
-              <a:ext cx="902811" cy="276999"/>
-            </a:xfrm>
-            <a:prstGeom prst="rect">
-              <a:avLst/>
-            </a:prstGeom>
-          </p:spPr>
-          <p:style>
-            <a:lnRef idx="2">
-              <a:schemeClr val="accent3"/>
-            </a:lnRef>
-            <a:fillRef idx="1">
-              <a:schemeClr val="lt1"/>
-            </a:fillRef>
-            <a:effectRef idx="0">
-              <a:schemeClr val="accent3"/>
-            </a:effectRef>
-            <a:fontRef idx="minor">
-              <a:schemeClr val="dk1"/>
-            </a:fontRef>
-          </p:style>
-          <p:txBody>
-            <a:bodyPr wrap="none" rtlCol="0">
-              <a:spAutoFit/>
-            </a:bodyPr>
-            <a:lstStyle/>
-            <a:p>
-              <a:r>
-                <a:rPr lang="en-US" sz="1200" b="1" dirty="0"/>
-                <a:t>Approach</a:t>
-              </a:r>
-            </a:p>
-          </p:txBody>
-        </p:sp>
-        <p:sp>
-          <p:nvSpPr>
-            <p:cNvPr id="16" name="Eingekerbter Richtungspfeil 27">
-              <a:extLst>
-                <a:ext uri="{FF2B5EF4-FFF2-40B4-BE49-F238E27FC236}">
-                  <a16:creationId xmlns:a16="http://schemas.microsoft.com/office/drawing/2014/main" id="{E768B783-C92B-40F8-9CF6-761F508F5A01}"/>
-                </a:ext>
-              </a:extLst>
-            </p:cNvPr>
-            <p:cNvSpPr/>
-            <p:nvPr/>
-          </p:nvSpPr>
-          <p:spPr>
-            <a:xfrm>
-              <a:off x="7320057" y="6091577"/>
-              <a:ext cx="158496" cy="158496"/>
-            </a:xfrm>
-            <a:prstGeom prst="chevron">
-              <a:avLst/>
-            </a:prstGeom>
-          </p:spPr>
-          <p:style>
-            <a:lnRef idx="1">
-              <a:schemeClr val="accent4"/>
-            </a:lnRef>
-            <a:fillRef idx="2">
-              <a:schemeClr val="accent4"/>
-            </a:fillRef>
-            <a:effectRef idx="1">
-              <a:schemeClr val="accent4"/>
-            </a:effectRef>
-            <a:fontRef idx="minor">
-              <a:schemeClr val="dk1"/>
-            </a:fontRef>
-          </p:style>
-          <p:txBody>
-            <a:bodyPr rtlCol="0" anchor="ctr"/>
-            <a:lstStyle/>
-            <a:p>
-              <a:pPr algn="ctr"/>
-              <a:endParaRPr lang="de-DE">
-                <a:solidFill>
-                  <a:schemeClr val="tx1"/>
-                </a:solidFill>
-              </a:endParaRPr>
-            </a:p>
-          </p:txBody>
-        </p:sp>
-        <p:cxnSp>
-          <p:nvCxnSpPr>
-            <p:cNvPr id="17" name="Gerade Verbindung 28">
-              <a:extLst>
-                <a:ext uri="{FF2B5EF4-FFF2-40B4-BE49-F238E27FC236}">
-                  <a16:creationId xmlns:a16="http://schemas.microsoft.com/office/drawing/2014/main" id="{BC764CA6-47FB-49B6-964C-7052FC337673}"/>
-                </a:ext>
-              </a:extLst>
-            </p:cNvPr>
-            <p:cNvCxnSpPr/>
-            <p:nvPr/>
-          </p:nvCxnSpPr>
-          <p:spPr>
-            <a:xfrm>
-              <a:off x="25400" y="5986694"/>
-              <a:ext cx="9072000" cy="1588"/>
-            </a:xfrm>
-            <a:prstGeom prst="line">
-              <a:avLst/>
-            </a:prstGeom>
-            <a:ln w="41275">
-              <a:solidFill>
-                <a:schemeClr val="accent3">
-                  <a:lumMod val="85000"/>
-                </a:schemeClr>
-              </a:solidFill>
-            </a:ln>
-          </p:spPr>
-          <p:style>
-            <a:lnRef idx="1">
-              <a:schemeClr val="accent1"/>
-            </a:lnRef>
-            <a:fillRef idx="0">
-              <a:schemeClr val="accent1"/>
-            </a:fillRef>
-            <a:effectRef idx="0">
-              <a:schemeClr val="accent1"/>
-            </a:effectRef>
-            <a:fontRef idx="minor">
-              <a:schemeClr val="tx1"/>
-            </a:fontRef>
-          </p:style>
-        </p:cxnSp>
-        <p:sp>
-          <p:nvSpPr>
-            <p:cNvPr id="18" name="Eingekerbter Richtungspfeil 29">
-              <a:extLst>
-                <a:ext uri="{FF2B5EF4-FFF2-40B4-BE49-F238E27FC236}">
-                  <a16:creationId xmlns:a16="http://schemas.microsoft.com/office/drawing/2014/main" id="{789A9915-BB3D-4F64-995D-EEE4479DB224}"/>
-                </a:ext>
-              </a:extLst>
-            </p:cNvPr>
-            <p:cNvSpPr/>
-            <p:nvPr/>
-          </p:nvSpPr>
-          <p:spPr>
-            <a:xfrm>
-              <a:off x="5925672" y="6091576"/>
-              <a:ext cx="158496" cy="158496"/>
-            </a:xfrm>
-            <a:prstGeom prst="chevron">
-              <a:avLst/>
-            </a:prstGeom>
-          </p:spPr>
-          <p:style>
-            <a:lnRef idx="1">
-              <a:schemeClr val="accent4"/>
-            </a:lnRef>
-            <a:fillRef idx="2">
-              <a:schemeClr val="accent4"/>
-            </a:fillRef>
-            <a:effectRef idx="1">
-              <a:schemeClr val="accent4"/>
-            </a:effectRef>
-            <a:fontRef idx="minor">
-              <a:schemeClr val="dk1"/>
-            </a:fontRef>
-          </p:style>
-          <p:txBody>
-            <a:bodyPr rtlCol="0" anchor="ctr"/>
-            <a:lstStyle/>
-            <a:p>
-              <a:pPr algn="ctr"/>
-              <a:endParaRPr lang="de-DE">
-                <a:solidFill>
-                  <a:schemeClr val="tx1"/>
-                </a:solidFill>
-              </a:endParaRPr>
-            </a:p>
-          </p:txBody>
-        </p:sp>
-      </p:grpSp>
-      <p:pic>
-        <p:nvPicPr>
-          <p:cNvPr id="4" name="Grafik 3">
-            <a:extLst>
-              <a:ext uri="{FF2B5EF4-FFF2-40B4-BE49-F238E27FC236}">
-                <a16:creationId xmlns:a16="http://schemas.microsoft.com/office/drawing/2014/main" id="{14DB6A31-3B71-480F-9744-5360540A7786}"/>
-              </a:ext>
-            </a:extLst>
-          </p:cNvPr>
-          <p:cNvPicPr>
-            <a:picLocks noChangeAspect="1"/>
-          </p:cNvPicPr>
-          <p:nvPr/>
-        </p:nvPicPr>
-        <p:blipFill>
-          <a:blip r:embed="rId2"/>
-          <a:stretch>
-            <a:fillRect/>
-          </a:stretch>
-        </p:blipFill>
-        <p:spPr>
-          <a:xfrm>
-            <a:off x="2711403" y="777868"/>
-            <a:ext cx="4757539" cy="1158404"/>
-          </a:xfrm>
-          <a:prstGeom prst="rect">
-            <a:avLst/>
-          </a:prstGeom>
-        </p:spPr>
-      </p:pic>
-      <p:pic>
-        <p:nvPicPr>
-          <p:cNvPr id="5" name="Grafik 4">
-            <a:extLst>
-              <a:ext uri="{FF2B5EF4-FFF2-40B4-BE49-F238E27FC236}">
-                <a16:creationId xmlns:a16="http://schemas.microsoft.com/office/drawing/2014/main" id="{84EF4BD5-DD04-4627-8514-F2087597CAC4}"/>
-              </a:ext>
-            </a:extLst>
-          </p:cNvPr>
-          <p:cNvPicPr>
-            <a:picLocks noChangeAspect="1"/>
-          </p:cNvPicPr>
-          <p:nvPr/>
-        </p:nvPicPr>
-        <p:blipFill>
-          <a:blip r:embed="rId3"/>
-          <a:stretch>
-            <a:fillRect/>
-          </a:stretch>
-        </p:blipFill>
-        <p:spPr>
-          <a:xfrm>
-            <a:off x="1761588" y="1990813"/>
-            <a:ext cx="1993896" cy="1269370"/>
-          </a:xfrm>
-          <a:prstGeom prst="rect">
-            <a:avLst/>
-          </a:prstGeom>
-        </p:spPr>
-      </p:pic>
-      <p:pic>
-        <p:nvPicPr>
-          <p:cNvPr id="19" name="Grafik 18">
-            <a:extLst>
-              <a:ext uri="{FF2B5EF4-FFF2-40B4-BE49-F238E27FC236}">
-                <a16:creationId xmlns:a16="http://schemas.microsoft.com/office/drawing/2014/main" id="{0D180BB6-6921-48E2-AD6C-52EAA575225B}"/>
-              </a:ext>
-            </a:extLst>
-          </p:cNvPr>
-          <p:cNvPicPr>
-            <a:picLocks noChangeAspect="1"/>
-          </p:cNvPicPr>
-          <p:nvPr/>
-        </p:nvPicPr>
-        <p:blipFill>
-          <a:blip r:embed="rId4"/>
-          <a:stretch>
-            <a:fillRect/>
-          </a:stretch>
-        </p:blipFill>
-        <p:spPr>
-          <a:xfrm>
-            <a:off x="5462700" y="1935865"/>
-            <a:ext cx="2171901" cy="1269369"/>
-          </a:xfrm>
-          <a:prstGeom prst="rect">
-            <a:avLst/>
-          </a:prstGeom>
-        </p:spPr>
-      </p:pic>
-      <p:pic>
-        <p:nvPicPr>
-          <p:cNvPr id="20" name="Grafik 19">
-            <a:extLst>
-              <a:ext uri="{FF2B5EF4-FFF2-40B4-BE49-F238E27FC236}">
-                <a16:creationId xmlns:a16="http://schemas.microsoft.com/office/drawing/2014/main" id="{32EDE56F-DF26-4A66-A527-0DA54FD0D4CB}"/>
-              </a:ext>
-            </a:extLst>
-          </p:cNvPr>
-          <p:cNvPicPr>
-            <a:picLocks noChangeAspect="1"/>
-          </p:cNvPicPr>
-          <p:nvPr/>
-        </p:nvPicPr>
-        <p:blipFill>
-          <a:blip r:embed="rId5"/>
-          <a:stretch>
-            <a:fillRect/>
-          </a:stretch>
-        </p:blipFill>
-        <p:spPr>
-          <a:xfrm>
-            <a:off x="1761588" y="3486317"/>
-            <a:ext cx="1993896" cy="1263016"/>
-          </a:xfrm>
-          <a:prstGeom prst="rect">
-            <a:avLst/>
-          </a:prstGeom>
-        </p:spPr>
-      </p:pic>
-      <p:sp>
-        <p:nvSpPr>
-          <p:cNvPr id="23" name="Rectangle 3">
-            <a:extLst>
-              <a:ext uri="{FF2B5EF4-FFF2-40B4-BE49-F238E27FC236}">
-                <a16:creationId xmlns:a16="http://schemas.microsoft.com/office/drawing/2014/main" id="{92BA64B6-6D64-4BB5-80D7-DBDD0169F823}"/>
-              </a:ext>
-            </a:extLst>
-          </p:cNvPr>
-          <p:cNvSpPr txBox="1">
-            <a:spLocks noChangeArrowheads="1"/>
-          </p:cNvSpPr>
-          <p:nvPr/>
-        </p:nvSpPr>
-        <p:spPr bwMode="auto">
-          <a:xfrm>
-            <a:off x="552081" y="1336365"/>
-            <a:ext cx="1993896" cy="356503"/>
-          </a:xfrm>
-          <a:prstGeom prst="rect">
-            <a:avLst/>
-          </a:prstGeom>
-          <a:noFill/>
-          <a:ln>
-            <a:noFill/>
-          </a:ln>
-          <a:extLst>
-            <a:ext uri="{909E8E84-426E-40DD-AFC4-6F175D3DCCD1}">
-              <a14:hiddenFill xmlns:a14="http://schemas.microsoft.com/office/drawing/2010/main">
-                <a:solidFill>
-                  <a:srgbClr val="FFFFFF"/>
-                </a:solidFill>
-              </a14:hiddenFill>
-            </a:ext>
-            <a:ext uri="{91240B29-F687-4F45-9708-019B960494DF}">
-              <a14:hiddenLine xmlns:a14="http://schemas.microsoft.com/office/drawing/2010/main" w="9525">
-                <a:solidFill>
-                  <a:srgbClr val="000000"/>
-                </a:solidFill>
-                <a:miter lim="800000"/>
-                <a:headEnd/>
-                <a:tailEnd/>
-              </a14:hiddenLine>
-            </a:ext>
-          </a:extLst>
-        </p:spPr>
-        <p:txBody>
-          <a:bodyPr vert="horz" wrap="square" lIns="0" tIns="0" rIns="0" bIns="0" numCol="1" anchor="t" anchorCtr="0" compatLnSpc="1">
-            <a:prstTxWarp prst="textNoShape">
-              <a:avLst/>
-            </a:prstTxWarp>
-          </a:bodyPr>
-          <a:lstStyle>
-            <a:lvl1pPr marL="314325" indent="-314325" algn="l" rtl="0" eaLnBrk="1" fontAlgn="base" hangingPunct="1">
-              <a:spcBef>
-                <a:spcPct val="20000"/>
-              </a:spcBef>
-              <a:spcAft>
-                <a:spcPct val="0"/>
-              </a:spcAft>
-              <a:buBlip>
-                <a:blip r:embed="rId6"/>
-              </a:buBlip>
-              <a:defRPr sz="2000">
-                <a:solidFill>
-                  <a:schemeClr val="tx1"/>
-                </a:solidFill>
-                <a:latin typeface="+mn-lt"/>
-                <a:ea typeface="+mn-ea"/>
-                <a:cs typeface="+mn-cs"/>
-              </a:defRPr>
-            </a:lvl1pPr>
-            <a:lvl2pPr marL="790575" indent="-314325" algn="l" rtl="0" eaLnBrk="1" fontAlgn="base" hangingPunct="1">
-              <a:spcBef>
-                <a:spcPct val="20000"/>
-              </a:spcBef>
-              <a:spcAft>
-                <a:spcPct val="0"/>
-              </a:spcAft>
-              <a:buBlip>
-                <a:blip r:embed="rId7"/>
-              </a:buBlip>
-              <a:defRPr>
-                <a:solidFill>
-                  <a:schemeClr val="tx1"/>
-                </a:solidFill>
-                <a:latin typeface="+mn-lt"/>
-              </a:defRPr>
-            </a:lvl2pPr>
-            <a:lvl3pPr marL="1209675" indent="-276225" algn="l" rtl="0" eaLnBrk="1" fontAlgn="base" hangingPunct="1">
-              <a:spcBef>
-                <a:spcPct val="20000"/>
-              </a:spcBef>
-              <a:spcAft>
-                <a:spcPct val="0"/>
-              </a:spcAft>
-              <a:buBlip>
-                <a:blip r:embed="rId8"/>
-              </a:buBlip>
-              <a:defRPr sz="1600">
-                <a:solidFill>
-                  <a:schemeClr val="tx1"/>
-                </a:solidFill>
-                <a:latin typeface="+mn-lt"/>
-              </a:defRPr>
-            </a:lvl3pPr>
-            <a:lvl4pPr marL="1657350" indent="-276225" algn="l" rtl="0" eaLnBrk="1" fontAlgn="base" hangingPunct="1">
-              <a:spcBef>
-                <a:spcPct val="20000"/>
-              </a:spcBef>
-              <a:spcAft>
-                <a:spcPct val="0"/>
-              </a:spcAft>
-              <a:buBlip>
-                <a:blip r:embed="rId8"/>
-              </a:buBlip>
-              <a:defRPr sz="1600">
-                <a:solidFill>
-                  <a:schemeClr val="tx1"/>
-                </a:solidFill>
-                <a:latin typeface="+mn-lt"/>
-              </a:defRPr>
-            </a:lvl4pPr>
-            <a:lvl5pPr marL="2095500" indent="-276225" algn="l" rtl="0" eaLnBrk="1" fontAlgn="base" hangingPunct="1">
-              <a:spcBef>
-                <a:spcPct val="20000"/>
-              </a:spcBef>
-              <a:spcAft>
-                <a:spcPct val="0"/>
-              </a:spcAft>
-              <a:buBlip>
-                <a:blip r:embed="rId8"/>
-              </a:buBlip>
-              <a:defRPr sz="1600">
-                <a:solidFill>
-                  <a:schemeClr val="tx1"/>
-                </a:solidFill>
-                <a:latin typeface="+mn-lt"/>
-              </a:defRPr>
-            </a:lvl5pPr>
-            <a:lvl6pPr marL="2514600" indent="-228600" algn="l" rtl="0" eaLnBrk="1" fontAlgn="base" hangingPunct="1">
-              <a:spcBef>
-                <a:spcPct val="20000"/>
-              </a:spcBef>
-              <a:spcAft>
-                <a:spcPct val="0"/>
-              </a:spcAft>
-              <a:buSzPct val="60000"/>
-              <a:buBlip>
-                <a:blip r:embed="rId9"/>
-              </a:buBlip>
-              <a:defRPr sz="1400">
-                <a:solidFill>
-                  <a:schemeClr val="tx1"/>
-                </a:solidFill>
-                <a:latin typeface="+mn-lt"/>
-              </a:defRPr>
-            </a:lvl6pPr>
-            <a:lvl7pPr marL="2971800" indent="-228600" algn="l" rtl="0" eaLnBrk="1" fontAlgn="base" hangingPunct="1">
-              <a:spcBef>
-                <a:spcPct val="20000"/>
-              </a:spcBef>
-              <a:spcAft>
-                <a:spcPct val="0"/>
-              </a:spcAft>
-              <a:buSzPct val="60000"/>
-              <a:buBlip>
-                <a:blip r:embed="rId9"/>
-              </a:buBlip>
-              <a:defRPr sz="1400">
-                <a:solidFill>
-                  <a:schemeClr val="tx1"/>
-                </a:solidFill>
-                <a:latin typeface="+mn-lt"/>
-              </a:defRPr>
-            </a:lvl7pPr>
-            <a:lvl8pPr marL="3429000" indent="-228600" algn="l" rtl="0" eaLnBrk="1" fontAlgn="base" hangingPunct="1">
-              <a:spcBef>
-                <a:spcPct val="20000"/>
-              </a:spcBef>
-              <a:spcAft>
-                <a:spcPct val="0"/>
-              </a:spcAft>
-              <a:buSzPct val="60000"/>
-              <a:buBlip>
-                <a:blip r:embed="rId9"/>
-              </a:buBlip>
-              <a:defRPr sz="1400">
-                <a:solidFill>
-                  <a:schemeClr val="tx1"/>
-                </a:solidFill>
-                <a:latin typeface="+mn-lt"/>
-              </a:defRPr>
-            </a:lvl8pPr>
-            <a:lvl9pPr marL="3886200" indent="-228600" algn="l" rtl="0" eaLnBrk="1" fontAlgn="base" hangingPunct="1">
-              <a:spcBef>
-                <a:spcPct val="20000"/>
-              </a:spcBef>
-              <a:spcAft>
-                <a:spcPct val="0"/>
-              </a:spcAft>
-              <a:buSzPct val="60000"/>
-              <a:buBlip>
-                <a:blip r:embed="rId9"/>
-              </a:buBlip>
-              <a:defRPr sz="1400">
-                <a:solidFill>
-                  <a:schemeClr val="tx1"/>
-                </a:solidFill>
-                <a:latin typeface="+mn-lt"/>
-              </a:defRPr>
-            </a:lvl9pPr>
-          </a:lstStyle>
-          <a:p>
-            <a:r>
-              <a:rPr lang="de-DE" altLang="de-DE" sz="1200" kern="0" dirty="0"/>
-              <a:t>BPMN Graph:</a:t>
-            </a:r>
-          </a:p>
-        </p:txBody>
-      </p:sp>
-      <p:sp>
-        <p:nvSpPr>
-          <p:cNvPr id="24" name="Rectangle 3">
-            <a:extLst>
-              <a:ext uri="{FF2B5EF4-FFF2-40B4-BE49-F238E27FC236}">
-                <a16:creationId xmlns:a16="http://schemas.microsoft.com/office/drawing/2014/main" id="{35EED49E-6D67-46BA-9D89-4637E47ACCC5}"/>
-              </a:ext>
-            </a:extLst>
-          </p:cNvPr>
-          <p:cNvSpPr txBox="1">
-            <a:spLocks noChangeArrowheads="1"/>
-          </p:cNvSpPr>
-          <p:nvPr/>
-        </p:nvSpPr>
-        <p:spPr bwMode="auto">
-          <a:xfrm>
-            <a:off x="506412" y="2268995"/>
-            <a:ext cx="1255176" cy="356503"/>
-          </a:xfrm>
-          <a:prstGeom prst="rect">
-            <a:avLst/>
-          </a:prstGeom>
-          <a:noFill/>
-          <a:ln>
-            <a:noFill/>
-          </a:ln>
-          <a:extLst>
-            <a:ext uri="{909E8E84-426E-40DD-AFC4-6F175D3DCCD1}">
-              <a14:hiddenFill xmlns:a14="http://schemas.microsoft.com/office/drawing/2010/main">
-                <a:solidFill>
-                  <a:srgbClr val="FFFFFF"/>
-                </a:solidFill>
-              </a14:hiddenFill>
-            </a:ext>
-            <a:ext uri="{91240B29-F687-4F45-9708-019B960494DF}">
-              <a14:hiddenLine xmlns:a14="http://schemas.microsoft.com/office/drawing/2010/main" w="9525">
-                <a:solidFill>
-                  <a:srgbClr val="000000"/>
-                </a:solidFill>
-                <a:miter lim="800000"/>
-                <a:headEnd/>
-                <a:tailEnd/>
-              </a14:hiddenLine>
-            </a:ext>
-          </a:extLst>
-        </p:spPr>
-        <p:txBody>
-          <a:bodyPr vert="horz" wrap="square" lIns="0" tIns="0" rIns="0" bIns="0" numCol="1" anchor="t" anchorCtr="0" compatLnSpc="1">
-            <a:prstTxWarp prst="textNoShape">
-              <a:avLst/>
-            </a:prstTxWarp>
-          </a:bodyPr>
-          <a:lstStyle>
-            <a:lvl1pPr marL="314325" indent="-314325" algn="l" rtl="0" eaLnBrk="1" fontAlgn="base" hangingPunct="1">
-              <a:spcBef>
-                <a:spcPct val="20000"/>
-              </a:spcBef>
-              <a:spcAft>
-                <a:spcPct val="0"/>
-              </a:spcAft>
-              <a:buBlip>
-                <a:blip r:embed="rId6"/>
-              </a:buBlip>
-              <a:defRPr sz="2000">
-                <a:solidFill>
-                  <a:schemeClr val="tx1"/>
-                </a:solidFill>
-                <a:latin typeface="+mn-lt"/>
-                <a:ea typeface="+mn-ea"/>
-                <a:cs typeface="+mn-cs"/>
-              </a:defRPr>
-            </a:lvl1pPr>
-            <a:lvl2pPr marL="790575" indent="-314325" algn="l" rtl="0" eaLnBrk="1" fontAlgn="base" hangingPunct="1">
-              <a:spcBef>
-                <a:spcPct val="20000"/>
-              </a:spcBef>
-              <a:spcAft>
-                <a:spcPct val="0"/>
-              </a:spcAft>
-              <a:buBlip>
-                <a:blip r:embed="rId7"/>
-              </a:buBlip>
-              <a:defRPr>
-                <a:solidFill>
-                  <a:schemeClr val="tx1"/>
-                </a:solidFill>
-                <a:latin typeface="+mn-lt"/>
-              </a:defRPr>
-            </a:lvl2pPr>
-            <a:lvl3pPr marL="1209675" indent="-276225" algn="l" rtl="0" eaLnBrk="1" fontAlgn="base" hangingPunct="1">
-              <a:spcBef>
-                <a:spcPct val="20000"/>
-              </a:spcBef>
-              <a:spcAft>
-                <a:spcPct val="0"/>
-              </a:spcAft>
-              <a:buBlip>
-                <a:blip r:embed="rId8"/>
-              </a:buBlip>
-              <a:defRPr sz="1600">
-                <a:solidFill>
-                  <a:schemeClr val="tx1"/>
-                </a:solidFill>
-                <a:latin typeface="+mn-lt"/>
-              </a:defRPr>
-            </a:lvl3pPr>
-            <a:lvl4pPr marL="1657350" indent="-276225" algn="l" rtl="0" eaLnBrk="1" fontAlgn="base" hangingPunct="1">
-              <a:spcBef>
-                <a:spcPct val="20000"/>
-              </a:spcBef>
-              <a:spcAft>
-                <a:spcPct val="0"/>
-              </a:spcAft>
-              <a:buBlip>
-                <a:blip r:embed="rId8"/>
-              </a:buBlip>
-              <a:defRPr sz="1600">
-                <a:solidFill>
-                  <a:schemeClr val="tx1"/>
-                </a:solidFill>
-                <a:latin typeface="+mn-lt"/>
-              </a:defRPr>
-            </a:lvl4pPr>
-            <a:lvl5pPr marL="2095500" indent="-276225" algn="l" rtl="0" eaLnBrk="1" fontAlgn="base" hangingPunct="1">
-              <a:spcBef>
-                <a:spcPct val="20000"/>
-              </a:spcBef>
-              <a:spcAft>
-                <a:spcPct val="0"/>
-              </a:spcAft>
-              <a:buBlip>
-                <a:blip r:embed="rId8"/>
-              </a:buBlip>
-              <a:defRPr sz="1600">
-                <a:solidFill>
-                  <a:schemeClr val="tx1"/>
-                </a:solidFill>
-                <a:latin typeface="+mn-lt"/>
-              </a:defRPr>
-            </a:lvl5pPr>
-            <a:lvl6pPr marL="2514600" indent="-228600" algn="l" rtl="0" eaLnBrk="1" fontAlgn="base" hangingPunct="1">
-              <a:spcBef>
-                <a:spcPct val="20000"/>
-              </a:spcBef>
-              <a:spcAft>
-                <a:spcPct val="0"/>
-              </a:spcAft>
-              <a:buSzPct val="60000"/>
-              <a:buBlip>
-                <a:blip r:embed="rId9"/>
-              </a:buBlip>
-              <a:defRPr sz="1400">
-                <a:solidFill>
-                  <a:schemeClr val="tx1"/>
-                </a:solidFill>
-                <a:latin typeface="+mn-lt"/>
-              </a:defRPr>
-            </a:lvl6pPr>
-            <a:lvl7pPr marL="2971800" indent="-228600" algn="l" rtl="0" eaLnBrk="1" fontAlgn="base" hangingPunct="1">
-              <a:spcBef>
-                <a:spcPct val="20000"/>
-              </a:spcBef>
-              <a:spcAft>
-                <a:spcPct val="0"/>
-              </a:spcAft>
-              <a:buSzPct val="60000"/>
-              <a:buBlip>
-                <a:blip r:embed="rId9"/>
-              </a:buBlip>
-              <a:defRPr sz="1400">
-                <a:solidFill>
-                  <a:schemeClr val="tx1"/>
-                </a:solidFill>
-                <a:latin typeface="+mn-lt"/>
-              </a:defRPr>
-            </a:lvl7pPr>
-            <a:lvl8pPr marL="3429000" indent="-228600" algn="l" rtl="0" eaLnBrk="1" fontAlgn="base" hangingPunct="1">
-              <a:spcBef>
-                <a:spcPct val="20000"/>
-              </a:spcBef>
-              <a:spcAft>
-                <a:spcPct val="0"/>
-              </a:spcAft>
-              <a:buSzPct val="60000"/>
-              <a:buBlip>
-                <a:blip r:embed="rId9"/>
-              </a:buBlip>
-              <a:defRPr sz="1400">
-                <a:solidFill>
-                  <a:schemeClr val="tx1"/>
-                </a:solidFill>
-                <a:latin typeface="+mn-lt"/>
-              </a:defRPr>
-            </a:lvl8pPr>
-            <a:lvl9pPr marL="3886200" indent="-228600" algn="l" rtl="0" eaLnBrk="1" fontAlgn="base" hangingPunct="1">
-              <a:spcBef>
-                <a:spcPct val="20000"/>
-              </a:spcBef>
-              <a:spcAft>
-                <a:spcPct val="0"/>
-              </a:spcAft>
-              <a:buSzPct val="60000"/>
-              <a:buBlip>
-                <a:blip r:embed="rId9"/>
-              </a:buBlip>
-              <a:defRPr sz="1400">
-                <a:solidFill>
-                  <a:schemeClr val="tx1"/>
-                </a:solidFill>
-                <a:latin typeface="+mn-lt"/>
-              </a:defRPr>
-            </a:lvl9pPr>
-          </a:lstStyle>
-          <a:p>
-            <a:r>
-              <a:rPr lang="en-US" altLang="de-DE" sz="1200" kern="0" dirty="0"/>
-              <a:t>Structural Dependency</a:t>
-            </a:r>
-          </a:p>
-        </p:txBody>
-      </p:sp>
-      <p:sp>
-        <p:nvSpPr>
-          <p:cNvPr id="25" name="Rectangle 3">
-            <a:extLst>
-              <a:ext uri="{FF2B5EF4-FFF2-40B4-BE49-F238E27FC236}">
-                <a16:creationId xmlns:a16="http://schemas.microsoft.com/office/drawing/2014/main" id="{2B0E5A71-846D-49D1-B0CE-5BD1DE80A13F}"/>
-              </a:ext>
-            </a:extLst>
-          </p:cNvPr>
-          <p:cNvSpPr txBox="1">
-            <a:spLocks noChangeArrowheads="1"/>
-          </p:cNvSpPr>
-          <p:nvPr/>
-        </p:nvSpPr>
-        <p:spPr bwMode="auto">
-          <a:xfrm>
-            <a:off x="3981504" y="2250655"/>
-            <a:ext cx="1255176" cy="356503"/>
-          </a:xfrm>
-          <a:prstGeom prst="rect">
-            <a:avLst/>
-          </a:prstGeom>
-          <a:noFill/>
-          <a:ln>
-            <a:noFill/>
-          </a:ln>
-          <a:extLst>
-            <a:ext uri="{909E8E84-426E-40DD-AFC4-6F175D3DCCD1}">
-              <a14:hiddenFill xmlns:a14="http://schemas.microsoft.com/office/drawing/2010/main">
-                <a:solidFill>
-                  <a:srgbClr val="FFFFFF"/>
-                </a:solidFill>
-              </a14:hiddenFill>
-            </a:ext>
-            <a:ext uri="{91240B29-F687-4F45-9708-019B960494DF}">
-              <a14:hiddenLine xmlns:a14="http://schemas.microsoft.com/office/drawing/2010/main" w="9525">
-                <a:solidFill>
-                  <a:srgbClr val="000000"/>
-                </a:solidFill>
-                <a:miter lim="800000"/>
-                <a:headEnd/>
-                <a:tailEnd/>
-              </a14:hiddenLine>
-            </a:ext>
-          </a:extLst>
-        </p:spPr>
-        <p:txBody>
-          <a:bodyPr vert="horz" wrap="square" lIns="0" tIns="0" rIns="0" bIns="0" numCol="1" anchor="t" anchorCtr="0" compatLnSpc="1">
-            <a:prstTxWarp prst="textNoShape">
-              <a:avLst/>
-            </a:prstTxWarp>
-          </a:bodyPr>
-          <a:lstStyle>
-            <a:lvl1pPr marL="314325" indent="-314325" algn="l" rtl="0" eaLnBrk="1" fontAlgn="base" hangingPunct="1">
-              <a:spcBef>
-                <a:spcPct val="20000"/>
-              </a:spcBef>
-              <a:spcAft>
-                <a:spcPct val="0"/>
-              </a:spcAft>
-              <a:buBlip>
-                <a:blip r:embed="rId6"/>
-              </a:buBlip>
-              <a:defRPr sz="2000">
-                <a:solidFill>
-                  <a:schemeClr val="tx1"/>
-                </a:solidFill>
-                <a:latin typeface="+mn-lt"/>
-                <a:ea typeface="+mn-ea"/>
-                <a:cs typeface="+mn-cs"/>
-              </a:defRPr>
-            </a:lvl1pPr>
-            <a:lvl2pPr marL="790575" indent="-314325" algn="l" rtl="0" eaLnBrk="1" fontAlgn="base" hangingPunct="1">
-              <a:spcBef>
-                <a:spcPct val="20000"/>
-              </a:spcBef>
-              <a:spcAft>
-                <a:spcPct val="0"/>
-              </a:spcAft>
-              <a:buBlip>
-                <a:blip r:embed="rId7"/>
-              </a:buBlip>
-              <a:defRPr>
-                <a:solidFill>
-                  <a:schemeClr val="tx1"/>
-                </a:solidFill>
-                <a:latin typeface="+mn-lt"/>
-              </a:defRPr>
-            </a:lvl2pPr>
-            <a:lvl3pPr marL="1209675" indent="-276225" algn="l" rtl="0" eaLnBrk="1" fontAlgn="base" hangingPunct="1">
-              <a:spcBef>
-                <a:spcPct val="20000"/>
-              </a:spcBef>
-              <a:spcAft>
-                <a:spcPct val="0"/>
-              </a:spcAft>
-              <a:buBlip>
-                <a:blip r:embed="rId8"/>
-              </a:buBlip>
-              <a:defRPr sz="1600">
-                <a:solidFill>
-                  <a:schemeClr val="tx1"/>
-                </a:solidFill>
-                <a:latin typeface="+mn-lt"/>
-              </a:defRPr>
-            </a:lvl3pPr>
-            <a:lvl4pPr marL="1657350" indent="-276225" algn="l" rtl="0" eaLnBrk="1" fontAlgn="base" hangingPunct="1">
-              <a:spcBef>
-                <a:spcPct val="20000"/>
-              </a:spcBef>
-              <a:spcAft>
-                <a:spcPct val="0"/>
-              </a:spcAft>
-              <a:buBlip>
-                <a:blip r:embed="rId8"/>
-              </a:buBlip>
-              <a:defRPr sz="1600">
-                <a:solidFill>
-                  <a:schemeClr val="tx1"/>
-                </a:solidFill>
-                <a:latin typeface="+mn-lt"/>
-              </a:defRPr>
-            </a:lvl4pPr>
-            <a:lvl5pPr marL="2095500" indent="-276225" algn="l" rtl="0" eaLnBrk="1" fontAlgn="base" hangingPunct="1">
-              <a:spcBef>
-                <a:spcPct val="20000"/>
-              </a:spcBef>
-              <a:spcAft>
-                <a:spcPct val="0"/>
-              </a:spcAft>
-              <a:buBlip>
-                <a:blip r:embed="rId8"/>
-              </a:buBlip>
-              <a:defRPr sz="1600">
-                <a:solidFill>
-                  <a:schemeClr val="tx1"/>
-                </a:solidFill>
-                <a:latin typeface="+mn-lt"/>
-              </a:defRPr>
-            </a:lvl5pPr>
-            <a:lvl6pPr marL="2514600" indent="-228600" algn="l" rtl="0" eaLnBrk="1" fontAlgn="base" hangingPunct="1">
-              <a:spcBef>
-                <a:spcPct val="20000"/>
-              </a:spcBef>
-              <a:spcAft>
-                <a:spcPct val="0"/>
-              </a:spcAft>
-              <a:buSzPct val="60000"/>
-              <a:buBlip>
-                <a:blip r:embed="rId9"/>
-              </a:buBlip>
-              <a:defRPr sz="1400">
-                <a:solidFill>
-                  <a:schemeClr val="tx1"/>
-                </a:solidFill>
-                <a:latin typeface="+mn-lt"/>
-              </a:defRPr>
-            </a:lvl6pPr>
-            <a:lvl7pPr marL="2971800" indent="-228600" algn="l" rtl="0" eaLnBrk="1" fontAlgn="base" hangingPunct="1">
-              <a:spcBef>
-                <a:spcPct val="20000"/>
-              </a:spcBef>
-              <a:spcAft>
-                <a:spcPct val="0"/>
-              </a:spcAft>
-              <a:buSzPct val="60000"/>
-              <a:buBlip>
-                <a:blip r:embed="rId9"/>
-              </a:buBlip>
-              <a:defRPr sz="1400">
-                <a:solidFill>
-                  <a:schemeClr val="tx1"/>
-                </a:solidFill>
-                <a:latin typeface="+mn-lt"/>
-              </a:defRPr>
-            </a:lvl7pPr>
-            <a:lvl8pPr marL="3429000" indent="-228600" algn="l" rtl="0" eaLnBrk="1" fontAlgn="base" hangingPunct="1">
-              <a:spcBef>
-                <a:spcPct val="20000"/>
-              </a:spcBef>
-              <a:spcAft>
-                <a:spcPct val="0"/>
-              </a:spcAft>
-              <a:buSzPct val="60000"/>
-              <a:buBlip>
-                <a:blip r:embed="rId9"/>
-              </a:buBlip>
-              <a:defRPr sz="1400">
-                <a:solidFill>
-                  <a:schemeClr val="tx1"/>
-                </a:solidFill>
-                <a:latin typeface="+mn-lt"/>
-              </a:defRPr>
-            </a:lvl8pPr>
-            <a:lvl9pPr marL="3886200" indent="-228600" algn="l" rtl="0" eaLnBrk="1" fontAlgn="base" hangingPunct="1">
-              <a:spcBef>
-                <a:spcPct val="20000"/>
-              </a:spcBef>
-              <a:spcAft>
-                <a:spcPct val="0"/>
-              </a:spcAft>
-              <a:buSzPct val="60000"/>
-              <a:buBlip>
-                <a:blip r:embed="rId9"/>
-              </a:buBlip>
-              <a:defRPr sz="1400">
-                <a:solidFill>
-                  <a:schemeClr val="tx1"/>
-                </a:solidFill>
-                <a:latin typeface="+mn-lt"/>
-              </a:defRPr>
-            </a:lvl9pPr>
-          </a:lstStyle>
-          <a:p>
-            <a:r>
-              <a:rPr lang="en-US" altLang="de-DE" sz="1200" kern="0" dirty="0"/>
-              <a:t>Data Object Dependency</a:t>
-            </a:r>
-          </a:p>
-        </p:txBody>
-      </p:sp>
-      <p:sp>
-        <p:nvSpPr>
-          <p:cNvPr id="26" name="Rectangle 3">
-            <a:extLst>
-              <a:ext uri="{FF2B5EF4-FFF2-40B4-BE49-F238E27FC236}">
-                <a16:creationId xmlns:a16="http://schemas.microsoft.com/office/drawing/2014/main" id="{3651AEB5-DA57-4E6D-A14E-A0A6B55E6335}"/>
-              </a:ext>
-            </a:extLst>
-          </p:cNvPr>
-          <p:cNvSpPr txBox="1">
-            <a:spLocks noChangeArrowheads="1"/>
-          </p:cNvSpPr>
-          <p:nvPr/>
-        </p:nvSpPr>
-        <p:spPr bwMode="auto">
-          <a:xfrm>
-            <a:off x="506412" y="4117825"/>
-            <a:ext cx="1255176" cy="356503"/>
-          </a:xfrm>
-          <a:prstGeom prst="rect">
-            <a:avLst/>
-          </a:prstGeom>
-          <a:noFill/>
-          <a:ln>
-            <a:noFill/>
-          </a:ln>
-          <a:extLst>
-            <a:ext uri="{909E8E84-426E-40DD-AFC4-6F175D3DCCD1}">
-              <a14:hiddenFill xmlns:a14="http://schemas.microsoft.com/office/drawing/2010/main">
-                <a:solidFill>
-                  <a:srgbClr val="FFFFFF"/>
-                </a:solidFill>
-              </a14:hiddenFill>
-            </a:ext>
-            <a:ext uri="{91240B29-F687-4F45-9708-019B960494DF}">
-              <a14:hiddenLine xmlns:a14="http://schemas.microsoft.com/office/drawing/2010/main" w="9525">
-                <a:solidFill>
-                  <a:srgbClr val="000000"/>
-                </a:solidFill>
-                <a:miter lim="800000"/>
-                <a:headEnd/>
-                <a:tailEnd/>
-              </a14:hiddenLine>
-            </a:ext>
-          </a:extLst>
-        </p:spPr>
-        <p:txBody>
-          <a:bodyPr vert="horz" wrap="square" lIns="0" tIns="0" rIns="0" bIns="0" numCol="1" anchor="t" anchorCtr="0" compatLnSpc="1">
-            <a:prstTxWarp prst="textNoShape">
-              <a:avLst/>
-            </a:prstTxWarp>
-          </a:bodyPr>
-          <a:lstStyle>
-            <a:lvl1pPr marL="314325" indent="-314325" algn="l" rtl="0" eaLnBrk="1" fontAlgn="base" hangingPunct="1">
-              <a:spcBef>
-                <a:spcPct val="20000"/>
-              </a:spcBef>
-              <a:spcAft>
-                <a:spcPct val="0"/>
-              </a:spcAft>
-              <a:buBlip>
-                <a:blip r:embed="rId6"/>
-              </a:buBlip>
-              <a:defRPr sz="2000">
-                <a:solidFill>
-                  <a:schemeClr val="tx1"/>
-                </a:solidFill>
-                <a:latin typeface="+mn-lt"/>
-                <a:ea typeface="+mn-ea"/>
-                <a:cs typeface="+mn-cs"/>
-              </a:defRPr>
-            </a:lvl1pPr>
-            <a:lvl2pPr marL="790575" indent="-314325" algn="l" rtl="0" eaLnBrk="1" fontAlgn="base" hangingPunct="1">
-              <a:spcBef>
-                <a:spcPct val="20000"/>
-              </a:spcBef>
-              <a:spcAft>
-                <a:spcPct val="0"/>
-              </a:spcAft>
-              <a:buBlip>
-                <a:blip r:embed="rId7"/>
-              </a:buBlip>
-              <a:defRPr>
-                <a:solidFill>
-                  <a:schemeClr val="tx1"/>
-                </a:solidFill>
-                <a:latin typeface="+mn-lt"/>
-              </a:defRPr>
-            </a:lvl2pPr>
-            <a:lvl3pPr marL="1209675" indent="-276225" algn="l" rtl="0" eaLnBrk="1" fontAlgn="base" hangingPunct="1">
-              <a:spcBef>
-                <a:spcPct val="20000"/>
-              </a:spcBef>
-              <a:spcAft>
-                <a:spcPct val="0"/>
-              </a:spcAft>
-              <a:buBlip>
-                <a:blip r:embed="rId8"/>
-              </a:buBlip>
-              <a:defRPr sz="1600">
-                <a:solidFill>
-                  <a:schemeClr val="tx1"/>
-                </a:solidFill>
-                <a:latin typeface="+mn-lt"/>
-              </a:defRPr>
-            </a:lvl3pPr>
-            <a:lvl4pPr marL="1657350" indent="-276225" algn="l" rtl="0" eaLnBrk="1" fontAlgn="base" hangingPunct="1">
-              <a:spcBef>
-                <a:spcPct val="20000"/>
-              </a:spcBef>
-              <a:spcAft>
-                <a:spcPct val="0"/>
-              </a:spcAft>
-              <a:buBlip>
-                <a:blip r:embed="rId8"/>
-              </a:buBlip>
-              <a:defRPr sz="1600">
-                <a:solidFill>
-                  <a:schemeClr val="tx1"/>
-                </a:solidFill>
-                <a:latin typeface="+mn-lt"/>
-              </a:defRPr>
-            </a:lvl4pPr>
-            <a:lvl5pPr marL="2095500" indent="-276225" algn="l" rtl="0" eaLnBrk="1" fontAlgn="base" hangingPunct="1">
-              <a:spcBef>
-                <a:spcPct val="20000"/>
-              </a:spcBef>
-              <a:spcAft>
-                <a:spcPct val="0"/>
-              </a:spcAft>
-              <a:buBlip>
-                <a:blip r:embed="rId8"/>
-              </a:buBlip>
-              <a:defRPr sz="1600">
-                <a:solidFill>
-                  <a:schemeClr val="tx1"/>
-                </a:solidFill>
-                <a:latin typeface="+mn-lt"/>
-              </a:defRPr>
-            </a:lvl5pPr>
-            <a:lvl6pPr marL="2514600" indent="-228600" algn="l" rtl="0" eaLnBrk="1" fontAlgn="base" hangingPunct="1">
-              <a:spcBef>
-                <a:spcPct val="20000"/>
-              </a:spcBef>
-              <a:spcAft>
-                <a:spcPct val="0"/>
-              </a:spcAft>
-              <a:buSzPct val="60000"/>
-              <a:buBlip>
-                <a:blip r:embed="rId9"/>
-              </a:buBlip>
-              <a:defRPr sz="1400">
-                <a:solidFill>
-                  <a:schemeClr val="tx1"/>
-                </a:solidFill>
-                <a:latin typeface="+mn-lt"/>
-              </a:defRPr>
-            </a:lvl6pPr>
-            <a:lvl7pPr marL="2971800" indent="-228600" algn="l" rtl="0" eaLnBrk="1" fontAlgn="base" hangingPunct="1">
-              <a:spcBef>
-                <a:spcPct val="20000"/>
-              </a:spcBef>
-              <a:spcAft>
-                <a:spcPct val="0"/>
-              </a:spcAft>
-              <a:buSzPct val="60000"/>
-              <a:buBlip>
-                <a:blip r:embed="rId9"/>
-              </a:buBlip>
-              <a:defRPr sz="1400">
-                <a:solidFill>
-                  <a:schemeClr val="tx1"/>
-                </a:solidFill>
-                <a:latin typeface="+mn-lt"/>
-              </a:defRPr>
-            </a:lvl7pPr>
-            <a:lvl8pPr marL="3429000" indent="-228600" algn="l" rtl="0" eaLnBrk="1" fontAlgn="base" hangingPunct="1">
-              <a:spcBef>
-                <a:spcPct val="20000"/>
-              </a:spcBef>
-              <a:spcAft>
-                <a:spcPct val="0"/>
-              </a:spcAft>
-              <a:buSzPct val="60000"/>
-              <a:buBlip>
-                <a:blip r:embed="rId9"/>
-              </a:buBlip>
-              <a:defRPr sz="1400">
-                <a:solidFill>
-                  <a:schemeClr val="tx1"/>
-                </a:solidFill>
-                <a:latin typeface="+mn-lt"/>
-              </a:defRPr>
-            </a:lvl8pPr>
-            <a:lvl9pPr marL="3886200" indent="-228600" algn="l" rtl="0" eaLnBrk="1" fontAlgn="base" hangingPunct="1">
-              <a:spcBef>
-                <a:spcPct val="20000"/>
-              </a:spcBef>
-              <a:spcAft>
-                <a:spcPct val="0"/>
-              </a:spcAft>
-              <a:buSzPct val="60000"/>
-              <a:buBlip>
-                <a:blip r:embed="rId9"/>
-              </a:buBlip>
-              <a:defRPr sz="1400">
-                <a:solidFill>
-                  <a:schemeClr val="tx1"/>
-                </a:solidFill>
-                <a:latin typeface="+mn-lt"/>
-              </a:defRPr>
-            </a:lvl9pPr>
-          </a:lstStyle>
-          <a:p>
-            <a:r>
-              <a:rPr lang="en-US" altLang="de-DE" sz="1200" kern="0" dirty="0"/>
-              <a:t>Aggregation</a:t>
-            </a:r>
-          </a:p>
-        </p:txBody>
-      </p:sp>
-      <p:sp>
-        <p:nvSpPr>
-          <p:cNvPr id="27" name="Rectangle 3">
-            <a:extLst>
-              <a:ext uri="{FF2B5EF4-FFF2-40B4-BE49-F238E27FC236}">
-                <a16:creationId xmlns:a16="http://schemas.microsoft.com/office/drawing/2014/main" id="{6D9E3CF6-DFC5-4901-851B-C5F51B6F9992}"/>
-              </a:ext>
-            </a:extLst>
-          </p:cNvPr>
-          <p:cNvSpPr txBox="1">
-            <a:spLocks noChangeArrowheads="1"/>
-          </p:cNvSpPr>
-          <p:nvPr/>
-        </p:nvSpPr>
-        <p:spPr bwMode="auto">
-          <a:xfrm>
-            <a:off x="5769116" y="3990567"/>
-            <a:ext cx="1993894" cy="467600"/>
-          </a:xfrm>
-          <a:prstGeom prst="rect">
-            <a:avLst/>
-          </a:prstGeom>
-          <a:noFill/>
-          <a:ln>
-            <a:noFill/>
-          </a:ln>
-          <a:extLst>
-            <a:ext uri="{909E8E84-426E-40DD-AFC4-6F175D3DCCD1}">
-              <a14:hiddenFill xmlns:a14="http://schemas.microsoft.com/office/drawing/2010/main">
-                <a:solidFill>
-                  <a:srgbClr val="FFFFFF"/>
-                </a:solidFill>
-              </a14:hiddenFill>
-            </a:ext>
-            <a:ext uri="{91240B29-F687-4F45-9708-019B960494DF}">
-              <a14:hiddenLine xmlns:a14="http://schemas.microsoft.com/office/drawing/2010/main" w="9525">
-                <a:solidFill>
-                  <a:srgbClr val="000000"/>
-                </a:solidFill>
-                <a:miter lim="800000"/>
-                <a:headEnd/>
-                <a:tailEnd/>
-              </a14:hiddenLine>
-            </a:ext>
-          </a:extLst>
-        </p:spPr>
-        <p:txBody>
-          <a:bodyPr vert="horz" wrap="square" lIns="0" tIns="0" rIns="0" bIns="0" numCol="1" anchor="t" anchorCtr="0" compatLnSpc="1">
-            <a:prstTxWarp prst="textNoShape">
-              <a:avLst/>
-            </a:prstTxWarp>
-          </a:bodyPr>
-          <a:lstStyle>
-            <a:lvl1pPr marL="314325" indent="-314325" algn="l" rtl="0" eaLnBrk="1" fontAlgn="base" hangingPunct="1">
-              <a:spcBef>
-                <a:spcPct val="20000"/>
-              </a:spcBef>
-              <a:spcAft>
-                <a:spcPct val="0"/>
-              </a:spcAft>
-              <a:buBlip>
-                <a:blip r:embed="rId6"/>
-              </a:buBlip>
-              <a:defRPr sz="2000">
-                <a:solidFill>
-                  <a:schemeClr val="tx1"/>
-                </a:solidFill>
-                <a:latin typeface="+mn-lt"/>
-                <a:ea typeface="+mn-ea"/>
-                <a:cs typeface="+mn-cs"/>
-              </a:defRPr>
-            </a:lvl1pPr>
-            <a:lvl2pPr marL="790575" indent="-314325" algn="l" rtl="0" eaLnBrk="1" fontAlgn="base" hangingPunct="1">
-              <a:spcBef>
-                <a:spcPct val="20000"/>
-              </a:spcBef>
-              <a:spcAft>
-                <a:spcPct val="0"/>
-              </a:spcAft>
-              <a:buBlip>
-                <a:blip r:embed="rId7"/>
-              </a:buBlip>
-              <a:defRPr>
-                <a:solidFill>
-                  <a:schemeClr val="tx1"/>
-                </a:solidFill>
-                <a:latin typeface="+mn-lt"/>
-              </a:defRPr>
-            </a:lvl2pPr>
-            <a:lvl3pPr marL="1209675" indent="-276225" algn="l" rtl="0" eaLnBrk="1" fontAlgn="base" hangingPunct="1">
-              <a:spcBef>
-                <a:spcPct val="20000"/>
-              </a:spcBef>
-              <a:spcAft>
-                <a:spcPct val="0"/>
-              </a:spcAft>
-              <a:buBlip>
-                <a:blip r:embed="rId8"/>
-              </a:buBlip>
-              <a:defRPr sz="1600">
-                <a:solidFill>
-                  <a:schemeClr val="tx1"/>
-                </a:solidFill>
-                <a:latin typeface="+mn-lt"/>
-              </a:defRPr>
-            </a:lvl3pPr>
-            <a:lvl4pPr marL="1657350" indent="-276225" algn="l" rtl="0" eaLnBrk="1" fontAlgn="base" hangingPunct="1">
-              <a:spcBef>
-                <a:spcPct val="20000"/>
-              </a:spcBef>
-              <a:spcAft>
-                <a:spcPct val="0"/>
-              </a:spcAft>
-              <a:buBlip>
-                <a:blip r:embed="rId8"/>
-              </a:buBlip>
-              <a:defRPr sz="1600">
-                <a:solidFill>
-                  <a:schemeClr val="tx1"/>
-                </a:solidFill>
-                <a:latin typeface="+mn-lt"/>
-              </a:defRPr>
-            </a:lvl4pPr>
-            <a:lvl5pPr marL="2095500" indent="-276225" algn="l" rtl="0" eaLnBrk="1" fontAlgn="base" hangingPunct="1">
-              <a:spcBef>
-                <a:spcPct val="20000"/>
-              </a:spcBef>
-              <a:spcAft>
-                <a:spcPct val="0"/>
-              </a:spcAft>
-              <a:buBlip>
-                <a:blip r:embed="rId8"/>
-              </a:buBlip>
-              <a:defRPr sz="1600">
-                <a:solidFill>
-                  <a:schemeClr val="tx1"/>
-                </a:solidFill>
-                <a:latin typeface="+mn-lt"/>
-              </a:defRPr>
-            </a:lvl5pPr>
-            <a:lvl6pPr marL="2514600" indent="-228600" algn="l" rtl="0" eaLnBrk="1" fontAlgn="base" hangingPunct="1">
-              <a:spcBef>
-                <a:spcPct val="20000"/>
-              </a:spcBef>
-              <a:spcAft>
-                <a:spcPct val="0"/>
-              </a:spcAft>
-              <a:buSzPct val="60000"/>
-              <a:buBlip>
-                <a:blip r:embed="rId9"/>
-              </a:buBlip>
-              <a:defRPr sz="1400">
-                <a:solidFill>
-                  <a:schemeClr val="tx1"/>
-                </a:solidFill>
-                <a:latin typeface="+mn-lt"/>
-              </a:defRPr>
-            </a:lvl6pPr>
-            <a:lvl7pPr marL="2971800" indent="-228600" algn="l" rtl="0" eaLnBrk="1" fontAlgn="base" hangingPunct="1">
-              <a:spcBef>
-                <a:spcPct val="20000"/>
-              </a:spcBef>
-              <a:spcAft>
-                <a:spcPct val="0"/>
-              </a:spcAft>
-              <a:buSzPct val="60000"/>
-              <a:buBlip>
-                <a:blip r:embed="rId9"/>
-              </a:buBlip>
-              <a:defRPr sz="1400">
-                <a:solidFill>
-                  <a:schemeClr val="tx1"/>
-                </a:solidFill>
-                <a:latin typeface="+mn-lt"/>
-              </a:defRPr>
-            </a:lvl7pPr>
-            <a:lvl8pPr marL="3429000" indent="-228600" algn="l" rtl="0" eaLnBrk="1" fontAlgn="base" hangingPunct="1">
-              <a:spcBef>
-                <a:spcPct val="20000"/>
-              </a:spcBef>
-              <a:spcAft>
-                <a:spcPct val="0"/>
-              </a:spcAft>
-              <a:buSzPct val="60000"/>
-              <a:buBlip>
-                <a:blip r:embed="rId9"/>
-              </a:buBlip>
-              <a:defRPr sz="1400">
-                <a:solidFill>
-                  <a:schemeClr val="tx1"/>
-                </a:solidFill>
-                <a:latin typeface="+mn-lt"/>
-              </a:defRPr>
-            </a:lvl8pPr>
-            <a:lvl9pPr marL="3886200" indent="-228600" algn="l" rtl="0" eaLnBrk="1" fontAlgn="base" hangingPunct="1">
-              <a:spcBef>
-                <a:spcPct val="20000"/>
-              </a:spcBef>
-              <a:spcAft>
-                <a:spcPct val="0"/>
-              </a:spcAft>
-              <a:buSzPct val="60000"/>
-              <a:buBlip>
-                <a:blip r:embed="rId9"/>
-              </a:buBlip>
-              <a:defRPr sz="1400">
-                <a:solidFill>
-                  <a:schemeClr val="tx1"/>
-                </a:solidFill>
-                <a:latin typeface="+mn-lt"/>
-              </a:defRPr>
-            </a:lvl9pPr>
-          </a:lstStyle>
-          <a:p>
-            <a:pPr marL="0" indent="0">
-              <a:buNone/>
-            </a:pPr>
-            <a:r>
-              <a:rPr lang="en-US" altLang="de-DE" kern="0" dirty="0"/>
-              <a:t>Microservice candidates</a:t>
-            </a:r>
-          </a:p>
-        </p:txBody>
-      </p:sp>
-      <p:sp>
-        <p:nvSpPr>
-          <p:cNvPr id="28" name="Pfeil: nach rechts 27">
-            <a:extLst>
-              <a:ext uri="{FF2B5EF4-FFF2-40B4-BE49-F238E27FC236}">
-                <a16:creationId xmlns:a16="http://schemas.microsoft.com/office/drawing/2014/main" id="{F4E1E910-B2E3-47AF-979C-9F80C123DCF4}"/>
-              </a:ext>
-            </a:extLst>
-          </p:cNvPr>
-          <p:cNvSpPr/>
-          <p:nvPr/>
-        </p:nvSpPr>
-        <p:spPr>
-          <a:xfrm>
-            <a:off x="4611726" y="4018064"/>
-            <a:ext cx="398934" cy="464424"/>
-          </a:xfrm>
-          <a:prstGeom prst="rightArrow">
-            <a:avLst/>
-          </a:prstGeom>
-        </p:spPr>
-        <p:style>
-          <a:lnRef idx="2">
-            <a:schemeClr val="accent1">
-              <a:shade val="50000"/>
-            </a:schemeClr>
-          </a:lnRef>
-          <a:fillRef idx="1">
-            <a:schemeClr val="accent1"/>
-          </a:fillRef>
-          <a:effectRef idx="0">
-            <a:schemeClr val="accent1"/>
-          </a:effectRef>
-          <a:fontRef idx="minor">
-            <a:schemeClr val="lt1"/>
-          </a:fontRef>
-        </p:style>
-        <p:txBody>
-          <a:bodyPr rtlCol="0" anchor="ctr"/>
-          <a:lstStyle/>
-          <a:p>
-            <a:pPr algn="ctr"/>
-            <a:endParaRPr lang="en-US"/>
-          </a:p>
-        </p:txBody>
-      </p:sp>
-      <p:sp>
-        <p:nvSpPr>
-          <p:cNvPr id="29" name="Rectangle 3">
-            <a:extLst>
-              <a:ext uri="{FF2B5EF4-FFF2-40B4-BE49-F238E27FC236}">
-                <a16:creationId xmlns:a16="http://schemas.microsoft.com/office/drawing/2014/main" id="{319A306F-8460-4325-88E4-4C1A3F71E7EA}"/>
-              </a:ext>
-            </a:extLst>
-          </p:cNvPr>
-          <p:cNvSpPr txBox="1">
-            <a:spLocks noChangeArrowheads="1"/>
-          </p:cNvSpPr>
-          <p:nvPr/>
-        </p:nvSpPr>
-        <p:spPr bwMode="auto">
-          <a:xfrm>
-            <a:off x="4427984" y="3794346"/>
-            <a:ext cx="947431" cy="240845"/>
-          </a:xfrm>
-          <a:prstGeom prst="rect">
-            <a:avLst/>
-          </a:prstGeom>
-          <a:noFill/>
-          <a:ln>
-            <a:noFill/>
-          </a:ln>
-          <a:extLst>
-            <a:ext uri="{909E8E84-426E-40DD-AFC4-6F175D3DCCD1}">
-              <a14:hiddenFill xmlns:a14="http://schemas.microsoft.com/office/drawing/2010/main">
-                <a:solidFill>
-                  <a:srgbClr val="FFFFFF"/>
-                </a:solidFill>
-              </a14:hiddenFill>
-            </a:ext>
-            <a:ext uri="{91240B29-F687-4F45-9708-019B960494DF}">
-              <a14:hiddenLine xmlns:a14="http://schemas.microsoft.com/office/drawing/2010/main" w="9525">
-                <a:solidFill>
-                  <a:srgbClr val="000000"/>
-                </a:solidFill>
-                <a:miter lim="800000"/>
-                <a:headEnd/>
-                <a:tailEnd/>
-              </a14:hiddenLine>
-            </a:ext>
-          </a:extLst>
-        </p:spPr>
-        <p:txBody>
-          <a:bodyPr vert="horz" wrap="square" lIns="0" tIns="0" rIns="0" bIns="0" numCol="1" anchor="t" anchorCtr="0" compatLnSpc="1">
-            <a:prstTxWarp prst="textNoShape">
-              <a:avLst/>
-            </a:prstTxWarp>
-          </a:bodyPr>
-          <a:lstStyle>
-            <a:lvl1pPr marL="314325" indent="-314325" algn="l" rtl="0" eaLnBrk="1" fontAlgn="base" hangingPunct="1">
-              <a:spcBef>
-                <a:spcPct val="20000"/>
-              </a:spcBef>
-              <a:spcAft>
-                <a:spcPct val="0"/>
-              </a:spcAft>
-              <a:buBlip>
-                <a:blip r:embed="rId6"/>
-              </a:buBlip>
-              <a:defRPr sz="2000">
-                <a:solidFill>
-                  <a:schemeClr val="tx1"/>
-                </a:solidFill>
-                <a:latin typeface="+mn-lt"/>
-                <a:ea typeface="+mn-ea"/>
-                <a:cs typeface="+mn-cs"/>
-              </a:defRPr>
-            </a:lvl1pPr>
-            <a:lvl2pPr marL="790575" indent="-314325" algn="l" rtl="0" eaLnBrk="1" fontAlgn="base" hangingPunct="1">
-              <a:spcBef>
-                <a:spcPct val="20000"/>
-              </a:spcBef>
-              <a:spcAft>
-                <a:spcPct val="0"/>
-              </a:spcAft>
-              <a:buBlip>
-                <a:blip r:embed="rId7"/>
-              </a:buBlip>
-              <a:defRPr>
-                <a:solidFill>
-                  <a:schemeClr val="tx1"/>
-                </a:solidFill>
-                <a:latin typeface="+mn-lt"/>
-              </a:defRPr>
-            </a:lvl2pPr>
-            <a:lvl3pPr marL="1209675" indent="-276225" algn="l" rtl="0" eaLnBrk="1" fontAlgn="base" hangingPunct="1">
-              <a:spcBef>
-                <a:spcPct val="20000"/>
-              </a:spcBef>
-              <a:spcAft>
-                <a:spcPct val="0"/>
-              </a:spcAft>
-              <a:buBlip>
-                <a:blip r:embed="rId8"/>
-              </a:buBlip>
-              <a:defRPr sz="1600">
-                <a:solidFill>
-                  <a:schemeClr val="tx1"/>
-                </a:solidFill>
-                <a:latin typeface="+mn-lt"/>
-              </a:defRPr>
-            </a:lvl3pPr>
-            <a:lvl4pPr marL="1657350" indent="-276225" algn="l" rtl="0" eaLnBrk="1" fontAlgn="base" hangingPunct="1">
-              <a:spcBef>
-                <a:spcPct val="20000"/>
-              </a:spcBef>
-              <a:spcAft>
-                <a:spcPct val="0"/>
-              </a:spcAft>
-              <a:buBlip>
-                <a:blip r:embed="rId8"/>
-              </a:buBlip>
-              <a:defRPr sz="1600">
-                <a:solidFill>
-                  <a:schemeClr val="tx1"/>
-                </a:solidFill>
-                <a:latin typeface="+mn-lt"/>
-              </a:defRPr>
-            </a:lvl4pPr>
-            <a:lvl5pPr marL="2095500" indent="-276225" algn="l" rtl="0" eaLnBrk="1" fontAlgn="base" hangingPunct="1">
-              <a:spcBef>
-                <a:spcPct val="20000"/>
-              </a:spcBef>
-              <a:spcAft>
-                <a:spcPct val="0"/>
-              </a:spcAft>
-              <a:buBlip>
-                <a:blip r:embed="rId8"/>
-              </a:buBlip>
-              <a:defRPr sz="1600">
-                <a:solidFill>
-                  <a:schemeClr val="tx1"/>
-                </a:solidFill>
-                <a:latin typeface="+mn-lt"/>
-              </a:defRPr>
-            </a:lvl5pPr>
-            <a:lvl6pPr marL="2514600" indent="-228600" algn="l" rtl="0" eaLnBrk="1" fontAlgn="base" hangingPunct="1">
-              <a:spcBef>
-                <a:spcPct val="20000"/>
-              </a:spcBef>
-              <a:spcAft>
-                <a:spcPct val="0"/>
-              </a:spcAft>
-              <a:buSzPct val="60000"/>
-              <a:buBlip>
-                <a:blip r:embed="rId9"/>
-              </a:buBlip>
-              <a:defRPr sz="1400">
-                <a:solidFill>
-                  <a:schemeClr val="tx1"/>
-                </a:solidFill>
-                <a:latin typeface="+mn-lt"/>
-              </a:defRPr>
-            </a:lvl6pPr>
-            <a:lvl7pPr marL="2971800" indent="-228600" algn="l" rtl="0" eaLnBrk="1" fontAlgn="base" hangingPunct="1">
-              <a:spcBef>
-                <a:spcPct val="20000"/>
-              </a:spcBef>
-              <a:spcAft>
-                <a:spcPct val="0"/>
-              </a:spcAft>
-              <a:buSzPct val="60000"/>
-              <a:buBlip>
-                <a:blip r:embed="rId9"/>
-              </a:buBlip>
-              <a:defRPr sz="1400">
-                <a:solidFill>
-                  <a:schemeClr val="tx1"/>
-                </a:solidFill>
-                <a:latin typeface="+mn-lt"/>
-              </a:defRPr>
-            </a:lvl7pPr>
-            <a:lvl8pPr marL="3429000" indent="-228600" algn="l" rtl="0" eaLnBrk="1" fontAlgn="base" hangingPunct="1">
-              <a:spcBef>
-                <a:spcPct val="20000"/>
-              </a:spcBef>
-              <a:spcAft>
-                <a:spcPct val="0"/>
-              </a:spcAft>
-              <a:buSzPct val="60000"/>
-              <a:buBlip>
-                <a:blip r:embed="rId9"/>
-              </a:buBlip>
-              <a:defRPr sz="1400">
-                <a:solidFill>
-                  <a:schemeClr val="tx1"/>
-                </a:solidFill>
-                <a:latin typeface="+mn-lt"/>
-              </a:defRPr>
-            </a:lvl8pPr>
-            <a:lvl9pPr marL="3886200" indent="-228600" algn="l" rtl="0" eaLnBrk="1" fontAlgn="base" hangingPunct="1">
-              <a:spcBef>
-                <a:spcPct val="20000"/>
-              </a:spcBef>
-              <a:spcAft>
-                <a:spcPct val="0"/>
-              </a:spcAft>
-              <a:buSzPct val="60000"/>
-              <a:buBlip>
-                <a:blip r:embed="rId9"/>
-              </a:buBlip>
-              <a:defRPr sz="1400">
-                <a:solidFill>
-                  <a:schemeClr val="tx1"/>
-                </a:solidFill>
-                <a:latin typeface="+mn-lt"/>
-              </a:defRPr>
-            </a:lvl9pPr>
-          </a:lstStyle>
-          <a:p>
-            <a:pPr marL="0" indent="0">
-              <a:buNone/>
-            </a:pPr>
-            <a:r>
-              <a:rPr lang="en-US" altLang="de-DE" sz="1200" kern="0" dirty="0"/>
-              <a:t>Clustering</a:t>
-            </a:r>
-          </a:p>
-        </p:txBody>
-      </p:sp>
-      <p:sp>
-        <p:nvSpPr>
-          <p:cNvPr id="30" name="Rectangle 3">
-            <a:extLst>
-              <a:ext uri="{FF2B5EF4-FFF2-40B4-BE49-F238E27FC236}">
-                <a16:creationId xmlns:a16="http://schemas.microsoft.com/office/drawing/2014/main" id="{437627A2-6960-4DF1-9EE9-8905AE343B29}"/>
-              </a:ext>
-            </a:extLst>
-          </p:cNvPr>
-          <p:cNvSpPr txBox="1">
-            <a:spLocks noChangeArrowheads="1"/>
-          </p:cNvSpPr>
-          <p:nvPr/>
-        </p:nvSpPr>
-        <p:spPr bwMode="auto">
-          <a:xfrm>
-            <a:off x="657367" y="4964928"/>
-            <a:ext cx="2762506" cy="246758"/>
-          </a:xfrm>
-          <a:prstGeom prst="rect">
-            <a:avLst/>
-          </a:prstGeom>
-          <a:noFill/>
-          <a:ln>
-            <a:noFill/>
-          </a:ln>
-          <a:extLst>
-            <a:ext uri="{909E8E84-426E-40DD-AFC4-6F175D3DCCD1}">
-              <a14:hiddenFill xmlns:a14="http://schemas.microsoft.com/office/drawing/2010/main">
-                <a:solidFill>
-                  <a:srgbClr val="FFFFFF"/>
-                </a:solidFill>
-              </a14:hiddenFill>
-            </a:ext>
-            <a:ext uri="{91240B29-F687-4F45-9708-019B960494DF}">
-              <a14:hiddenLine xmlns:a14="http://schemas.microsoft.com/office/drawing/2010/main" w="9525">
-                <a:solidFill>
-                  <a:srgbClr val="000000"/>
-                </a:solidFill>
-                <a:miter lim="800000"/>
-                <a:headEnd/>
-                <a:tailEnd/>
-              </a14:hiddenLine>
-            </a:ext>
-          </a:extLst>
-        </p:spPr>
-        <p:txBody>
-          <a:bodyPr vert="horz" wrap="square" lIns="0" tIns="0" rIns="0" bIns="0" numCol="1" anchor="t" anchorCtr="0" compatLnSpc="1">
-            <a:prstTxWarp prst="textNoShape">
-              <a:avLst/>
-            </a:prstTxWarp>
-          </a:bodyPr>
-          <a:lstStyle>
-            <a:lvl1pPr marL="314325" indent="-314325" algn="l" rtl="0" eaLnBrk="1" fontAlgn="base" hangingPunct="1">
-              <a:spcBef>
-                <a:spcPct val="20000"/>
-              </a:spcBef>
-              <a:spcAft>
-                <a:spcPct val="0"/>
-              </a:spcAft>
-              <a:buBlip>
-                <a:blip r:embed="rId6"/>
-              </a:buBlip>
-              <a:defRPr sz="2000">
-                <a:solidFill>
-                  <a:schemeClr val="tx1"/>
-                </a:solidFill>
-                <a:latin typeface="+mn-lt"/>
-                <a:ea typeface="+mn-ea"/>
-                <a:cs typeface="+mn-cs"/>
-              </a:defRPr>
-            </a:lvl1pPr>
-            <a:lvl2pPr marL="790575" indent="-314325" algn="l" rtl="0" eaLnBrk="1" fontAlgn="base" hangingPunct="1">
-              <a:spcBef>
-                <a:spcPct val="20000"/>
-              </a:spcBef>
-              <a:spcAft>
-                <a:spcPct val="0"/>
-              </a:spcAft>
-              <a:buBlip>
-                <a:blip r:embed="rId7"/>
-              </a:buBlip>
-              <a:defRPr>
-                <a:solidFill>
-                  <a:schemeClr val="tx1"/>
-                </a:solidFill>
-                <a:latin typeface="+mn-lt"/>
-              </a:defRPr>
-            </a:lvl2pPr>
-            <a:lvl3pPr marL="1209675" indent="-276225" algn="l" rtl="0" eaLnBrk="1" fontAlgn="base" hangingPunct="1">
-              <a:spcBef>
-                <a:spcPct val="20000"/>
-              </a:spcBef>
-              <a:spcAft>
-                <a:spcPct val="0"/>
-              </a:spcAft>
-              <a:buBlip>
-                <a:blip r:embed="rId8"/>
-              </a:buBlip>
-              <a:defRPr sz="1600">
-                <a:solidFill>
-                  <a:schemeClr val="tx1"/>
-                </a:solidFill>
-                <a:latin typeface="+mn-lt"/>
-              </a:defRPr>
-            </a:lvl3pPr>
-            <a:lvl4pPr marL="1657350" indent="-276225" algn="l" rtl="0" eaLnBrk="1" fontAlgn="base" hangingPunct="1">
-              <a:spcBef>
-                <a:spcPct val="20000"/>
-              </a:spcBef>
-              <a:spcAft>
-                <a:spcPct val="0"/>
-              </a:spcAft>
-              <a:buBlip>
-                <a:blip r:embed="rId8"/>
-              </a:buBlip>
-              <a:defRPr sz="1600">
-                <a:solidFill>
-                  <a:schemeClr val="tx1"/>
-                </a:solidFill>
-                <a:latin typeface="+mn-lt"/>
-              </a:defRPr>
-            </a:lvl4pPr>
-            <a:lvl5pPr marL="2095500" indent="-276225" algn="l" rtl="0" eaLnBrk="1" fontAlgn="base" hangingPunct="1">
-              <a:spcBef>
-                <a:spcPct val="20000"/>
-              </a:spcBef>
-              <a:spcAft>
-                <a:spcPct val="0"/>
-              </a:spcAft>
-              <a:buBlip>
-                <a:blip r:embed="rId8"/>
-              </a:buBlip>
-              <a:defRPr sz="1600">
-                <a:solidFill>
-                  <a:schemeClr val="tx1"/>
-                </a:solidFill>
-                <a:latin typeface="+mn-lt"/>
-              </a:defRPr>
-            </a:lvl5pPr>
-            <a:lvl6pPr marL="2514600" indent="-228600" algn="l" rtl="0" eaLnBrk="1" fontAlgn="base" hangingPunct="1">
-              <a:spcBef>
-                <a:spcPct val="20000"/>
-              </a:spcBef>
-              <a:spcAft>
-                <a:spcPct val="0"/>
-              </a:spcAft>
-              <a:buSzPct val="60000"/>
-              <a:buBlip>
-                <a:blip r:embed="rId9"/>
-              </a:buBlip>
-              <a:defRPr sz="1400">
-                <a:solidFill>
-                  <a:schemeClr val="tx1"/>
-                </a:solidFill>
-                <a:latin typeface="+mn-lt"/>
-              </a:defRPr>
-            </a:lvl6pPr>
-            <a:lvl7pPr marL="2971800" indent="-228600" algn="l" rtl="0" eaLnBrk="1" fontAlgn="base" hangingPunct="1">
-              <a:spcBef>
-                <a:spcPct val="20000"/>
-              </a:spcBef>
-              <a:spcAft>
-                <a:spcPct val="0"/>
-              </a:spcAft>
-              <a:buSzPct val="60000"/>
-              <a:buBlip>
-                <a:blip r:embed="rId9"/>
-              </a:buBlip>
-              <a:defRPr sz="1400">
-                <a:solidFill>
-                  <a:schemeClr val="tx1"/>
-                </a:solidFill>
-                <a:latin typeface="+mn-lt"/>
-              </a:defRPr>
-            </a:lvl7pPr>
-            <a:lvl8pPr marL="3429000" indent="-228600" algn="l" rtl="0" eaLnBrk="1" fontAlgn="base" hangingPunct="1">
-              <a:spcBef>
-                <a:spcPct val="20000"/>
-              </a:spcBef>
-              <a:spcAft>
-                <a:spcPct val="0"/>
-              </a:spcAft>
-              <a:buSzPct val="60000"/>
-              <a:buBlip>
-                <a:blip r:embed="rId9"/>
-              </a:buBlip>
-              <a:defRPr sz="1400">
-                <a:solidFill>
-                  <a:schemeClr val="tx1"/>
-                </a:solidFill>
-                <a:latin typeface="+mn-lt"/>
-              </a:defRPr>
-            </a:lvl8pPr>
-            <a:lvl9pPr marL="3886200" indent="-228600" algn="l" rtl="0" eaLnBrk="1" fontAlgn="base" hangingPunct="1">
-              <a:spcBef>
-                <a:spcPct val="20000"/>
-              </a:spcBef>
-              <a:spcAft>
-                <a:spcPct val="0"/>
-              </a:spcAft>
-              <a:buSzPct val="60000"/>
-              <a:buBlip>
-                <a:blip r:embed="rId9"/>
-              </a:buBlip>
-              <a:defRPr sz="1400">
-                <a:solidFill>
-                  <a:schemeClr val="tx1"/>
-                </a:solidFill>
-                <a:latin typeface="+mn-lt"/>
-              </a:defRPr>
-            </a:lvl9pPr>
-          </a:lstStyle>
-          <a:p>
-            <a:pPr marL="0" indent="0">
-              <a:buNone/>
-            </a:pPr>
-            <a:r>
-              <a:rPr lang="en-US" altLang="de-DE" sz="800" i="1" kern="0" dirty="0"/>
-              <a:t>Sources: Object-aware Identification, M.J. Amiri</a:t>
-            </a:r>
-          </a:p>
-        </p:txBody>
-      </p:sp>
-    </p:spTree>
-    <p:extLst>
-      <p:ext uri="{BB962C8B-B14F-4D97-AF65-F5344CB8AC3E}">
-        <p14:creationId xmlns:p14="http://schemas.microsoft.com/office/powerpoint/2010/main" val="1467332463"/>
       </p:ext>
     </p:extLst>
   </p:cSld>

--- a/Proposal Vortrag/Präsi.pptx
+++ b/Proposal Vortrag/Präsi.pptx
@@ -15173,13 +15173,13 @@
           <a:p>
             <a:r>
               <a:rPr lang="en-US" altLang="de-DE" dirty="0"/>
-              <a:t>Create separate cluster while using dependencies</a:t>
+              <a:t>Create separate clusters by using the dependencies as weights</a:t>
             </a:r>
           </a:p>
           <a:p>
             <a:r>
               <a:rPr lang="en-US" altLang="de-DE" dirty="0"/>
-              <a:t>Match clusters to generate possible microservice candidates</a:t>
+              <a:t>Match set of clusters to generate possible microservice candidates</a:t>
             </a:r>
           </a:p>
         </p:txBody>
@@ -17563,6 +17563,13 @@
             <a:r>
               <a:rPr lang="en-US" altLang="de-DE" dirty="0"/>
               <a:t>Use most adequate strategy from RQ1 as basis for new approach</a:t>
+            </a:r>
+          </a:p>
+          <a:p>
+            <a:pPr lvl="1"/>
+            <a:r>
+              <a:rPr lang="en-US" altLang="de-DE" dirty="0"/>
+              <a:t>Elaborate new approach</a:t>
             </a:r>
           </a:p>
           <a:p>

--- a/Proposal Vortrag/Präsi.pptx
+++ b/Proposal Vortrag/Präsi.pptx
@@ -1605,7 +1605,7 @@
             <a:fld id="{22C9B90C-F1F4-41D2-8EEE-A2460906CE98}" type="datetime1">
               <a:rPr lang="de-DE" smtClean="0"/>
               <a:pPr/>
-              <a:t>07.02.2019</a:t>
+              <a:t>10.02.2019</a:t>
             </a:fld>
             <a:endParaRPr lang="de-DE" dirty="0"/>
           </a:p>
@@ -1789,7 +1789,7 @@
             <a:fld id="{22C9B90C-F1F4-41D2-8EEE-A2460906CE98}" type="datetime1">
               <a:rPr lang="de-DE" smtClean="0"/>
               <a:pPr/>
-              <a:t>07.02.2019</a:t>
+              <a:t>10.02.2019</a:t>
             </a:fld>
             <a:endParaRPr lang="de-DE" dirty="0"/>
           </a:p>
@@ -1963,7 +1963,7 @@
             <a:fld id="{22C9B90C-F1F4-41D2-8EEE-A2460906CE98}" type="datetime1">
               <a:rPr lang="de-DE" smtClean="0"/>
               <a:pPr/>
-              <a:t>07.02.2019</a:t>
+              <a:t>10.02.2019</a:t>
             </a:fld>
             <a:endParaRPr lang="de-DE" dirty="0"/>
           </a:p>
@@ -2160,7 +2160,7 @@
             <a:fld id="{22C9B90C-F1F4-41D2-8EEE-A2460906CE98}" type="datetime1">
               <a:rPr lang="de-DE" smtClean="0"/>
               <a:pPr/>
-              <a:t>07.02.2019</a:t>
+              <a:t>10.02.2019</a:t>
             </a:fld>
             <a:endParaRPr lang="de-DE" dirty="0"/>
           </a:p>
@@ -2451,7 +2451,7 @@
             <a:fld id="{22C9B90C-F1F4-41D2-8EEE-A2460906CE98}" type="datetime1">
               <a:rPr lang="de-DE" smtClean="0"/>
               <a:pPr/>
-              <a:t>07.02.2019</a:t>
+              <a:t>10.02.2019</a:t>
             </a:fld>
             <a:endParaRPr lang="de-DE" dirty="0"/>
           </a:p>
@@ -2881,7 +2881,7 @@
             <a:fld id="{22C9B90C-F1F4-41D2-8EEE-A2460906CE98}" type="datetime1">
               <a:rPr lang="de-DE" smtClean="0"/>
               <a:pPr/>
-              <a:t>07.02.2019</a:t>
+              <a:t>10.02.2019</a:t>
             </a:fld>
             <a:endParaRPr lang="de-DE" dirty="0"/>
           </a:p>
@@ -3004,7 +3004,7 @@
             <a:fld id="{22C9B90C-F1F4-41D2-8EEE-A2460906CE98}" type="datetime1">
               <a:rPr lang="de-DE" smtClean="0"/>
               <a:pPr/>
-              <a:t>07.02.2019</a:t>
+              <a:t>10.02.2019</a:t>
             </a:fld>
             <a:endParaRPr lang="de-DE" dirty="0"/>
           </a:p>
@@ -3105,7 +3105,7 @@
             <a:fld id="{22C9B90C-F1F4-41D2-8EEE-A2460906CE98}" type="datetime1">
               <a:rPr lang="de-DE" smtClean="0"/>
               <a:pPr/>
-              <a:t>07.02.2019</a:t>
+              <a:t>10.02.2019</a:t>
             </a:fld>
             <a:endParaRPr lang="de-DE" dirty="0"/>
           </a:p>
@@ -3386,7 +3386,7 @@
             <a:fld id="{22C9B90C-F1F4-41D2-8EEE-A2460906CE98}" type="datetime1">
               <a:rPr lang="de-DE" smtClean="0"/>
               <a:pPr/>
-              <a:t>07.02.2019</a:t>
+              <a:t>10.02.2019</a:t>
             </a:fld>
             <a:endParaRPr lang="de-DE" dirty="0"/>
           </a:p>
@@ -3648,7 +3648,7 @@
             <a:fld id="{22C9B90C-F1F4-41D2-8EEE-A2460906CE98}" type="datetime1">
               <a:rPr lang="de-DE" smtClean="0"/>
               <a:pPr/>
-              <a:t>07.02.2019</a:t>
+              <a:t>10.02.2019</a:t>
             </a:fld>
             <a:endParaRPr lang="de-DE" dirty="0"/>
           </a:p>
@@ -4186,7 +4186,7 @@
             <a:fld id="{22C9B90C-F1F4-41D2-8EEE-A2460906CE98}" type="datetime1">
               <a:rPr lang="de-DE" smtClean="0"/>
               <a:pPr/>
-              <a:t>07.02.2019</a:t>
+              <a:t>10.02.2019</a:t>
             </a:fld>
             <a:endParaRPr lang="de-DE" dirty="0"/>
           </a:p>
@@ -5121,7 +5121,7 @@
           <a:p>
             <a:fld id="{671342AB-2D21-4183-8B98-98B52FD7365F}" type="datetime1">
               <a:rPr lang="de-DE" smtClean="0"/>
-              <a:t>07.02.2019</a:t>
+              <a:t>10.02.2019</a:t>
             </a:fld>
             <a:endParaRPr lang="de-DE" dirty="0"/>
           </a:p>
@@ -7582,7 +7582,7 @@
           <a:p>
             <a:fld id="{671342AB-2D21-4183-8B98-98B52FD7365F}" type="datetime1">
               <a:rPr lang="de-DE" smtClean="0"/>
-              <a:t>07.02.2019</a:t>
+              <a:t>10.02.2019</a:t>
             </a:fld>
             <a:endParaRPr lang="de-DE" dirty="0"/>
           </a:p>
@@ -8640,7 +8640,7 @@
           <a:p>
             <a:fld id="{671342AB-2D21-4183-8B98-98B52FD7365F}" type="datetime1">
               <a:rPr lang="de-DE" smtClean="0"/>
-              <a:t>07.02.2019</a:t>
+              <a:t>10.02.2019</a:t>
             </a:fld>
             <a:endParaRPr lang="de-DE" dirty="0"/>
           </a:p>
@@ -9370,7 +9370,7 @@
           <a:p>
             <a:fld id="{671342AB-2D21-4183-8B98-98B52FD7365F}" type="datetime1">
               <a:rPr lang="de-DE" smtClean="0"/>
-              <a:t>07.02.2019</a:t>
+              <a:t>10.02.2019</a:t>
             </a:fld>
             <a:endParaRPr lang="de-DE" dirty="0"/>
           </a:p>
@@ -10396,7 +10396,7 @@
           <a:p>
             <a:fld id="{671342AB-2D21-4183-8B98-98B52FD7365F}" type="datetime1">
               <a:rPr lang="de-DE" smtClean="0"/>
-              <a:t>07.02.2019</a:t>
+              <a:t>10.02.2019</a:t>
             </a:fld>
             <a:endParaRPr lang="de-DE" dirty="0"/>
           </a:p>
@@ -11376,7 +11376,7 @@
           <a:p>
             <a:fld id="{671342AB-2D21-4183-8B98-98B52FD7365F}" type="datetime1">
               <a:rPr lang="de-DE" smtClean="0"/>
-              <a:t>07.02.2019</a:t>
+              <a:t>10.02.2019</a:t>
             </a:fld>
             <a:endParaRPr lang="de-DE" dirty="0"/>
           </a:p>
@@ -12040,7 +12040,7 @@
             <a:fld id="{22C9B90C-F1F4-41D2-8EEE-A2460906CE98}" type="datetime1">
               <a:rPr lang="de-DE" smtClean="0"/>
               <a:pPr/>
-              <a:t>07.02.2019</a:t>
+              <a:t>10.02.2019</a:t>
             </a:fld>
             <a:endParaRPr lang="de-DE" dirty="0"/>
           </a:p>
@@ -12358,7 +12358,7 @@
           <a:p>
             <a:fld id="{671342AB-2D21-4183-8B98-98B52FD7365F}" type="datetime1">
               <a:rPr lang="de-DE" smtClean="0"/>
-              <a:t>07.02.2019</a:t>
+              <a:t>10.02.2019</a:t>
             </a:fld>
             <a:endParaRPr lang="de-DE" dirty="0"/>
           </a:p>
@@ -13319,36 +13319,6 @@
       </p:sp>
       <p:sp>
         <p:nvSpPr>
-          <p:cNvPr id="34819" name="Rectangle 3"/>
-          <p:cNvSpPr>
-            <a:spLocks noGrp="1" noChangeArrowheads="1"/>
-          </p:cNvSpPr>
-          <p:nvPr>
-            <p:ph type="body" idx="1"/>
-          </p:nvPr>
-        </p:nvSpPr>
-        <p:spPr>
-          <a:xfrm>
-            <a:off x="947572" y="4953669"/>
-            <a:ext cx="3840452" cy="258644"/>
-          </a:xfrm>
-        </p:spPr>
-        <p:txBody>
-          <a:bodyPr/>
-          <a:lstStyle/>
-          <a:p>
-            <a:pPr marL="0" indent="0">
-              <a:buNone/>
-            </a:pPr>
-            <a:r>
-              <a:rPr lang="de-DE" altLang="de-DE" sz="800" i="1" dirty="0"/>
-              <a:t>Source: https://www.redhat.com/en/topics/microservices/what-are-microservices</a:t>
-            </a:r>
-          </a:p>
-        </p:txBody>
-      </p:sp>
-      <p:sp>
-        <p:nvSpPr>
           <p:cNvPr id="2" name="Datumsplatzhalter 1"/>
           <p:cNvSpPr>
             <a:spLocks noGrp="1"/>
@@ -13369,7 +13339,7 @@
           <a:p>
             <a:fld id="{671342AB-2D21-4183-8B98-98B52FD7365F}" type="datetime1">
               <a:rPr lang="de-DE" smtClean="0"/>
-              <a:t>07.02.2019</a:t>
+              <a:t>10.02.2019</a:t>
             </a:fld>
             <a:endParaRPr lang="de-DE" dirty="0"/>
           </a:p>
@@ -13981,49 +13951,32 @@
       </p:grpSp>
       <p:pic>
         <p:nvPicPr>
-          <p:cNvPr id="1026" name="Picture 2" descr="Bildergebnis fÃ¼r monolith vs microservices">
+          <p:cNvPr id="4" name="Grafik 3">
             <a:extLst>
               <a:ext uri="{FF2B5EF4-FFF2-40B4-BE49-F238E27FC236}">
-                <a16:creationId xmlns:a16="http://schemas.microsoft.com/office/drawing/2014/main" id="{B882C261-62D9-43CA-8143-B98AFA677179}"/>
+                <a16:creationId xmlns:a16="http://schemas.microsoft.com/office/drawing/2014/main" id="{F50C5E88-970F-441A-8754-622267C120CD}"/>
               </a:ext>
             </a:extLst>
           </p:cNvPr>
           <p:cNvPicPr>
-            <a:picLocks noChangeAspect="1" noChangeArrowheads="1"/>
+            <a:picLocks noChangeAspect="1"/>
           </p:cNvPicPr>
           <p:nvPr/>
         </p:nvPicPr>
         <p:blipFill>
-          <a:blip r:embed="rId2">
-            <a:extLst>
-              <a:ext uri="{28A0092B-C50C-407E-A947-70E740481C1C}">
-                <a14:useLocalDpi xmlns:a14="http://schemas.microsoft.com/office/drawing/2010/main" val="0"/>
-              </a:ext>
-            </a:extLst>
-          </a:blip>
-          <a:srcRect/>
+          <a:blip r:embed="rId2"/>
           <a:stretch>
             <a:fillRect/>
           </a:stretch>
         </p:blipFill>
-        <p:spPr bwMode="auto">
+        <p:spPr>
           <a:xfrm>
-            <a:off x="851035" y="1119064"/>
-            <a:ext cx="6911975" cy="3759586"/>
+            <a:off x="899592" y="1222948"/>
+            <a:ext cx="7556728" cy="4412103"/>
           </a:xfrm>
           <a:prstGeom prst="rect">
             <a:avLst/>
           </a:prstGeom>
-          <a:noFill/>
-          <a:extLst>
-            <a:ext uri="{909E8E84-426E-40DD-AFC4-6F175D3DCCD1}">
-              <a14:hiddenFill xmlns:a14="http://schemas.microsoft.com/office/drawing/2010/main">
-                <a:solidFill>
-                  <a:srgbClr val="FFFFFF"/>
-                </a:solidFill>
-              </a14:hiddenFill>
-            </a:ext>
-          </a:extLst>
         </p:spPr>
       </p:pic>
     </p:spTree>
@@ -14162,7 +14115,7 @@
           <a:p>
             <a:fld id="{671342AB-2D21-4183-8B98-98B52FD7365F}" type="datetime1">
               <a:rPr lang="de-DE" smtClean="0"/>
-              <a:t>07.02.2019</a:t>
+              <a:t>10.02.2019</a:t>
             </a:fld>
             <a:endParaRPr lang="de-DE" dirty="0"/>
           </a:p>
@@ -15253,7 +15206,7 @@
                 <a:tabLst/>
                 <a:defRPr/>
               </a:pPr>
-              <a:t>07.02.2019</a:t>
+              <a:t>10.02.2019</a:t>
             </a:fld>
             <a:endParaRPr kumimoji="0" lang="de-DE" sz="900" b="0" i="0" u="none" strike="noStrike" kern="1200" cap="none" spc="0" normalizeH="0" baseline="0" noProof="0" dirty="0">
               <a:ln>
@@ -16300,7 +16253,7 @@
           <a:p>
             <a:fld id="{671342AB-2D21-4183-8B98-98B52FD7365F}" type="datetime1">
               <a:rPr lang="de-DE" smtClean="0"/>
-              <a:t>07.02.2019</a:t>
+              <a:t>10.02.2019</a:t>
             </a:fld>
             <a:endParaRPr lang="de-DE" dirty="0"/>
           </a:p>
@@ -17624,7 +17577,7 @@
           <a:p>
             <a:fld id="{671342AB-2D21-4183-8B98-98B52FD7365F}" type="datetime1">
               <a:rPr lang="de-DE" smtClean="0"/>
-              <a:t>07.02.2019</a:t>
+              <a:t>10.02.2019</a:t>
             </a:fld>
             <a:endParaRPr lang="de-DE" dirty="0"/>
           </a:p>
@@ -18312,7 +18265,7 @@
           <a:p>
             <a:fld id="{671342AB-2D21-4183-8B98-98B52FD7365F}" type="datetime1">
               <a:rPr lang="de-DE" smtClean="0"/>
-              <a:t>07.02.2019</a:t>
+              <a:t>10.02.2019</a:t>
             </a:fld>
             <a:endParaRPr lang="de-DE" dirty="0"/>
           </a:p>
@@ -19030,7 +18983,7 @@
           <a:p>
             <a:fld id="{671342AB-2D21-4183-8B98-98B52FD7365F}" type="datetime1">
               <a:rPr lang="de-DE" smtClean="0"/>
-              <a:t>07.02.2019</a:t>
+              <a:t>10.02.2019</a:t>
             </a:fld>
             <a:endParaRPr lang="de-DE" dirty="0"/>
           </a:p>
